--- a/Aulas/Aula2/Aula02_Python_Parte1.pptx
+++ b/Aulas/Aula2/Aula02_Python_Parte1.pptx
@@ -5,37 +5,36 @@
     <p:sldMasterId id="2147483687" r:id="rId1"/>
   </p:sldMasterIdLst>
   <p:notesMasterIdLst>
-    <p:notesMasterId r:id="rId30"/>
+    <p:notesMasterId r:id="rId29"/>
   </p:notesMasterIdLst>
   <p:sldIdLst>
     <p:sldId id="256" r:id="rId2"/>
     <p:sldId id="423" r:id="rId3"/>
     <p:sldId id="430" r:id="rId4"/>
-    <p:sldId id="381" r:id="rId5"/>
-    <p:sldId id="367" r:id="rId6"/>
-    <p:sldId id="426" r:id="rId7"/>
-    <p:sldId id="512" r:id="rId8"/>
-    <p:sldId id="376" r:id="rId9"/>
-    <p:sldId id="377" r:id="rId10"/>
-    <p:sldId id="410" r:id="rId11"/>
-    <p:sldId id="369" r:id="rId12"/>
-    <p:sldId id="412" r:id="rId13"/>
-    <p:sldId id="413" r:id="rId14"/>
-    <p:sldId id="429" r:id="rId15"/>
-    <p:sldId id="382" r:id="rId16"/>
-    <p:sldId id="384" r:id="rId17"/>
-    <p:sldId id="385" r:id="rId18"/>
-    <p:sldId id="386" r:id="rId19"/>
-    <p:sldId id="419" r:id="rId20"/>
-    <p:sldId id="431" r:id="rId21"/>
-    <p:sldId id="432" r:id="rId22"/>
-    <p:sldId id="433" r:id="rId23"/>
-    <p:sldId id="407" r:id="rId24"/>
-    <p:sldId id="408" r:id="rId25"/>
-    <p:sldId id="371" r:id="rId26"/>
-    <p:sldId id="378" r:id="rId27"/>
-    <p:sldId id="441" r:id="rId28"/>
-    <p:sldId id="442" r:id="rId29"/>
+    <p:sldId id="367" r:id="rId5"/>
+    <p:sldId id="426" r:id="rId6"/>
+    <p:sldId id="512" r:id="rId7"/>
+    <p:sldId id="376" r:id="rId8"/>
+    <p:sldId id="377" r:id="rId9"/>
+    <p:sldId id="410" r:id="rId10"/>
+    <p:sldId id="369" r:id="rId11"/>
+    <p:sldId id="412" r:id="rId12"/>
+    <p:sldId id="413" r:id="rId13"/>
+    <p:sldId id="429" r:id="rId14"/>
+    <p:sldId id="382" r:id="rId15"/>
+    <p:sldId id="384" r:id="rId16"/>
+    <p:sldId id="385" r:id="rId17"/>
+    <p:sldId id="386" r:id="rId18"/>
+    <p:sldId id="419" r:id="rId19"/>
+    <p:sldId id="431" r:id="rId20"/>
+    <p:sldId id="432" r:id="rId21"/>
+    <p:sldId id="433" r:id="rId22"/>
+    <p:sldId id="407" r:id="rId23"/>
+    <p:sldId id="408" r:id="rId24"/>
+    <p:sldId id="371" r:id="rId25"/>
+    <p:sldId id="378" r:id="rId26"/>
+    <p:sldId id="441" r:id="rId27"/>
+    <p:sldId id="442" r:id="rId28"/>
   </p:sldIdLst>
   <p:sldSz cx="13439775" cy="7559675"/>
   <p:notesSz cx="7559675" cy="10691813"/>
@@ -7803,7 +7802,7 @@
           <p:cNvPr id="2" name="Título 1">
             <a:extLst>
               <a:ext uri="{FF2B5EF4-FFF2-40B4-BE49-F238E27FC236}">
-                <a16:creationId xmlns:a16="http://schemas.microsoft.com/office/drawing/2014/main" id="{82DB40DE-59E1-4B97-A114-A9C90BD8175C}"/>
+                <a16:creationId xmlns:a16="http://schemas.microsoft.com/office/drawing/2014/main" id="{C8DA77EC-6F71-46B8-92C4-41AB5CEE0534}"/>
               </a:ext>
             </a:extLst>
           </p:cNvPr>
@@ -7821,7 +7820,7 @@
           <a:p>
             <a:r>
               <a:rPr lang="pt-BR" dirty="0"/>
-              <a:t>Laço do tipo for com a função range</a:t>
+              <a:t>Formando uma string (texto)</a:t>
             </a:r>
           </a:p>
         </p:txBody>
@@ -7831,7 +7830,7 @@
           <p:cNvPr id="3" name="Espaço Reservado para Conteúdo 2">
             <a:extLst>
               <a:ext uri="{FF2B5EF4-FFF2-40B4-BE49-F238E27FC236}">
-                <a16:creationId xmlns:a16="http://schemas.microsoft.com/office/drawing/2014/main" id="{E8A69164-52B8-4021-8281-35412A86673B}"/>
+                <a16:creationId xmlns:a16="http://schemas.microsoft.com/office/drawing/2014/main" id="{51B3872E-1291-4864-8067-43408F6E24A7}"/>
               </a:ext>
             </a:extLst>
           </p:cNvPr>
@@ -7842,81 +7841,88 @@
             <p:ph idx="1"/>
           </p:nvPr>
         </p:nvSpPr>
-        <p:spPr>
-          <a:xfrm>
-            <a:off x="457200" y="1178805"/>
-            <a:ext cx="12374879" cy="6245297"/>
-          </a:xfrm>
-        </p:spPr>
+        <p:spPr/>
         <p:txBody>
-          <a:bodyPr/>
+          <a:bodyPr>
+            <a:normAutofit/>
+          </a:bodyPr>
           <a:lstStyle/>
           <a:p>
             <a:r>
+              <a:rPr lang="pt-BR" dirty="0"/>
+              <a:t>Strings podem ser definidas usando aspas simples ou duplas</a:t>
+            </a:r>
+          </a:p>
+          <a:p>
+            <a:pPr lvl="1"/>
+            <a:r>
               <a:rPr lang="en-US" dirty="0">
-                <a:ea typeface="Source Code Pro" panose="020B0509030403020204" pitchFamily="49" charset="0"/>
-              </a:rPr>
-              <a:t>range(5)</a:t>
-            </a:r>
-          </a:p>
-          <a:p>
-            <a:pPr lvl="1"/>
+                <a:latin typeface="Source Code Pro" panose="020B0509030403020204" pitchFamily="49" charset="0"/>
+                <a:ea typeface="Source Code Pro" panose="020B0509030403020204" pitchFamily="49" charset="0"/>
+              </a:rPr>
+              <a:t>'</a:t>
+            </a:r>
+            <a:r>
+              <a:rPr lang="en-US" dirty="0" err="1">
+                <a:latin typeface="Source Code Pro" panose="020B0509030403020204" pitchFamily="49" charset="0"/>
+                <a:ea typeface="Source Code Pro" panose="020B0509030403020204" pitchFamily="49" charset="0"/>
+              </a:rPr>
+              <a:t>aluno</a:t>
+            </a:r>
             <a:r>
               <a:rPr lang="en-US" dirty="0">
-                <a:ea typeface="Source Code Pro" panose="020B0509030403020204" pitchFamily="49" charset="0"/>
-              </a:rPr>
-              <a:t>retorna um iterator da </a:t>
+                <a:latin typeface="Source Code Pro" panose="020B0509030403020204" pitchFamily="49" charset="0"/>
+                <a:ea typeface="Source Code Pro" panose="020B0509030403020204" pitchFamily="49" charset="0"/>
+              </a:rPr>
+              <a:t>' </a:t>
+            </a:r>
+            <a:r>
+              <a:rPr lang="en-US" sz="3000" dirty="0" err="1"/>
+              <a:t>ou</a:t>
+            </a:r>
+            <a:r>
+              <a:rPr lang="en-US" dirty="0">
+                <a:latin typeface="Source Code Pro" panose="020B0509030403020204" pitchFamily="49" charset="0"/>
+                <a:ea typeface="Source Code Pro" panose="020B0509030403020204" pitchFamily="49" charset="0"/>
+              </a:rPr>
+              <a:t> “</a:t>
             </a:r>
             <a:r>
               <a:rPr lang="en-US" dirty="0" err="1">
-                <a:ea typeface="Source Code Pro" panose="020B0509030403020204" pitchFamily="49" charset="0"/>
-              </a:rPr>
-              <a:t>sequência</a:t>
+                <a:latin typeface="Source Code Pro" panose="020B0509030403020204" pitchFamily="49" charset="0"/>
+                <a:ea typeface="Source Code Pro" panose="020B0509030403020204" pitchFamily="49" charset="0"/>
+              </a:rPr>
+              <a:t>aluno</a:t>
             </a:r>
             <a:r>
               <a:rPr lang="en-US" dirty="0">
-                <a:ea typeface="Source Code Pro" panose="020B0509030403020204" pitchFamily="49" charset="0"/>
-              </a:rPr>
-              <a:t> 0, 1, 2, 3, 4</a:t>
-            </a:r>
-          </a:p>
-          <a:p>
-            <a:r>
-              <a:rPr lang="en-US" dirty="0">
-                <a:ea typeface="Source Code Pro" panose="020B0509030403020204" pitchFamily="49" charset="0"/>
-              </a:rPr>
-              <a:t>range(2, 6)</a:t>
-            </a:r>
-          </a:p>
-          <a:p>
-            <a:pPr lvl="1"/>
-            <a:r>
-              <a:rPr lang="en-US" dirty="0">
-                <a:ea typeface="Source Code Pro" panose="020B0509030403020204" pitchFamily="49" charset="0"/>
-              </a:rPr>
-              <a:t>retorna um iterator da </a:t>
-            </a:r>
-            <a:r>
-              <a:rPr lang="en-US" dirty="0" err="1">
-                <a:ea typeface="Source Code Pro" panose="020B0509030403020204" pitchFamily="49" charset="0"/>
-              </a:rPr>
-              <a:t>sequência</a:t>
-            </a:r>
-            <a:r>
-              <a:rPr lang="en-US" dirty="0">
-                <a:ea typeface="Source Code Pro" panose="020B0509030403020204" pitchFamily="49" charset="0"/>
-              </a:rPr>
-              <a:t> 2, 3, 4, 5</a:t>
-            </a:r>
+                <a:latin typeface="Source Code Pro" panose="020B0509030403020204" pitchFamily="49" charset="0"/>
+                <a:ea typeface="Source Code Pro" panose="020B0509030403020204" pitchFamily="49" charset="0"/>
+              </a:rPr>
+              <a:t>” </a:t>
+            </a:r>
+            <a:r>
+              <a:rPr lang="en-US" sz="3000" dirty="0" err="1"/>
+              <a:t>são</a:t>
+            </a:r>
+            <a:r>
+              <a:rPr lang="en-US" sz="3000" dirty="0"/>
+              <a:t> </a:t>
+            </a:r>
+            <a:r>
+              <a:rPr lang="en-US" sz="3000" dirty="0" err="1"/>
+              <a:t>válidos</a:t>
+            </a:r>
+            <a:endParaRPr lang="pt-BR" sz="3000" dirty="0"/>
           </a:p>
         </p:txBody>
       </p:sp>
       <p:sp>
         <p:nvSpPr>
-          <p:cNvPr id="6" name="CaixaDeTexto 5">
+          <p:cNvPr id="4" name="CaixaDeTexto 3">
             <a:extLst>
               <a:ext uri="{FF2B5EF4-FFF2-40B4-BE49-F238E27FC236}">
-                <a16:creationId xmlns:a16="http://schemas.microsoft.com/office/drawing/2014/main" id="{3255C70A-F847-419F-B5CC-6FB0DFE630A2}"/>
+                <a16:creationId xmlns:a16="http://schemas.microsoft.com/office/drawing/2014/main" id="{81ED1935-0F58-4C0F-A3D8-457E1183C62E}"/>
               </a:ext>
             </a:extLst>
           </p:cNvPr>
@@ -7925,8 +7931,8 @@
         </p:nvSpPr>
         <p:spPr>
           <a:xfrm>
-            <a:off x="1323974" y="3779837"/>
-            <a:ext cx="10456545" cy="1696042"/>
+            <a:off x="2078951" y="2901164"/>
+            <a:ext cx="8787169" cy="3268139"/>
           </a:xfrm>
           <a:prstGeom prst="rect">
             <a:avLst/>
@@ -7950,46 +7956,11 @@
               </a:lnSpc>
             </a:pPr>
             <a:r>
-              <a:rPr lang="en-US" sz="2400" b="1" dirty="0">
-                <a:latin typeface="Source Code Pro" panose="020B0509030403020204" pitchFamily="49" charset="0"/>
-                <a:ea typeface="Source Code Pro" panose="020B0509030403020204" pitchFamily="49" charset="0"/>
-              </a:rPr>
-              <a:t>for</a:t>
-            </a:r>
-            <a:r>
-              <a:rPr lang="en-US" sz="2400" dirty="0">
-                <a:latin typeface="Source Code Pro" panose="020B0509030403020204" pitchFamily="49" charset="0"/>
-                <a:ea typeface="Source Code Pro" panose="020B0509030403020204" pitchFamily="49" charset="0"/>
-              </a:rPr>
-              <a:t> val </a:t>
-            </a:r>
-            <a:r>
-              <a:rPr lang="en-US" sz="2400" b="1" dirty="0">
-                <a:latin typeface="Source Code Pro" panose="020B0509030403020204" pitchFamily="49" charset="0"/>
-                <a:ea typeface="Source Code Pro" panose="020B0509030403020204" pitchFamily="49" charset="0"/>
-              </a:rPr>
-              <a:t>in</a:t>
-            </a:r>
-            <a:r>
-              <a:rPr lang="en-US" sz="2400" dirty="0">
-                <a:latin typeface="Source Code Pro" panose="020B0509030403020204" pitchFamily="49" charset="0"/>
-                <a:ea typeface="Source Code Pro" panose="020B0509030403020204" pitchFamily="49" charset="0"/>
-              </a:rPr>
-              <a:t> </a:t>
-            </a:r>
-            <a:r>
-              <a:rPr lang="en-US" sz="2400" b="1" dirty="0">
-                <a:latin typeface="Source Code Pro" panose="020B0509030403020204" pitchFamily="49" charset="0"/>
-                <a:ea typeface="Source Code Pro" panose="020B0509030403020204" pitchFamily="49" charset="0"/>
-              </a:rPr>
-              <a:t>range</a:t>
-            </a:r>
-            <a:r>
-              <a:rPr lang="en-US" sz="2400" dirty="0">
-                <a:latin typeface="Source Code Pro" panose="020B0509030403020204" pitchFamily="49" charset="0"/>
-                <a:ea typeface="Source Code Pro" panose="020B0509030403020204" pitchFamily="49" charset="0"/>
-              </a:rPr>
-              <a:t>(3):</a:t>
+              <a:rPr lang="en-US" sz="2300" dirty="0">
+                <a:latin typeface="Source Code Pro" panose="020B0509030403020204" pitchFamily="49" charset="0"/>
+                <a:ea typeface="Source Code Pro" panose="020B0509030403020204" pitchFamily="49" charset="0"/>
+              </a:rPr>
+              <a:t>a = 4.5</a:t>
             </a:r>
           </a:p>
           <a:p>
@@ -7999,25 +7970,11 @@
               </a:lnSpc>
             </a:pPr>
             <a:r>
-              <a:rPr lang="en-US" sz="2400" dirty="0">
-                <a:latin typeface="Source Code Pro" panose="020B0509030403020204" pitchFamily="49" charset="0"/>
-                <a:ea typeface="Source Code Pro" panose="020B0509030403020204" pitchFamily="49" charset="0"/>
-              </a:rPr>
-              <a:t>	</a:t>
-            </a:r>
-            <a:r>
-              <a:rPr lang="en-US" sz="2400" b="1" dirty="0">
-                <a:latin typeface="Source Code Pro" panose="020B0509030403020204" pitchFamily="49" charset="0"/>
-                <a:ea typeface="Source Code Pro" panose="020B0509030403020204" pitchFamily="49" charset="0"/>
-              </a:rPr>
-              <a:t>print</a:t>
-            </a:r>
-            <a:r>
-              <a:rPr lang="en-US" sz="2400" dirty="0">
-                <a:latin typeface="Source Code Pro" panose="020B0509030403020204" pitchFamily="49" charset="0"/>
-                <a:ea typeface="Source Code Pro" panose="020B0509030403020204" pitchFamily="49" charset="0"/>
-              </a:rPr>
-              <a:t>(val*val)</a:t>
+              <a:rPr lang="en-US" sz="2300" dirty="0">
+                <a:latin typeface="Source Code Pro" panose="020B0509030403020204" pitchFamily="49" charset="0"/>
+                <a:ea typeface="Source Code Pro" panose="020B0509030403020204" pitchFamily="49" charset="0"/>
+              </a:rPr>
+              <a:t>b = 2</a:t>
             </a:r>
           </a:p>
           <a:p>
@@ -8026,10 +7983,97 @@
                 <a:spcPct val="150000"/>
               </a:lnSpc>
             </a:pPr>
-            <a:endParaRPr lang="en-US" sz="2400" dirty="0">
-              <a:latin typeface="Source Code Pro" panose="020B0509030403020204" pitchFamily="49" charset="0"/>
-              <a:ea typeface="Source Code Pro" panose="020B0509030403020204" pitchFamily="49" charset="0"/>
-            </a:endParaRPr>
+            <a:r>
+              <a:rPr lang="en-US" sz="2300" dirty="0">
+                <a:latin typeface="Source Code Pro" panose="020B0509030403020204" pitchFamily="49" charset="0"/>
+                <a:ea typeface="Source Code Pro" panose="020B0509030403020204" pitchFamily="49" charset="0"/>
+              </a:rPr>
+              <a:t>frase1 = </a:t>
+            </a:r>
+            <a:r>
+              <a:rPr lang="en-US" sz="2300" b="1" dirty="0" err="1">
+                <a:latin typeface="Source Code Pro" panose="020B0509030403020204" pitchFamily="49" charset="0"/>
+                <a:ea typeface="Source Code Pro" panose="020B0509030403020204" pitchFamily="49" charset="0"/>
+              </a:rPr>
+              <a:t>f"a</a:t>
+            </a:r>
+            <a:r>
+              <a:rPr lang="en-US" sz="2300" b="1" dirty="0">
+                <a:latin typeface="Source Code Pro" panose="020B0509030403020204" pitchFamily="49" charset="0"/>
+                <a:ea typeface="Source Code Pro" panose="020B0509030403020204" pitchFamily="49" charset="0"/>
+              </a:rPr>
+              <a:t>={a}, b={b}"</a:t>
+            </a:r>
+          </a:p>
+          <a:p>
+            <a:pPr>
+              <a:lnSpc>
+                <a:spcPct val="150000"/>
+              </a:lnSpc>
+            </a:pPr>
+            <a:r>
+              <a:rPr lang="en-US" sz="2300" dirty="0">
+                <a:latin typeface="Source Code Pro" panose="020B0509030403020204" pitchFamily="49" charset="0"/>
+                <a:ea typeface="Source Code Pro" panose="020B0509030403020204" pitchFamily="49" charset="0"/>
+              </a:rPr>
+              <a:t>frase2 = "a={0}, b={1}".</a:t>
+            </a:r>
+            <a:r>
+              <a:rPr lang="en-US" sz="2400" b="1" dirty="0">
+                <a:latin typeface="Source Code Pro" panose="020B0509030403020204" pitchFamily="49" charset="0"/>
+                <a:ea typeface="Source Code Pro" panose="020B0509030403020204" pitchFamily="49" charset="0"/>
+              </a:rPr>
+              <a:t>format</a:t>
+            </a:r>
+            <a:r>
+              <a:rPr lang="en-US" sz="2300" dirty="0">
+                <a:latin typeface="Source Code Pro" panose="020B0509030403020204" pitchFamily="49" charset="0"/>
+                <a:ea typeface="Source Code Pro" panose="020B0509030403020204" pitchFamily="49" charset="0"/>
+              </a:rPr>
+              <a:t>(a, b)</a:t>
+            </a:r>
+          </a:p>
+          <a:p>
+            <a:pPr>
+              <a:lnSpc>
+                <a:spcPct val="150000"/>
+              </a:lnSpc>
+            </a:pPr>
+            <a:r>
+              <a:rPr lang="en-US" sz="2400" b="1" dirty="0">
+                <a:latin typeface="Source Code Pro" panose="020B0509030403020204" pitchFamily="49" charset="0"/>
+                <a:ea typeface="Source Code Pro" panose="020B0509030403020204" pitchFamily="49" charset="0"/>
+              </a:rPr>
+              <a:t>print</a:t>
+            </a:r>
+            <a:r>
+              <a:rPr lang="en-US" sz="2300" dirty="0">
+                <a:latin typeface="Source Code Pro" panose="020B0509030403020204" pitchFamily="49" charset="0"/>
+                <a:ea typeface="Source Code Pro" panose="020B0509030403020204" pitchFamily="49" charset="0"/>
+              </a:rPr>
+              <a:t>(frase1)</a:t>
+            </a:r>
+          </a:p>
+          <a:p>
+            <a:pPr>
+              <a:lnSpc>
+                <a:spcPct val="150000"/>
+              </a:lnSpc>
+            </a:pPr>
+            <a:r>
+              <a:rPr lang="en-US" sz="2400" b="1" dirty="0">
+                <a:latin typeface="Source Code Pro" panose="020B0509030403020204" pitchFamily="49" charset="0"/>
+                <a:ea typeface="Source Code Pro" panose="020B0509030403020204" pitchFamily="49" charset="0"/>
+              </a:rPr>
+              <a:t>print</a:t>
+            </a:r>
+            <a:r>
+              <a:rPr lang="en-US" sz="2300" dirty="0">
+                <a:latin typeface="Source Code Pro" panose="020B0509030403020204" pitchFamily="49" charset="0"/>
+                <a:ea typeface="Source Code Pro" panose="020B0509030403020204" pitchFamily="49" charset="0"/>
+              </a:rPr>
+              <a:t>(frase2)</a:t>
+            </a:r>
           </a:p>
         </p:txBody>
       </p:sp>
@@ -8038,7 +8082,7 @@
           <p:cNvPr id="5" name="Retângulo 4">
             <a:extLst>
               <a:ext uri="{FF2B5EF4-FFF2-40B4-BE49-F238E27FC236}">
-                <a16:creationId xmlns:a16="http://schemas.microsoft.com/office/drawing/2014/main" id="{72D1F425-45CE-4860-8220-B21F3B22AB58}"/>
+                <a16:creationId xmlns:a16="http://schemas.microsoft.com/office/drawing/2014/main" id="{034C142C-0ED6-461F-8714-2883822BB29D}"/>
               </a:ext>
             </a:extLst>
           </p:cNvPr>
@@ -8047,8 +8091,8 @@
         </p:nvSpPr>
         <p:spPr>
           <a:xfrm>
-            <a:off x="1323976" y="5631496"/>
-            <a:ext cx="10456543" cy="1460500"/>
+            <a:off x="2078951" y="6298957"/>
+            <a:ext cx="8787169" cy="885745"/>
           </a:xfrm>
           <a:prstGeom prst="rect">
             <a:avLst/>
@@ -8084,42 +8128,43 @@
           <a:lstStyle/>
           <a:p>
             <a:r>
-              <a:rPr lang="pt-BR" sz="2400" dirty="0">
+              <a:rPr lang="en-US" sz="2300" dirty="0">
                 <a:solidFill>
                   <a:schemeClr val="tx1"/>
                 </a:solidFill>
-              </a:rPr>
-              <a:t>0</a:t>
-            </a:r>
-          </a:p>
-          <a:p>
-            <a:r>
-              <a:rPr lang="pt-BR" sz="2400" dirty="0">
+                <a:latin typeface="Source Code Pro" panose="020B0509030403020204" pitchFamily="49" charset="0"/>
+                <a:ea typeface="Source Code Pro" panose="020B0509030403020204" pitchFamily="49" charset="0"/>
+              </a:rPr>
+              <a:t>a=4.5, b=2</a:t>
+            </a:r>
+          </a:p>
+          <a:p>
+            <a:r>
+              <a:rPr lang="en-US" sz="2300" dirty="0">
                 <a:solidFill>
                   <a:schemeClr val="tx1"/>
                 </a:solidFill>
-              </a:rPr>
-              <a:t>1</a:t>
-            </a:r>
-          </a:p>
-          <a:p>
-            <a:r>
-              <a:rPr lang="pt-BR" sz="2400" dirty="0">
-                <a:solidFill>
-                  <a:schemeClr val="tx1"/>
-                </a:solidFill>
-              </a:rPr>
-              <a:t>4</a:t>
-            </a:r>
+                <a:latin typeface="Source Code Pro" panose="020B0509030403020204" pitchFamily="49" charset="0"/>
+                <a:ea typeface="Source Code Pro" panose="020B0509030403020204" pitchFamily="49" charset="0"/>
+              </a:rPr>
+              <a:t>a=4.5, b=2</a:t>
+            </a:r>
+            <a:endParaRPr lang="pt-BR" sz="2300" dirty="0">
+              <a:solidFill>
+                <a:schemeClr val="tx1"/>
+              </a:solidFill>
+              <a:latin typeface="Source Code Pro" panose="020B0509030403020204" pitchFamily="49" charset="0"/>
+              <a:ea typeface="Source Code Pro" panose="020B0509030403020204" pitchFamily="49" charset="0"/>
+            </a:endParaRPr>
           </a:p>
         </p:txBody>
       </p:sp>
       <p:sp>
         <p:nvSpPr>
-          <p:cNvPr id="4" name="CustomShape 3">
+          <p:cNvPr id="7" name="CustomShape 3">
             <a:extLst>
               <a:ext uri="{FF2B5EF4-FFF2-40B4-BE49-F238E27FC236}">
-                <a16:creationId xmlns:a16="http://schemas.microsoft.com/office/drawing/2014/main" id="{1BE7B927-27BF-4931-A919-93224C590B50}"/>
+                <a16:creationId xmlns:a16="http://schemas.microsoft.com/office/drawing/2014/main" id="{2B370FA0-8534-40E5-BAF6-DC5E0F92BFA1}"/>
               </a:ext>
             </a:extLst>
           </p:cNvPr>
@@ -8179,7 +8224,7 @@
     </p:spTree>
     <p:extLst>
       <p:ext uri="{BB962C8B-B14F-4D97-AF65-F5344CB8AC3E}">
-        <p14:creationId xmlns:p14="http://schemas.microsoft.com/office/powerpoint/2010/main" val="1354421941"/>
+        <p14:creationId xmlns:p14="http://schemas.microsoft.com/office/powerpoint/2010/main" val="4163368056"/>
       </p:ext>
     </p:extLst>
   </p:cSld>
@@ -8307,8 +8352,13 @@
           <a:p>
             <a:r>
               <a:rPr lang="pt-BR" dirty="0"/>
-              <a:t>Formando uma string (texto)</a:t>
-            </a:r>
+              <a:t>Funções Populares de String: </a:t>
+            </a:r>
+            <a:r>
+              <a:rPr lang="pt-BR" dirty="0" err="1"/>
+              <a:t>join</a:t>
+            </a:r>
+            <a:endParaRPr lang="pt-BR" dirty="0"/>
           </a:p>
         </p:txBody>
       </p:sp>
@@ -8337,70 +8387,20 @@
           <a:p>
             <a:r>
               <a:rPr lang="pt-BR" dirty="0"/>
-              <a:t>Strings podem ser definidas usando aspas simples ou duplas</a:t>
+              <a:t>Transforma uma lista de strings numa string</a:t>
             </a:r>
           </a:p>
           <a:p>
             <a:pPr lvl="1"/>
             <a:r>
               <a:rPr lang="en-US" dirty="0">
-                <a:latin typeface="Source Code Pro" panose="020B0509030403020204" pitchFamily="49" charset="0"/>
-                <a:ea typeface="Source Code Pro" panose="020B0509030403020204" pitchFamily="49" charset="0"/>
-              </a:rPr>
-              <a:t>'</a:t>
-            </a:r>
-            <a:r>
-              <a:rPr lang="en-US" dirty="0" err="1">
-                <a:latin typeface="Source Code Pro" panose="020B0509030403020204" pitchFamily="49" charset="0"/>
-                <a:ea typeface="Source Code Pro" panose="020B0509030403020204" pitchFamily="49" charset="0"/>
-              </a:rPr>
-              <a:t>aluno</a:t>
-            </a:r>
-            <a:r>
-              <a:rPr lang="en-US" dirty="0">
-                <a:latin typeface="Source Code Pro" panose="020B0509030403020204" pitchFamily="49" charset="0"/>
-                <a:ea typeface="Source Code Pro" panose="020B0509030403020204" pitchFamily="49" charset="0"/>
-              </a:rPr>
-              <a:t>' </a:t>
-            </a:r>
-            <a:r>
-              <a:rPr lang="en-US" sz="3000" dirty="0" err="1"/>
-              <a:t>ou</a:t>
-            </a:r>
-            <a:r>
-              <a:rPr lang="en-US" dirty="0">
-                <a:latin typeface="Source Code Pro" panose="020B0509030403020204" pitchFamily="49" charset="0"/>
-                <a:ea typeface="Source Code Pro" panose="020B0509030403020204" pitchFamily="49" charset="0"/>
-              </a:rPr>
-              <a:t> “</a:t>
-            </a:r>
-            <a:r>
-              <a:rPr lang="en-US" dirty="0" err="1">
-                <a:latin typeface="Source Code Pro" panose="020B0509030403020204" pitchFamily="49" charset="0"/>
-                <a:ea typeface="Source Code Pro" panose="020B0509030403020204" pitchFamily="49" charset="0"/>
-              </a:rPr>
-              <a:t>aluno</a:t>
-            </a:r>
-            <a:r>
-              <a:rPr lang="en-US" dirty="0">
-                <a:latin typeface="Source Code Pro" panose="020B0509030403020204" pitchFamily="49" charset="0"/>
-                <a:ea typeface="Source Code Pro" panose="020B0509030403020204" pitchFamily="49" charset="0"/>
-              </a:rPr>
-              <a:t>” </a:t>
-            </a:r>
-            <a:r>
-              <a:rPr lang="en-US" sz="3000" dirty="0" err="1"/>
-              <a:t>são</a:t>
-            </a:r>
-            <a:r>
-              <a:rPr lang="en-US" sz="3000" dirty="0"/>
-              <a:t> </a:t>
-            </a:r>
-            <a:r>
-              <a:rPr lang="en-US" sz="3000" dirty="0" err="1"/>
-              <a:t>válidos</a:t>
-            </a:r>
-            <a:endParaRPr lang="pt-BR" sz="3000" dirty="0"/>
+                <a:ea typeface="Source Code Pro" panose="020B0509030403020204" pitchFamily="49" charset="0"/>
+              </a:rPr>
+              <a:t>concatenada por um separador</a:t>
+            </a:r>
+            <a:endParaRPr lang="pt-BR" dirty="0">
+              <a:ea typeface="Source Code Pro" panose="020B0509030403020204" pitchFamily="49" charset="0"/>
+            </a:endParaRPr>
           </a:p>
         </p:txBody>
       </p:sp>
@@ -8418,8 +8418,8 @@
         </p:nvSpPr>
         <p:spPr>
           <a:xfrm>
-            <a:off x="2078951" y="2901164"/>
-            <a:ext cx="8787169" cy="3268139"/>
+            <a:off x="2251054" y="3429648"/>
+            <a:ext cx="8787169" cy="1696042"/>
           </a:xfrm>
           <a:prstGeom prst="rect">
             <a:avLst/>
@@ -8443,11 +8443,18 @@
               </a:lnSpc>
             </a:pPr>
             <a:r>
-              <a:rPr lang="en-US" sz="2300" dirty="0">
-                <a:latin typeface="Source Code Pro" panose="020B0509030403020204" pitchFamily="49" charset="0"/>
-                <a:ea typeface="Source Code Pro" panose="020B0509030403020204" pitchFamily="49" charset="0"/>
-              </a:rPr>
-              <a:t>a = 4.5</a:t>
+              <a:rPr lang="en-US" sz="2400" dirty="0" err="1">
+                <a:latin typeface="Source Code Pro" panose="020B0509030403020204" pitchFamily="49" charset="0"/>
+                <a:ea typeface="Source Code Pro" panose="020B0509030403020204" pitchFamily="49" charset="0"/>
+              </a:rPr>
+              <a:t>lista_str</a:t>
+            </a:r>
+            <a:r>
+              <a:rPr lang="en-US" sz="2400" dirty="0">
+                <a:latin typeface="Source Code Pro" panose="020B0509030403020204" pitchFamily="49" charset="0"/>
+                <a:ea typeface="Source Code Pro" panose="020B0509030403020204" pitchFamily="49" charset="0"/>
+              </a:rPr>
+              <a:t> = ["1", "2", "3", "4"]</a:t>
             </a:r>
           </a:p>
           <a:p>
@@ -8461,7 +8468,35 @@
                 <a:latin typeface="Source Code Pro" panose="020B0509030403020204" pitchFamily="49" charset="0"/>
                 <a:ea typeface="Source Code Pro" panose="020B0509030403020204" pitchFamily="49" charset="0"/>
               </a:rPr>
-              <a:t>b = 2</a:t>
+              <a:t>str_concatenado = "-".</a:t>
+            </a:r>
+            <a:r>
+              <a:rPr lang="en-US" sz="2400" b="1" dirty="0">
+                <a:latin typeface="Source Code Pro" panose="020B0509030403020204" pitchFamily="49" charset="0"/>
+                <a:ea typeface="Source Code Pro" panose="020B0509030403020204" pitchFamily="49" charset="0"/>
+              </a:rPr>
+              <a:t>join</a:t>
+            </a:r>
+            <a:r>
+              <a:rPr lang="en-US" sz="2300" dirty="0">
+                <a:latin typeface="Source Code Pro" panose="020B0509030403020204" pitchFamily="49" charset="0"/>
+                <a:ea typeface="Source Code Pro" panose="020B0509030403020204" pitchFamily="49" charset="0"/>
+              </a:rPr>
+              <a:t>(</a:t>
+            </a:r>
+            <a:r>
+              <a:rPr lang="en-US" sz="2000" dirty="0" err="1">
+                <a:latin typeface="Source Code Pro" panose="020B0509030403020204" pitchFamily="49" charset="0"/>
+                <a:ea typeface="Source Code Pro" panose="020B0509030403020204" pitchFamily="49" charset="0"/>
+              </a:rPr>
+              <a:t>lista_str</a:t>
+            </a:r>
+            <a:r>
+              <a:rPr lang="en-US" sz="2300" dirty="0">
+                <a:latin typeface="Source Code Pro" panose="020B0509030403020204" pitchFamily="49" charset="0"/>
+                <a:ea typeface="Source Code Pro" panose="020B0509030403020204" pitchFamily="49" charset="0"/>
+              </a:rPr>
+              <a:t>)</a:t>
             </a:r>
           </a:p>
           <a:p>
@@ -8471,95 +8506,18 @@
               </a:lnSpc>
             </a:pPr>
             <a:r>
+              <a:rPr lang="en-US" sz="2400" b="1" dirty="0">
+                <a:latin typeface="Source Code Pro" panose="020B0509030403020204" pitchFamily="49" charset="0"/>
+                <a:ea typeface="Source Code Pro" panose="020B0509030403020204" pitchFamily="49" charset="0"/>
+              </a:rPr>
+              <a:t>print</a:t>
+            </a:r>
+            <a:r>
               <a:rPr lang="en-US" sz="2300" dirty="0">
                 <a:latin typeface="Source Code Pro" panose="020B0509030403020204" pitchFamily="49" charset="0"/>
                 <a:ea typeface="Source Code Pro" panose="020B0509030403020204" pitchFamily="49" charset="0"/>
               </a:rPr>
-              <a:t>frase1 = </a:t>
-            </a:r>
-            <a:r>
-              <a:rPr lang="en-US" sz="2300" b="1" dirty="0" err="1">
-                <a:latin typeface="Source Code Pro" panose="020B0509030403020204" pitchFamily="49" charset="0"/>
-                <a:ea typeface="Source Code Pro" panose="020B0509030403020204" pitchFamily="49" charset="0"/>
-              </a:rPr>
-              <a:t>f"a</a:t>
-            </a:r>
-            <a:r>
-              <a:rPr lang="en-US" sz="2300" b="1" dirty="0">
-                <a:latin typeface="Source Code Pro" panose="020B0509030403020204" pitchFamily="49" charset="0"/>
-                <a:ea typeface="Source Code Pro" panose="020B0509030403020204" pitchFamily="49" charset="0"/>
-              </a:rPr>
-              <a:t>={a}, b={b}"</a:t>
-            </a:r>
-          </a:p>
-          <a:p>
-            <a:pPr>
-              <a:lnSpc>
-                <a:spcPct val="150000"/>
-              </a:lnSpc>
-            </a:pPr>
-            <a:r>
-              <a:rPr lang="en-US" sz="2300" dirty="0">
-                <a:latin typeface="Source Code Pro" panose="020B0509030403020204" pitchFamily="49" charset="0"/>
-                <a:ea typeface="Source Code Pro" panose="020B0509030403020204" pitchFamily="49" charset="0"/>
-              </a:rPr>
-              <a:t>frase2 = "a={0}, b={1}".</a:t>
-            </a:r>
-            <a:r>
-              <a:rPr lang="en-US" sz="2400" b="1" dirty="0">
-                <a:latin typeface="Source Code Pro" panose="020B0509030403020204" pitchFamily="49" charset="0"/>
-                <a:ea typeface="Source Code Pro" panose="020B0509030403020204" pitchFamily="49" charset="0"/>
-              </a:rPr>
-              <a:t>format</a:t>
-            </a:r>
-            <a:r>
-              <a:rPr lang="en-US" sz="2300" dirty="0">
-                <a:latin typeface="Source Code Pro" panose="020B0509030403020204" pitchFamily="49" charset="0"/>
-                <a:ea typeface="Source Code Pro" panose="020B0509030403020204" pitchFamily="49" charset="0"/>
-              </a:rPr>
-              <a:t>(a, b)</a:t>
-            </a:r>
-          </a:p>
-          <a:p>
-            <a:pPr>
-              <a:lnSpc>
-                <a:spcPct val="150000"/>
-              </a:lnSpc>
-            </a:pPr>
-            <a:r>
-              <a:rPr lang="en-US" sz="2400" b="1" dirty="0">
-                <a:latin typeface="Source Code Pro" panose="020B0509030403020204" pitchFamily="49" charset="0"/>
-                <a:ea typeface="Source Code Pro" panose="020B0509030403020204" pitchFamily="49" charset="0"/>
-              </a:rPr>
-              <a:t>print</a:t>
-            </a:r>
-            <a:r>
-              <a:rPr lang="en-US" sz="2300" dirty="0">
-                <a:latin typeface="Source Code Pro" panose="020B0509030403020204" pitchFamily="49" charset="0"/>
-                <a:ea typeface="Source Code Pro" panose="020B0509030403020204" pitchFamily="49" charset="0"/>
-              </a:rPr>
-              <a:t>(frase1)</a:t>
-            </a:r>
-          </a:p>
-          <a:p>
-            <a:pPr>
-              <a:lnSpc>
-                <a:spcPct val="150000"/>
-              </a:lnSpc>
-            </a:pPr>
-            <a:r>
-              <a:rPr lang="en-US" sz="2400" b="1" dirty="0">
-                <a:latin typeface="Source Code Pro" panose="020B0509030403020204" pitchFamily="49" charset="0"/>
-                <a:ea typeface="Source Code Pro" panose="020B0509030403020204" pitchFamily="49" charset="0"/>
-              </a:rPr>
-              <a:t>print</a:t>
-            </a:r>
-            <a:r>
-              <a:rPr lang="en-US" sz="2300" dirty="0">
-                <a:latin typeface="Source Code Pro" panose="020B0509030403020204" pitchFamily="49" charset="0"/>
-                <a:ea typeface="Source Code Pro" panose="020B0509030403020204" pitchFamily="49" charset="0"/>
-              </a:rPr>
-              <a:t>(frase2)</a:t>
+              <a:t>(str_concatenado)</a:t>
             </a:r>
           </a:p>
         </p:txBody>
@@ -8578,8 +8536,8 @@
         </p:nvSpPr>
         <p:spPr>
           <a:xfrm>
-            <a:off x="2078951" y="6298957"/>
-            <a:ext cx="8787169" cy="885745"/>
+            <a:off x="2251053" y="5329084"/>
+            <a:ext cx="8787169" cy="616262"/>
           </a:xfrm>
           <a:prstGeom prst="rect">
             <a:avLst/>
@@ -8622,27 +8580,8 @@
                 <a:latin typeface="Source Code Pro" panose="020B0509030403020204" pitchFamily="49" charset="0"/>
                 <a:ea typeface="Source Code Pro" panose="020B0509030403020204" pitchFamily="49" charset="0"/>
               </a:rPr>
-              <a:t>a=4.5, b=2</a:t>
-            </a:r>
-          </a:p>
-          <a:p>
-            <a:r>
-              <a:rPr lang="en-US" sz="2300" dirty="0">
-                <a:solidFill>
-                  <a:schemeClr val="tx1"/>
-                </a:solidFill>
-                <a:latin typeface="Source Code Pro" panose="020B0509030403020204" pitchFamily="49" charset="0"/>
-                <a:ea typeface="Source Code Pro" panose="020B0509030403020204" pitchFamily="49" charset="0"/>
-              </a:rPr>
-              <a:t>a=4.5, b=2</a:t>
-            </a:r>
-            <a:endParaRPr lang="pt-BR" sz="2300" dirty="0">
-              <a:solidFill>
-                <a:schemeClr val="tx1"/>
-              </a:solidFill>
-              <a:latin typeface="Source Code Pro" panose="020B0509030403020204" pitchFamily="49" charset="0"/>
-              <a:ea typeface="Source Code Pro" panose="020B0509030403020204" pitchFamily="49" charset="0"/>
-            </a:endParaRPr>
+              <a:t>1-2-3-4</a:t>
+            </a:r>
           </a:p>
         </p:txBody>
       </p:sp>
@@ -8711,7 +8650,7 @@
     </p:spTree>
     <p:extLst>
       <p:ext uri="{BB962C8B-B14F-4D97-AF65-F5344CB8AC3E}">
-        <p14:creationId xmlns:p14="http://schemas.microsoft.com/office/powerpoint/2010/main" val="4163368056"/>
+        <p14:creationId xmlns:p14="http://schemas.microsoft.com/office/powerpoint/2010/main" val="2027010376"/>
       </p:ext>
     </p:extLst>
   </p:cSld>
@@ -8839,13 +8778,8 @@
           <a:p>
             <a:r>
               <a:rPr lang="pt-BR" dirty="0"/>
-              <a:t>Funções Populares de String: </a:t>
-            </a:r>
-            <a:r>
-              <a:rPr lang="pt-BR" dirty="0" err="1"/>
-              <a:t>join</a:t>
-            </a:r>
-            <a:endParaRPr lang="pt-BR" dirty="0"/>
+              <a:t>Funções Populares de String: split</a:t>
+            </a:r>
           </a:p>
         </p:txBody>
       </p:sp>
@@ -8865,7 +8799,12 @@
             <p:ph idx="1"/>
           </p:nvPr>
         </p:nvSpPr>
-        <p:spPr/>
+        <p:spPr>
+          <a:xfrm>
+            <a:off x="457201" y="1600199"/>
+            <a:ext cx="12058650" cy="5823903"/>
+          </a:xfrm>
+        </p:spPr>
         <p:txBody>
           <a:bodyPr>
             <a:normAutofit/>
@@ -8873,17 +8812,91 @@
           <a:lstStyle/>
           <a:p>
             <a:r>
+              <a:rPr lang="en-US" dirty="0" err="1">
+                <a:latin typeface="Source Code Pro" panose="020B0509030403020204" pitchFamily="49" charset="0"/>
+                <a:ea typeface="Source Code Pro" panose="020B0509030403020204" pitchFamily="49" charset="0"/>
+              </a:rPr>
+              <a:t>str.split</a:t>
+            </a:r>
+            <a:r>
+              <a:rPr lang="en-US" dirty="0">
+                <a:latin typeface="Source Code Pro" panose="020B0509030403020204" pitchFamily="49" charset="0"/>
+                <a:ea typeface="Source Code Pro" panose="020B0509030403020204" pitchFamily="49" charset="0"/>
+              </a:rPr>
+              <a:t>(</a:t>
+            </a:r>
+            <a:r>
+              <a:rPr lang="en-US" dirty="0" err="1">
+                <a:latin typeface="Source Code Pro" panose="020B0509030403020204" pitchFamily="49" charset="0"/>
+                <a:ea typeface="Source Code Pro" panose="020B0509030403020204" pitchFamily="49" charset="0"/>
+              </a:rPr>
+              <a:t>sep</a:t>
+            </a:r>
+            <a:r>
+              <a:rPr lang="en-US" dirty="0">
+                <a:latin typeface="Source Code Pro" panose="020B0509030403020204" pitchFamily="49" charset="0"/>
+                <a:ea typeface="Source Code Pro" panose="020B0509030403020204" pitchFamily="49" charset="0"/>
+              </a:rPr>
+              <a:t>=None, </a:t>
+            </a:r>
+            <a:r>
+              <a:rPr lang="en-US" dirty="0" err="1">
+                <a:latin typeface="Source Code Pro" panose="020B0509030403020204" pitchFamily="49" charset="0"/>
+                <a:ea typeface="Source Code Pro" panose="020B0509030403020204" pitchFamily="49" charset="0"/>
+              </a:rPr>
+              <a:t>maxsplit</a:t>
+            </a:r>
+            <a:r>
+              <a:rPr lang="en-US" dirty="0">
+                <a:latin typeface="Source Code Pro" panose="020B0509030403020204" pitchFamily="49" charset="0"/>
+                <a:ea typeface="Source Code Pro" panose="020B0509030403020204" pitchFamily="49" charset="0"/>
+              </a:rPr>
+              <a:t>=-1)</a:t>
+            </a:r>
+          </a:p>
+          <a:p>
+            <a:pPr lvl="1"/>
+            <a:r>
               <a:rPr lang="pt-BR" dirty="0"/>
-              <a:t>Transforma uma lista de strings numa string</a:t>
-            </a:r>
-          </a:p>
-          <a:p>
-            <a:pPr lvl="1"/>
+              <a:t>Divide uma string em partes separadas por um caractere separador </a:t>
+            </a:r>
+            <a:r>
+              <a:rPr lang="pt-BR" i="1" dirty="0" err="1">
+                <a:latin typeface="Source Code Pro" panose="020B0509030403020204" pitchFamily="49" charset="0"/>
+                <a:ea typeface="Source Code Pro" panose="020B0509030403020204" pitchFamily="49" charset="0"/>
+              </a:rPr>
+              <a:t>sep</a:t>
+            </a:r>
+            <a:endParaRPr lang="pt-BR" i="1" dirty="0">
+              <a:latin typeface="Source Code Pro" panose="020B0509030403020204" pitchFamily="49" charset="0"/>
+              <a:ea typeface="Source Code Pro" panose="020B0509030403020204" pitchFamily="49" charset="0"/>
+            </a:endParaRPr>
+          </a:p>
+          <a:p>
+            <a:pPr lvl="2"/>
             <a:r>
               <a:rPr lang="en-US" dirty="0">
                 <a:ea typeface="Source Code Pro" panose="020B0509030403020204" pitchFamily="49" charset="0"/>
               </a:rPr>
-              <a:t>concatenada por um separador</a:t>
+              <a:t>o resultado </a:t>
+            </a:r>
+            <a:r>
+              <a:rPr lang="en-US" dirty="0" err="1">
+                <a:ea typeface="Source Code Pro" panose="020B0509030403020204" pitchFamily="49" charset="0"/>
+              </a:rPr>
+              <a:t>retornado</a:t>
+            </a:r>
+            <a:r>
+              <a:rPr lang="en-US" dirty="0">
+                <a:ea typeface="Source Code Pro" panose="020B0509030403020204" pitchFamily="49" charset="0"/>
+              </a:rPr>
+              <a:t> é uma lista dos sub-</a:t>
+            </a:r>
+            <a:r>
+              <a:rPr lang="en-US" dirty="0" err="1">
+                <a:ea typeface="Source Code Pro" panose="020B0509030403020204" pitchFamily="49" charset="0"/>
+              </a:rPr>
+              <a:t>elementos</a:t>
             </a:r>
             <a:endParaRPr lang="pt-BR" dirty="0">
               <a:ea typeface="Source Code Pro" panose="020B0509030403020204" pitchFamily="49" charset="0"/>
@@ -8905,7 +8918,7 @@
         </p:nvSpPr>
         <p:spPr>
           <a:xfrm>
-            <a:off x="2251054" y="3429648"/>
+            <a:off x="2241529" y="4025915"/>
             <a:ext cx="8787169" cy="1696042"/>
           </a:xfrm>
           <a:prstGeom prst="rect">
@@ -8930,18 +8943,11 @@
               </a:lnSpc>
             </a:pPr>
             <a:r>
-              <a:rPr lang="en-US" sz="2400" dirty="0" err="1">
-                <a:latin typeface="Source Code Pro" panose="020B0509030403020204" pitchFamily="49" charset="0"/>
-                <a:ea typeface="Source Code Pro" panose="020B0509030403020204" pitchFamily="49" charset="0"/>
-              </a:rPr>
-              <a:t>lista_str</a:t>
-            </a:r>
-            <a:r>
               <a:rPr lang="en-US" sz="2400" dirty="0">
                 <a:latin typeface="Source Code Pro" panose="020B0509030403020204" pitchFamily="49" charset="0"/>
                 <a:ea typeface="Source Code Pro" panose="020B0509030403020204" pitchFamily="49" charset="0"/>
               </a:rPr>
-              <a:t> = ["1", "2", "3", "4"]</a:t>
+              <a:t>texto = "1-2-3-4"</a:t>
             </a:r>
           </a:p>
           <a:p>
@@ -8951,39 +8957,32 @@
               </a:lnSpc>
             </a:pPr>
             <a:r>
-              <a:rPr lang="en-US" sz="2300" dirty="0">
-                <a:latin typeface="Source Code Pro" panose="020B0509030403020204" pitchFamily="49" charset="0"/>
-                <a:ea typeface="Source Code Pro" panose="020B0509030403020204" pitchFamily="49" charset="0"/>
-              </a:rPr>
-              <a:t>str_concatenado = "-".</a:t>
-            </a:r>
-            <a:r>
-              <a:rPr lang="en-US" sz="2400" b="1" dirty="0">
-                <a:latin typeface="Source Code Pro" panose="020B0509030403020204" pitchFamily="49" charset="0"/>
-                <a:ea typeface="Source Code Pro" panose="020B0509030403020204" pitchFamily="49" charset="0"/>
-              </a:rPr>
-              <a:t>join</a:t>
-            </a:r>
-            <a:r>
-              <a:rPr lang="en-US" sz="2300" dirty="0">
-                <a:latin typeface="Source Code Pro" panose="020B0509030403020204" pitchFamily="49" charset="0"/>
-                <a:ea typeface="Source Code Pro" panose="020B0509030403020204" pitchFamily="49" charset="0"/>
-              </a:rPr>
-              <a:t>(</a:t>
-            </a:r>
-            <a:r>
-              <a:rPr lang="en-US" sz="2000" dirty="0" err="1">
-                <a:latin typeface="Source Code Pro" panose="020B0509030403020204" pitchFamily="49" charset="0"/>
-                <a:ea typeface="Source Code Pro" panose="020B0509030403020204" pitchFamily="49" charset="0"/>
-              </a:rPr>
-              <a:t>lista_str</a:t>
-            </a:r>
-            <a:r>
-              <a:rPr lang="en-US" sz="2300" dirty="0">
-                <a:latin typeface="Source Code Pro" panose="020B0509030403020204" pitchFamily="49" charset="0"/>
-                <a:ea typeface="Source Code Pro" panose="020B0509030403020204" pitchFamily="49" charset="0"/>
-              </a:rPr>
-              <a:t>)</a:t>
+              <a:rPr lang="en-US" sz="2400" dirty="0">
+                <a:latin typeface="Source Code Pro" panose="020B0509030403020204" pitchFamily="49" charset="0"/>
+                <a:ea typeface="Source Code Pro" panose="020B0509030403020204" pitchFamily="49" charset="0"/>
+              </a:rPr>
+              <a:t>lista = </a:t>
+            </a:r>
+            <a:r>
+              <a:rPr lang="en-US" sz="2400" dirty="0" err="1">
+                <a:latin typeface="Source Code Pro" panose="020B0509030403020204" pitchFamily="49" charset="0"/>
+                <a:ea typeface="Source Code Pro" panose="020B0509030403020204" pitchFamily="49" charset="0"/>
+              </a:rPr>
+              <a:t>texto.</a:t>
+            </a:r>
+            <a:r>
+              <a:rPr lang="en-US" sz="2400" b="1" dirty="0" err="1">
+                <a:latin typeface="Source Code Pro" panose="020B0509030403020204" pitchFamily="49" charset="0"/>
+                <a:ea typeface="Source Code Pro" panose="020B0509030403020204" pitchFamily="49" charset="0"/>
+              </a:rPr>
+              <a:t>split</a:t>
+            </a:r>
+            <a:r>
+              <a:rPr lang="en-US" sz="2400" dirty="0">
+                <a:latin typeface="Source Code Pro" panose="020B0509030403020204" pitchFamily="49" charset="0"/>
+                <a:ea typeface="Source Code Pro" panose="020B0509030403020204" pitchFamily="49" charset="0"/>
+              </a:rPr>
+              <a:t>("-")</a:t>
             </a:r>
           </a:p>
           <a:p>
@@ -9000,12 +8999,16 @@
               <a:t>print</a:t>
             </a:r>
             <a:r>
-              <a:rPr lang="en-US" sz="2300" dirty="0">
-                <a:latin typeface="Source Code Pro" panose="020B0509030403020204" pitchFamily="49" charset="0"/>
-                <a:ea typeface="Source Code Pro" panose="020B0509030403020204" pitchFamily="49" charset="0"/>
-              </a:rPr>
-              <a:t>(str_concatenado)</a:t>
-            </a:r>
+              <a:rPr lang="en-US" sz="2400" dirty="0">
+                <a:latin typeface="Source Code Pro" panose="020B0509030403020204" pitchFamily="49" charset="0"/>
+                <a:ea typeface="Source Code Pro" panose="020B0509030403020204" pitchFamily="49" charset="0"/>
+              </a:rPr>
+              <a:t>(lista)</a:t>
+            </a:r>
+            <a:endParaRPr lang="en-US" sz="2300" dirty="0">
+              <a:latin typeface="Source Code Pro" panose="020B0509030403020204" pitchFamily="49" charset="0"/>
+              <a:ea typeface="Source Code Pro" panose="020B0509030403020204" pitchFamily="49" charset="0"/>
+            </a:endParaRPr>
           </a:p>
         </p:txBody>
       </p:sp>
@@ -9023,7 +9026,7 @@
         </p:nvSpPr>
         <p:spPr>
           <a:xfrm>
-            <a:off x="2251053" y="5329084"/>
+            <a:off x="2241528" y="5925351"/>
             <a:ext cx="8787169" cy="616262"/>
           </a:xfrm>
           <a:prstGeom prst="rect">
@@ -9067,7 +9070,7 @@
                 <a:latin typeface="Source Code Pro" panose="020B0509030403020204" pitchFamily="49" charset="0"/>
                 <a:ea typeface="Source Code Pro" panose="020B0509030403020204" pitchFamily="49" charset="0"/>
               </a:rPr>
-              <a:t>1-2-3-4</a:t>
+              <a:t>['1', '2', '3', '4']</a:t>
             </a:r>
           </a:p>
         </p:txBody>
@@ -9137,7 +9140,7 @@
     </p:spTree>
     <p:extLst>
       <p:ext uri="{BB962C8B-B14F-4D97-AF65-F5344CB8AC3E}">
-        <p14:creationId xmlns:p14="http://schemas.microsoft.com/office/powerpoint/2010/main" val="2027010376"/>
+        <p14:creationId xmlns:p14="http://schemas.microsoft.com/office/powerpoint/2010/main" val="1422651835"/>
       </p:ext>
     </p:extLst>
   </p:cSld>
@@ -9265,496 +9268,6 @@
           <a:p>
             <a:r>
               <a:rPr lang="pt-BR" dirty="0"/>
-              <a:t>Funções Populares de String: split</a:t>
-            </a:r>
-          </a:p>
-        </p:txBody>
-      </p:sp>
-      <p:sp>
-        <p:nvSpPr>
-          <p:cNvPr id="3" name="Espaço Reservado para Conteúdo 2">
-            <a:extLst>
-              <a:ext uri="{FF2B5EF4-FFF2-40B4-BE49-F238E27FC236}">
-                <a16:creationId xmlns:a16="http://schemas.microsoft.com/office/drawing/2014/main" id="{51B3872E-1291-4864-8067-43408F6E24A7}"/>
-              </a:ext>
-            </a:extLst>
-          </p:cNvPr>
-          <p:cNvSpPr>
-            <a:spLocks noGrp="1"/>
-          </p:cNvSpPr>
-          <p:nvPr>
-            <p:ph idx="1"/>
-          </p:nvPr>
-        </p:nvSpPr>
-        <p:spPr>
-          <a:xfrm>
-            <a:off x="457201" y="1600199"/>
-            <a:ext cx="12058650" cy="5823903"/>
-          </a:xfrm>
-        </p:spPr>
-        <p:txBody>
-          <a:bodyPr>
-            <a:normAutofit/>
-          </a:bodyPr>
-          <a:lstStyle/>
-          <a:p>
-            <a:r>
-              <a:rPr lang="en-US" dirty="0" err="1">
-                <a:latin typeface="Source Code Pro" panose="020B0509030403020204" pitchFamily="49" charset="0"/>
-                <a:ea typeface="Source Code Pro" panose="020B0509030403020204" pitchFamily="49" charset="0"/>
-              </a:rPr>
-              <a:t>str.split</a:t>
-            </a:r>
-            <a:r>
-              <a:rPr lang="en-US" dirty="0">
-                <a:latin typeface="Source Code Pro" panose="020B0509030403020204" pitchFamily="49" charset="0"/>
-                <a:ea typeface="Source Code Pro" panose="020B0509030403020204" pitchFamily="49" charset="0"/>
-              </a:rPr>
-              <a:t>(</a:t>
-            </a:r>
-            <a:r>
-              <a:rPr lang="en-US" dirty="0" err="1">
-                <a:latin typeface="Source Code Pro" panose="020B0509030403020204" pitchFamily="49" charset="0"/>
-                <a:ea typeface="Source Code Pro" panose="020B0509030403020204" pitchFamily="49" charset="0"/>
-              </a:rPr>
-              <a:t>sep</a:t>
-            </a:r>
-            <a:r>
-              <a:rPr lang="en-US" dirty="0">
-                <a:latin typeface="Source Code Pro" panose="020B0509030403020204" pitchFamily="49" charset="0"/>
-                <a:ea typeface="Source Code Pro" panose="020B0509030403020204" pitchFamily="49" charset="0"/>
-              </a:rPr>
-              <a:t>=None, </a:t>
-            </a:r>
-            <a:r>
-              <a:rPr lang="en-US" dirty="0" err="1">
-                <a:latin typeface="Source Code Pro" panose="020B0509030403020204" pitchFamily="49" charset="0"/>
-                <a:ea typeface="Source Code Pro" panose="020B0509030403020204" pitchFamily="49" charset="0"/>
-              </a:rPr>
-              <a:t>maxsplit</a:t>
-            </a:r>
-            <a:r>
-              <a:rPr lang="en-US" dirty="0">
-                <a:latin typeface="Source Code Pro" panose="020B0509030403020204" pitchFamily="49" charset="0"/>
-                <a:ea typeface="Source Code Pro" panose="020B0509030403020204" pitchFamily="49" charset="0"/>
-              </a:rPr>
-              <a:t>=-1)</a:t>
-            </a:r>
-          </a:p>
-          <a:p>
-            <a:pPr lvl="1"/>
-            <a:r>
-              <a:rPr lang="pt-BR" dirty="0"/>
-              <a:t>Divide uma string em partes separadas por um caractere separador </a:t>
-            </a:r>
-            <a:r>
-              <a:rPr lang="pt-BR" i="1" dirty="0" err="1">
-                <a:latin typeface="Source Code Pro" panose="020B0509030403020204" pitchFamily="49" charset="0"/>
-                <a:ea typeface="Source Code Pro" panose="020B0509030403020204" pitchFamily="49" charset="0"/>
-              </a:rPr>
-              <a:t>sep</a:t>
-            </a:r>
-            <a:endParaRPr lang="pt-BR" i="1" dirty="0">
-              <a:latin typeface="Source Code Pro" panose="020B0509030403020204" pitchFamily="49" charset="0"/>
-              <a:ea typeface="Source Code Pro" panose="020B0509030403020204" pitchFamily="49" charset="0"/>
-            </a:endParaRPr>
-          </a:p>
-          <a:p>
-            <a:pPr lvl="2"/>
-            <a:r>
-              <a:rPr lang="en-US" dirty="0">
-                <a:ea typeface="Source Code Pro" panose="020B0509030403020204" pitchFamily="49" charset="0"/>
-              </a:rPr>
-              <a:t>o resultado </a:t>
-            </a:r>
-            <a:r>
-              <a:rPr lang="en-US" dirty="0" err="1">
-                <a:ea typeface="Source Code Pro" panose="020B0509030403020204" pitchFamily="49" charset="0"/>
-              </a:rPr>
-              <a:t>retornado</a:t>
-            </a:r>
-            <a:r>
-              <a:rPr lang="en-US" dirty="0">
-                <a:ea typeface="Source Code Pro" panose="020B0509030403020204" pitchFamily="49" charset="0"/>
-              </a:rPr>
-              <a:t> é uma lista dos sub-</a:t>
-            </a:r>
-            <a:r>
-              <a:rPr lang="en-US" dirty="0" err="1">
-                <a:ea typeface="Source Code Pro" panose="020B0509030403020204" pitchFamily="49" charset="0"/>
-              </a:rPr>
-              <a:t>elementos</a:t>
-            </a:r>
-            <a:endParaRPr lang="pt-BR" dirty="0">
-              <a:ea typeface="Source Code Pro" panose="020B0509030403020204" pitchFamily="49" charset="0"/>
-            </a:endParaRPr>
-          </a:p>
-        </p:txBody>
-      </p:sp>
-      <p:sp>
-        <p:nvSpPr>
-          <p:cNvPr id="4" name="CaixaDeTexto 3">
-            <a:extLst>
-              <a:ext uri="{FF2B5EF4-FFF2-40B4-BE49-F238E27FC236}">
-                <a16:creationId xmlns:a16="http://schemas.microsoft.com/office/drawing/2014/main" id="{81ED1935-0F58-4C0F-A3D8-457E1183C62E}"/>
-              </a:ext>
-            </a:extLst>
-          </p:cNvPr>
-          <p:cNvSpPr txBox="1"/>
-          <p:nvPr/>
-        </p:nvSpPr>
-        <p:spPr>
-          <a:xfrm>
-            <a:off x="2241529" y="4025915"/>
-            <a:ext cx="8787169" cy="1696042"/>
-          </a:xfrm>
-          <a:prstGeom prst="rect">
-            <a:avLst/>
-          </a:prstGeom>
-          <a:solidFill>
-            <a:schemeClr val="accent4">
-              <a:lumMod val="20000"/>
-              <a:lumOff val="80000"/>
-            </a:schemeClr>
-          </a:solidFill>
-        </p:spPr>
-        <p:txBody>
-          <a:bodyPr wrap="square" rtlCol="0">
-            <a:spAutoFit/>
-          </a:bodyPr>
-          <a:lstStyle/>
-          <a:p>
-            <a:pPr>
-              <a:lnSpc>
-                <a:spcPct val="150000"/>
-              </a:lnSpc>
-            </a:pPr>
-            <a:r>
-              <a:rPr lang="en-US" sz="2400" dirty="0">
-                <a:latin typeface="Source Code Pro" panose="020B0509030403020204" pitchFamily="49" charset="0"/>
-                <a:ea typeface="Source Code Pro" panose="020B0509030403020204" pitchFamily="49" charset="0"/>
-              </a:rPr>
-              <a:t>texto = "1-2-3-4"</a:t>
-            </a:r>
-          </a:p>
-          <a:p>
-            <a:pPr>
-              <a:lnSpc>
-                <a:spcPct val="150000"/>
-              </a:lnSpc>
-            </a:pPr>
-            <a:r>
-              <a:rPr lang="en-US" sz="2400" dirty="0">
-                <a:latin typeface="Source Code Pro" panose="020B0509030403020204" pitchFamily="49" charset="0"/>
-                <a:ea typeface="Source Code Pro" panose="020B0509030403020204" pitchFamily="49" charset="0"/>
-              </a:rPr>
-              <a:t>lista = </a:t>
-            </a:r>
-            <a:r>
-              <a:rPr lang="en-US" sz="2400" dirty="0" err="1">
-                <a:latin typeface="Source Code Pro" panose="020B0509030403020204" pitchFamily="49" charset="0"/>
-                <a:ea typeface="Source Code Pro" panose="020B0509030403020204" pitchFamily="49" charset="0"/>
-              </a:rPr>
-              <a:t>texto.</a:t>
-            </a:r>
-            <a:r>
-              <a:rPr lang="en-US" sz="2400" b="1" dirty="0" err="1">
-                <a:latin typeface="Source Code Pro" panose="020B0509030403020204" pitchFamily="49" charset="0"/>
-                <a:ea typeface="Source Code Pro" panose="020B0509030403020204" pitchFamily="49" charset="0"/>
-              </a:rPr>
-              <a:t>split</a:t>
-            </a:r>
-            <a:r>
-              <a:rPr lang="en-US" sz="2400" dirty="0">
-                <a:latin typeface="Source Code Pro" panose="020B0509030403020204" pitchFamily="49" charset="0"/>
-                <a:ea typeface="Source Code Pro" panose="020B0509030403020204" pitchFamily="49" charset="0"/>
-              </a:rPr>
-              <a:t>("-")</a:t>
-            </a:r>
-          </a:p>
-          <a:p>
-            <a:pPr>
-              <a:lnSpc>
-                <a:spcPct val="150000"/>
-              </a:lnSpc>
-            </a:pPr>
-            <a:r>
-              <a:rPr lang="en-US" sz="2400" b="1" dirty="0">
-                <a:latin typeface="Source Code Pro" panose="020B0509030403020204" pitchFamily="49" charset="0"/>
-                <a:ea typeface="Source Code Pro" panose="020B0509030403020204" pitchFamily="49" charset="0"/>
-              </a:rPr>
-              <a:t>print</a:t>
-            </a:r>
-            <a:r>
-              <a:rPr lang="en-US" sz="2400" dirty="0">
-                <a:latin typeface="Source Code Pro" panose="020B0509030403020204" pitchFamily="49" charset="0"/>
-                <a:ea typeface="Source Code Pro" panose="020B0509030403020204" pitchFamily="49" charset="0"/>
-              </a:rPr>
-              <a:t>(lista)</a:t>
-            </a:r>
-            <a:endParaRPr lang="en-US" sz="2300" dirty="0">
-              <a:latin typeface="Source Code Pro" panose="020B0509030403020204" pitchFamily="49" charset="0"/>
-              <a:ea typeface="Source Code Pro" panose="020B0509030403020204" pitchFamily="49" charset="0"/>
-            </a:endParaRPr>
-          </a:p>
-        </p:txBody>
-      </p:sp>
-      <p:sp>
-        <p:nvSpPr>
-          <p:cNvPr id="5" name="Retângulo 4">
-            <a:extLst>
-              <a:ext uri="{FF2B5EF4-FFF2-40B4-BE49-F238E27FC236}">
-                <a16:creationId xmlns:a16="http://schemas.microsoft.com/office/drawing/2014/main" id="{034C142C-0ED6-461F-8714-2883822BB29D}"/>
-              </a:ext>
-            </a:extLst>
-          </p:cNvPr>
-          <p:cNvSpPr/>
-          <p:nvPr/>
-        </p:nvSpPr>
-        <p:spPr>
-          <a:xfrm>
-            <a:off x="2241528" y="5925351"/>
-            <a:ext cx="8787169" cy="616262"/>
-          </a:xfrm>
-          <a:prstGeom prst="rect">
-            <a:avLst/>
-          </a:prstGeom>
-          <a:solidFill>
-            <a:schemeClr val="accent3">
-              <a:lumMod val="20000"/>
-              <a:lumOff val="80000"/>
-            </a:schemeClr>
-          </a:solidFill>
-          <a:ln>
-            <a:noFill/>
-          </a:ln>
-        </p:spPr>
-        <p:style>
-          <a:lnRef idx="2">
-            <a:schemeClr val="accent1">
-              <a:shade val="50000"/>
-            </a:schemeClr>
-          </a:lnRef>
-          <a:fillRef idx="1">
-            <a:schemeClr val="accent1"/>
-          </a:fillRef>
-          <a:effectRef idx="0">
-            <a:schemeClr val="accent1"/>
-          </a:effectRef>
-          <a:fontRef idx="minor">
-            <a:schemeClr val="lt1"/>
-          </a:fontRef>
-        </p:style>
-        <p:txBody>
-          <a:bodyPr rtlCol="0" anchor="ctr"/>
-          <a:lstStyle/>
-          <a:p>
-            <a:r>
-              <a:rPr lang="en-US" sz="2300" dirty="0">
-                <a:solidFill>
-                  <a:schemeClr val="tx1"/>
-                </a:solidFill>
-                <a:latin typeface="Source Code Pro" panose="020B0509030403020204" pitchFamily="49" charset="0"/>
-                <a:ea typeface="Source Code Pro" panose="020B0509030403020204" pitchFamily="49" charset="0"/>
-              </a:rPr>
-              <a:t>['1', '2', '3', '4']</a:t>
-            </a:r>
-          </a:p>
-        </p:txBody>
-      </p:sp>
-      <p:sp>
-        <p:nvSpPr>
-          <p:cNvPr id="7" name="CustomShape 3">
-            <a:extLst>
-              <a:ext uri="{FF2B5EF4-FFF2-40B4-BE49-F238E27FC236}">
-                <a16:creationId xmlns:a16="http://schemas.microsoft.com/office/drawing/2014/main" id="{2B370FA0-8534-40E5-BAF6-DC5E0F92BFA1}"/>
-              </a:ext>
-            </a:extLst>
-          </p:cNvPr>
-          <p:cNvSpPr/>
-          <p:nvPr/>
-        </p:nvSpPr>
-        <p:spPr>
-          <a:xfrm>
-            <a:off x="9941040" y="7157160"/>
-            <a:ext cx="3022920" cy="401400"/>
-          </a:xfrm>
-          <a:prstGeom prst="rect">
-            <a:avLst/>
-          </a:prstGeom>
-          <a:noFill/>
-          <a:ln>
-            <a:noFill/>
-          </a:ln>
-        </p:spPr>
-        <p:style>
-          <a:lnRef idx="0">
-            <a:scrgbClr r="0" g="0" b="0"/>
-          </a:lnRef>
-          <a:fillRef idx="0">
-            <a:scrgbClr r="0" g="0" b="0"/>
-          </a:fillRef>
-          <a:effectRef idx="0">
-            <a:scrgbClr r="0" g="0" b="0"/>
-          </a:effectRef>
-          <a:fontRef idx="minor"/>
-        </p:style>
-        <p:txBody>
-          <a:bodyPr lIns="90000" tIns="45000" rIns="90000" bIns="45000" anchor="ctr"/>
-          <a:lstStyle/>
-          <a:p>
-            <a:pPr algn="r">
-              <a:lnSpc>
-                <a:spcPct val="100000"/>
-              </a:lnSpc>
-            </a:pPr>
-            <a:fld id="{E41630A5-50A0-42D1-9024-10A5D4502CEA}" type="slidenum">
-              <a:rPr lang="pt-BR" sz="1330" b="0" strike="noStrike" spc="-1">
-                <a:solidFill>
-                  <a:srgbClr val="8B8B8B"/>
-                </a:solidFill>
-                <a:latin typeface="Calibri"/>
-                <a:ea typeface="DejaVu Sans"/>
-              </a:rPr>
-              <a:t>13</a:t>
-            </a:fld>
-            <a:endParaRPr lang="pt-BR" sz="1330" b="0" strike="noStrike" spc="-1">
-              <a:latin typeface="Arial"/>
-            </a:endParaRPr>
-          </a:p>
-        </p:txBody>
-      </p:sp>
-    </p:spTree>
-    <p:extLst>
-      <p:ext uri="{BB962C8B-B14F-4D97-AF65-F5344CB8AC3E}">
-        <p14:creationId xmlns:p14="http://schemas.microsoft.com/office/powerpoint/2010/main" val="1422651835"/>
-      </p:ext>
-    </p:extLst>
-  </p:cSld>
-  <p:clrMapOvr>
-    <a:masterClrMapping/>
-  </p:clrMapOvr>
-  <p:timing>
-    <p:tnLst>
-      <p:par>
-        <p:cTn id="1" dur="indefinite" restart="never" nodeType="tmRoot">
-          <p:childTnLst>
-            <p:seq concurrent="1" nextAc="seek">
-              <p:cTn id="2" dur="indefinite" nodeType="mainSeq">
-                <p:childTnLst>
-                  <p:par>
-                    <p:cTn id="3" fill="hold">
-                      <p:stCondLst>
-                        <p:cond delay="indefinite"/>
-                      </p:stCondLst>
-                      <p:childTnLst>
-                        <p:par>
-                          <p:cTn id="4" fill="hold">
-                            <p:stCondLst>
-                              <p:cond delay="0"/>
-                            </p:stCondLst>
-                            <p:childTnLst>
-                              <p:par>
-                                <p:cTn id="5" presetID="1" presetClass="entr" presetSubtype="0" fill="hold" grpId="0" nodeType="clickEffect">
-                                  <p:stCondLst>
-                                    <p:cond delay="0"/>
-                                  </p:stCondLst>
-                                  <p:childTnLst>
-                                    <p:set>
-                                      <p:cBhvr>
-                                        <p:cTn id="6" dur="1" fill="hold">
-                                          <p:stCondLst>
-                                            <p:cond delay="0"/>
-                                          </p:stCondLst>
-                                        </p:cTn>
-                                        <p:tgtEl>
-                                          <p:spTgt spid="5"/>
-                                        </p:tgtEl>
-                                        <p:attrNameLst>
-                                          <p:attrName>style.visibility</p:attrName>
-                                        </p:attrNameLst>
-                                      </p:cBhvr>
-                                      <p:to>
-                                        <p:strVal val="visible"/>
-                                      </p:to>
-                                    </p:set>
-                                  </p:childTnLst>
-                                </p:cTn>
-                              </p:par>
-                            </p:childTnLst>
-                          </p:cTn>
-                        </p:par>
-                      </p:childTnLst>
-                    </p:cTn>
-                  </p:par>
-                </p:childTnLst>
-              </p:cTn>
-              <p:prevCondLst>
-                <p:cond evt="onPrev" delay="0">
-                  <p:tgtEl>
-                    <p:sldTgt/>
-                  </p:tgtEl>
-                </p:cond>
-              </p:prevCondLst>
-              <p:nextCondLst>
-                <p:cond evt="onNext" delay="0">
-                  <p:tgtEl>
-                    <p:sldTgt/>
-                  </p:tgtEl>
-                </p:cond>
-              </p:nextCondLst>
-            </p:seq>
-          </p:childTnLst>
-        </p:cTn>
-      </p:par>
-    </p:tnLst>
-    <p:bldLst>
-      <p:bldP spid="5" grpId="0" animBg="1"/>
-    </p:bldLst>
-  </p:timing>
-</p:sld>
-</file>
-
-<file path=ppt/slides/slide14.xml><?xml version="1.0" encoding="utf-8"?>
-<p:sld xmlns:a="http://schemas.openxmlformats.org/drawingml/2006/main" xmlns:r="http://schemas.openxmlformats.org/officeDocument/2006/relationships" xmlns:p="http://schemas.openxmlformats.org/presentationml/2006/main">
-  <p:cSld>
-    <p:spTree>
-      <p:nvGrpSpPr>
-        <p:cNvPr id="1" name=""/>
-        <p:cNvGrpSpPr/>
-        <p:nvPr/>
-      </p:nvGrpSpPr>
-      <p:grpSpPr>
-        <a:xfrm>
-          <a:off x="0" y="0"/>
-          <a:ext cx="0" cy="0"/>
-          <a:chOff x="0" y="0"/>
-          <a:chExt cx="0" cy="0"/>
-        </a:xfrm>
-      </p:grpSpPr>
-      <p:sp>
-        <p:nvSpPr>
-          <p:cNvPr id="2" name="Título 1">
-            <a:extLst>
-              <a:ext uri="{FF2B5EF4-FFF2-40B4-BE49-F238E27FC236}">
-                <a16:creationId xmlns:a16="http://schemas.microsoft.com/office/drawing/2014/main" id="{C8DA77EC-6F71-46B8-92C4-41AB5CEE0534}"/>
-              </a:ext>
-            </a:extLst>
-          </p:cNvPr>
-          <p:cNvSpPr>
-            <a:spLocks noGrp="1"/>
-          </p:cNvSpPr>
-          <p:nvPr>
-            <p:ph type="title"/>
-          </p:nvPr>
-        </p:nvSpPr>
-        <p:spPr/>
-        <p:txBody>
-          <a:bodyPr/>
-          <a:lstStyle/>
-          <a:p>
-            <a:r>
-              <a:rPr lang="pt-BR" dirty="0"/>
               <a:t>Outras operações com strings</a:t>
             </a:r>
           </a:p>
@@ -10003,7 +9516,7 @@
                 <a:latin typeface="Calibri"/>
                 <a:ea typeface="DejaVu Sans"/>
               </a:rPr>
-              <a:t>14</a:t>
+              <a:t>13</a:t>
             </a:fld>
             <a:endParaRPr lang="pt-BR" sz="1330" b="0" strike="noStrike" spc="-1">
               <a:latin typeface="Arial"/>
@@ -10263,7 +9776,7 @@
 </p:sld>
 </file>
 
-<file path=ppt/slides/slide15.xml><?xml version="1.0" encoding="utf-8"?>
+<file path=ppt/slides/slide14.xml><?xml version="1.0" encoding="utf-8"?>
 <p:sld xmlns:a="http://schemas.openxmlformats.org/drawingml/2006/main" xmlns:r="http://schemas.openxmlformats.org/officeDocument/2006/relationships" xmlns:p="http://schemas.openxmlformats.org/presentationml/2006/main">
   <p:cSld>
     <p:spTree>
@@ -10369,7 +9882,7 @@
                 <a:latin typeface="Calibri"/>
                 <a:ea typeface="DejaVu Sans"/>
               </a:rPr>
-              <a:t>15</a:t>
+              <a:t>14</a:t>
             </a:fld>
             <a:endParaRPr lang="pt-BR" sz="1330" b="0" strike="noStrike" spc="-1">
               <a:latin typeface="Arial"/>
@@ -10390,7 +9903,7 @@
 </p:sld>
 </file>
 
-<file path=ppt/slides/slide16.xml><?xml version="1.0" encoding="utf-8"?>
+<file path=ppt/slides/slide15.xml><?xml version="1.0" encoding="utf-8"?>
 <p:sld xmlns:a="http://schemas.openxmlformats.org/drawingml/2006/main" xmlns:r="http://schemas.openxmlformats.org/officeDocument/2006/relationships" xmlns:p="http://schemas.openxmlformats.org/presentationml/2006/main">
   <p:cSld>
     <p:spTree>
@@ -11041,7 +10554,7 @@
                 <a:latin typeface="Calibri"/>
                 <a:ea typeface="DejaVu Sans"/>
               </a:rPr>
-              <a:t>16</a:t>
+              <a:t>15</a:t>
             </a:fld>
             <a:endParaRPr lang="pt-BR" sz="1330" b="0" strike="noStrike" spc="-1">
               <a:latin typeface="Arial"/>
@@ -11053,6 +10566,538 @@
     <p:extLst>
       <p:ext uri="{BB962C8B-B14F-4D97-AF65-F5344CB8AC3E}">
         <p14:creationId xmlns:p14="http://schemas.microsoft.com/office/powerpoint/2010/main" val="3959221201"/>
+      </p:ext>
+    </p:extLst>
+  </p:cSld>
+  <p:clrMapOvr>
+    <a:masterClrMapping/>
+  </p:clrMapOvr>
+  <p:timing>
+    <p:tnLst>
+      <p:par>
+        <p:cTn id="1" dur="indefinite" restart="never" nodeType="tmRoot">
+          <p:childTnLst>
+            <p:seq concurrent="1" nextAc="seek">
+              <p:cTn id="2" dur="indefinite" nodeType="mainSeq">
+                <p:childTnLst>
+                  <p:par>
+                    <p:cTn id="3" fill="hold">
+                      <p:stCondLst>
+                        <p:cond delay="indefinite"/>
+                      </p:stCondLst>
+                      <p:childTnLst>
+                        <p:par>
+                          <p:cTn id="4" fill="hold">
+                            <p:stCondLst>
+                              <p:cond delay="0"/>
+                            </p:stCondLst>
+                            <p:childTnLst>
+                              <p:par>
+                                <p:cTn id="5" presetID="1" presetClass="entr" presetSubtype="0" fill="hold" grpId="0" nodeType="clickEffect">
+                                  <p:stCondLst>
+                                    <p:cond delay="0"/>
+                                  </p:stCondLst>
+                                  <p:childTnLst>
+                                    <p:set>
+                                      <p:cBhvr>
+                                        <p:cTn id="6" dur="1" fill="hold">
+                                          <p:stCondLst>
+                                            <p:cond delay="0"/>
+                                          </p:stCondLst>
+                                        </p:cTn>
+                                        <p:tgtEl>
+                                          <p:spTgt spid="5"/>
+                                        </p:tgtEl>
+                                        <p:attrNameLst>
+                                          <p:attrName>style.visibility</p:attrName>
+                                        </p:attrNameLst>
+                                      </p:cBhvr>
+                                      <p:to>
+                                        <p:strVal val="visible"/>
+                                      </p:to>
+                                    </p:set>
+                                  </p:childTnLst>
+                                </p:cTn>
+                              </p:par>
+                            </p:childTnLst>
+                          </p:cTn>
+                        </p:par>
+                      </p:childTnLst>
+                    </p:cTn>
+                  </p:par>
+                </p:childTnLst>
+              </p:cTn>
+              <p:prevCondLst>
+                <p:cond evt="onPrev" delay="0">
+                  <p:tgtEl>
+                    <p:sldTgt/>
+                  </p:tgtEl>
+                </p:cond>
+              </p:prevCondLst>
+              <p:nextCondLst>
+                <p:cond evt="onNext" delay="0">
+                  <p:tgtEl>
+                    <p:sldTgt/>
+                  </p:tgtEl>
+                </p:cond>
+              </p:nextCondLst>
+            </p:seq>
+          </p:childTnLst>
+        </p:cTn>
+      </p:par>
+    </p:tnLst>
+    <p:bldLst>
+      <p:bldP spid="5" grpId="0" animBg="1"/>
+    </p:bldLst>
+  </p:timing>
+</p:sld>
+</file>
+
+<file path=ppt/slides/slide16.xml><?xml version="1.0" encoding="utf-8"?>
+<p:sld xmlns:a="http://schemas.openxmlformats.org/drawingml/2006/main" xmlns:r="http://schemas.openxmlformats.org/officeDocument/2006/relationships" xmlns:p="http://schemas.openxmlformats.org/presentationml/2006/main">
+  <p:cSld>
+    <p:spTree>
+      <p:nvGrpSpPr>
+        <p:cNvPr id="1" name=""/>
+        <p:cNvGrpSpPr/>
+        <p:nvPr/>
+      </p:nvGrpSpPr>
+      <p:grpSpPr>
+        <a:xfrm>
+          <a:off x="0" y="0"/>
+          <a:ext cx="0" cy="0"/>
+          <a:chOff x="0" y="0"/>
+          <a:chExt cx="0" cy="0"/>
+        </a:xfrm>
+      </p:grpSpPr>
+      <p:sp>
+        <p:nvSpPr>
+          <p:cNvPr id="2" name="Título 1">
+            <a:extLst>
+              <a:ext uri="{FF2B5EF4-FFF2-40B4-BE49-F238E27FC236}">
+                <a16:creationId xmlns:a16="http://schemas.microsoft.com/office/drawing/2014/main" id="{82DB40DE-59E1-4B97-A114-A9C90BD8175C}"/>
+              </a:ext>
+            </a:extLst>
+          </p:cNvPr>
+          <p:cNvSpPr>
+            <a:spLocks noGrp="1"/>
+          </p:cNvSpPr>
+          <p:nvPr>
+            <p:ph type="title"/>
+          </p:nvPr>
+        </p:nvSpPr>
+        <p:spPr/>
+        <p:txBody>
+          <a:bodyPr/>
+          <a:lstStyle/>
+          <a:p>
+            <a:r>
+              <a:rPr lang="pt-BR" dirty="0"/>
+              <a:t>Combinando Listas</a:t>
+            </a:r>
+          </a:p>
+        </p:txBody>
+      </p:sp>
+      <p:sp>
+        <p:nvSpPr>
+          <p:cNvPr id="3" name="Espaço Reservado para Conteúdo 2">
+            <a:extLst>
+              <a:ext uri="{FF2B5EF4-FFF2-40B4-BE49-F238E27FC236}">
+                <a16:creationId xmlns:a16="http://schemas.microsoft.com/office/drawing/2014/main" id="{E8A69164-52B8-4021-8281-35412A86673B}"/>
+              </a:ext>
+            </a:extLst>
+          </p:cNvPr>
+          <p:cNvSpPr>
+            <a:spLocks noGrp="1"/>
+          </p:cNvSpPr>
+          <p:nvPr>
+            <p:ph idx="1"/>
+          </p:nvPr>
+        </p:nvSpPr>
+        <p:spPr/>
+        <p:txBody>
+          <a:bodyPr/>
+          <a:lstStyle/>
+          <a:p>
+            <a:r>
+              <a:rPr lang="en-US" dirty="0">
+                <a:ea typeface="Source Code Pro" panose="020B0509030403020204" pitchFamily="49" charset="0"/>
+              </a:rPr>
+              <a:t>Use o </a:t>
+            </a:r>
+            <a:r>
+              <a:rPr lang="en-US" dirty="0" err="1">
+                <a:ea typeface="Source Code Pro" panose="020B0509030403020204" pitchFamily="49" charset="0"/>
+              </a:rPr>
+              <a:t>operador</a:t>
+            </a:r>
+            <a:r>
+              <a:rPr lang="en-US" dirty="0">
+                <a:ea typeface="Source Code Pro" panose="020B0509030403020204" pitchFamily="49" charset="0"/>
+              </a:rPr>
+              <a:t> + </a:t>
+            </a:r>
+            <a:r>
+              <a:rPr lang="en-US" dirty="0" err="1">
+                <a:ea typeface="Source Code Pro" panose="020B0509030403020204" pitchFamily="49" charset="0"/>
+              </a:rPr>
+              <a:t>ou</a:t>
+            </a:r>
+            <a:r>
+              <a:rPr lang="en-US" dirty="0">
+                <a:ea typeface="Source Code Pro" panose="020B0509030403020204" pitchFamily="49" charset="0"/>
+              </a:rPr>
+              <a:t> a </a:t>
+            </a:r>
+            <a:r>
+              <a:rPr lang="en-US" dirty="0" err="1">
+                <a:ea typeface="Source Code Pro" panose="020B0509030403020204" pitchFamily="49" charset="0"/>
+              </a:rPr>
+              <a:t>função</a:t>
+            </a:r>
+            <a:r>
+              <a:rPr lang="en-US" dirty="0">
+                <a:ea typeface="Source Code Pro" panose="020B0509030403020204" pitchFamily="49" charset="0"/>
+              </a:rPr>
+              <a:t> extend</a:t>
+            </a:r>
+          </a:p>
+          <a:p>
+            <a:pPr lvl="1"/>
+            <a:r>
+              <a:rPr lang="en-US" dirty="0">
+                <a:ea typeface="Source Code Pro" panose="020B0509030403020204" pitchFamily="49" charset="0"/>
+              </a:rPr>
+              <a:t>A </a:t>
+            </a:r>
+            <a:r>
+              <a:rPr lang="en-US" dirty="0" err="1">
+                <a:ea typeface="Source Code Pro" panose="020B0509030403020204" pitchFamily="49" charset="0"/>
+              </a:rPr>
+              <a:t>função</a:t>
+            </a:r>
+            <a:r>
+              <a:rPr lang="en-US" dirty="0">
+                <a:ea typeface="Source Code Pro" panose="020B0509030403020204" pitchFamily="49" charset="0"/>
+              </a:rPr>
+              <a:t> extend é </a:t>
+            </a:r>
+            <a:r>
+              <a:rPr lang="en-US" dirty="0" err="1">
+                <a:ea typeface="Source Code Pro" panose="020B0509030403020204" pitchFamily="49" charset="0"/>
+              </a:rPr>
+              <a:t>mais</a:t>
+            </a:r>
+            <a:r>
+              <a:rPr lang="en-US" dirty="0">
+                <a:ea typeface="Source Code Pro" panose="020B0509030403020204" pitchFamily="49" charset="0"/>
+              </a:rPr>
+              <a:t> </a:t>
+            </a:r>
+            <a:r>
+              <a:rPr lang="en-US" dirty="0" err="1">
+                <a:ea typeface="Source Code Pro" panose="020B0509030403020204" pitchFamily="49" charset="0"/>
+              </a:rPr>
+              <a:t>rápida</a:t>
+            </a:r>
+            <a:r>
+              <a:rPr lang="en-US" dirty="0">
+                <a:ea typeface="Source Code Pro" panose="020B0509030403020204" pitchFamily="49" charset="0"/>
+              </a:rPr>
+              <a:t> do que o </a:t>
+            </a:r>
+            <a:r>
+              <a:rPr lang="en-US" dirty="0" err="1">
+                <a:ea typeface="Source Code Pro" panose="020B0509030403020204" pitchFamily="49" charset="0"/>
+              </a:rPr>
+              <a:t>operador</a:t>
+            </a:r>
+            <a:r>
+              <a:rPr lang="en-US" dirty="0">
+                <a:ea typeface="Source Code Pro" panose="020B0509030403020204" pitchFamily="49" charset="0"/>
+              </a:rPr>
+              <a:t> +</a:t>
+            </a:r>
+          </a:p>
+        </p:txBody>
+      </p:sp>
+      <p:sp>
+        <p:nvSpPr>
+          <p:cNvPr id="6" name="CaixaDeTexto 5">
+            <a:extLst>
+              <a:ext uri="{FF2B5EF4-FFF2-40B4-BE49-F238E27FC236}">
+                <a16:creationId xmlns:a16="http://schemas.microsoft.com/office/drawing/2014/main" id="{3255C70A-F847-419F-B5CC-6FB0DFE630A2}"/>
+              </a:ext>
+            </a:extLst>
+          </p:cNvPr>
+          <p:cNvSpPr txBox="1"/>
+          <p:nvPr/>
+        </p:nvSpPr>
+        <p:spPr>
+          <a:xfrm>
+            <a:off x="1774172" y="3011648"/>
+            <a:ext cx="9891429" cy="2804037"/>
+          </a:xfrm>
+          <a:prstGeom prst="rect">
+            <a:avLst/>
+          </a:prstGeom>
+          <a:solidFill>
+            <a:schemeClr val="accent4">
+              <a:lumMod val="20000"/>
+              <a:lumOff val="80000"/>
+            </a:schemeClr>
+          </a:solidFill>
+        </p:spPr>
+        <p:txBody>
+          <a:bodyPr wrap="square" rtlCol="0">
+            <a:spAutoFit/>
+          </a:bodyPr>
+          <a:lstStyle/>
+          <a:p>
+            <a:pPr>
+              <a:lnSpc>
+                <a:spcPct val="150000"/>
+              </a:lnSpc>
+            </a:pPr>
+            <a:r>
+              <a:rPr lang="en-US" sz="2400" dirty="0">
+                <a:latin typeface="Source Code Pro" panose="020B0509030403020204" pitchFamily="49" charset="0"/>
+                <a:ea typeface="Source Code Pro" panose="020B0509030403020204" pitchFamily="49" charset="0"/>
+              </a:rPr>
+              <a:t>al = [2, 4, 0, </a:t>
+            </a:r>
+            <a:r>
+              <a:rPr lang="en-US" sz="2400" b="1" dirty="0">
+                <a:latin typeface="Source Code Pro" panose="020B0509030403020204" pitchFamily="49" charset="0"/>
+                <a:ea typeface="Source Code Pro" panose="020B0509030403020204" pitchFamily="49" charset="0"/>
+              </a:rPr>
+              <a:t>None</a:t>
+            </a:r>
+            <a:r>
+              <a:rPr lang="en-US" sz="2400" dirty="0">
+                <a:latin typeface="Source Code Pro" panose="020B0509030403020204" pitchFamily="49" charset="0"/>
+                <a:ea typeface="Source Code Pro" panose="020B0509030403020204" pitchFamily="49" charset="0"/>
+              </a:rPr>
+              <a:t>]</a:t>
+            </a:r>
+          </a:p>
+          <a:p>
+            <a:pPr>
+              <a:lnSpc>
+                <a:spcPct val="150000"/>
+              </a:lnSpc>
+            </a:pPr>
+            <a:r>
+              <a:rPr lang="en-US" sz="2400" dirty="0" err="1">
+                <a:latin typeface="Source Code Pro" panose="020B0509030403020204" pitchFamily="49" charset="0"/>
+                <a:ea typeface="Source Code Pro" panose="020B0509030403020204" pitchFamily="49" charset="0"/>
+              </a:rPr>
+              <a:t>al_plus</a:t>
+            </a:r>
+            <a:r>
+              <a:rPr lang="en-US" sz="2400" dirty="0">
+                <a:latin typeface="Source Code Pro" panose="020B0509030403020204" pitchFamily="49" charset="0"/>
+                <a:ea typeface="Source Code Pro" panose="020B0509030403020204" pitchFamily="49" charset="0"/>
+              </a:rPr>
+              <a:t> = al + ['a', 'b']</a:t>
+            </a:r>
+          </a:p>
+          <a:p>
+            <a:pPr>
+              <a:lnSpc>
+                <a:spcPct val="150000"/>
+              </a:lnSpc>
+            </a:pPr>
+            <a:r>
+              <a:rPr lang="en-US" sz="2400" dirty="0" err="1">
+                <a:latin typeface="Source Code Pro" panose="020B0509030403020204" pitchFamily="49" charset="0"/>
+                <a:ea typeface="Source Code Pro" panose="020B0509030403020204" pitchFamily="49" charset="0"/>
+              </a:rPr>
+              <a:t>al.</a:t>
+            </a:r>
+            <a:r>
+              <a:rPr lang="en-US" sz="2400" b="1" dirty="0" err="1">
+                <a:latin typeface="Source Code Pro" panose="020B0509030403020204" pitchFamily="49" charset="0"/>
+                <a:ea typeface="Source Code Pro" panose="020B0509030403020204" pitchFamily="49" charset="0"/>
+              </a:rPr>
+              <a:t>extend</a:t>
+            </a:r>
+            <a:r>
+              <a:rPr lang="en-US" sz="2400" dirty="0">
+                <a:latin typeface="Source Code Pro" panose="020B0509030403020204" pitchFamily="49" charset="0"/>
+                <a:ea typeface="Source Code Pro" panose="020B0509030403020204" pitchFamily="49" charset="0"/>
+              </a:rPr>
+              <a:t>(['a', 'b'])</a:t>
+            </a:r>
+          </a:p>
+          <a:p>
+            <a:pPr>
+              <a:lnSpc>
+                <a:spcPct val="150000"/>
+              </a:lnSpc>
+            </a:pPr>
+            <a:r>
+              <a:rPr lang="en-US" sz="2400" dirty="0">
+                <a:latin typeface="Source Code Pro" panose="020B0509030403020204" pitchFamily="49" charset="0"/>
+                <a:ea typeface="Source Code Pro" panose="020B0509030403020204" pitchFamily="49" charset="0"/>
+              </a:rPr>
+              <a:t>comp = al_plus == al</a:t>
+            </a:r>
+          </a:p>
+          <a:p>
+            <a:pPr>
+              <a:lnSpc>
+                <a:spcPct val="150000"/>
+              </a:lnSpc>
+            </a:pPr>
+            <a:r>
+              <a:rPr lang="en-US" sz="2400" b="1" dirty="0">
+                <a:latin typeface="Source Code Pro" panose="020B0509030403020204" pitchFamily="49" charset="0"/>
+                <a:ea typeface="Source Code Pro" panose="020B0509030403020204" pitchFamily="49" charset="0"/>
+              </a:rPr>
+              <a:t>print</a:t>
+            </a:r>
+            <a:r>
+              <a:rPr lang="en-US" sz="2400" dirty="0">
+                <a:latin typeface="Source Code Pro" panose="020B0509030403020204" pitchFamily="49" charset="0"/>
+                <a:ea typeface="Source Code Pro" panose="020B0509030403020204" pitchFamily="49" charset="0"/>
+              </a:rPr>
+              <a:t>(comp)</a:t>
+            </a:r>
+            <a:endParaRPr lang="en-US" sz="2400" b="1" dirty="0">
+              <a:latin typeface="Source Code Pro" panose="020B0509030403020204" pitchFamily="49" charset="0"/>
+              <a:ea typeface="Source Code Pro" panose="020B0509030403020204" pitchFamily="49" charset="0"/>
+            </a:endParaRPr>
+          </a:p>
+        </p:txBody>
+      </p:sp>
+      <p:sp>
+        <p:nvSpPr>
+          <p:cNvPr id="5" name="Retângulo 4">
+            <a:extLst>
+              <a:ext uri="{FF2B5EF4-FFF2-40B4-BE49-F238E27FC236}">
+                <a16:creationId xmlns:a16="http://schemas.microsoft.com/office/drawing/2014/main" id="{6785BCB3-7FA1-4DD8-ADE9-379AE5A852DB}"/>
+              </a:ext>
+            </a:extLst>
+          </p:cNvPr>
+          <p:cNvSpPr/>
+          <p:nvPr/>
+        </p:nvSpPr>
+        <p:spPr>
+          <a:xfrm>
+            <a:off x="1774173" y="5933159"/>
+            <a:ext cx="9891429" cy="1106527"/>
+          </a:xfrm>
+          <a:prstGeom prst="rect">
+            <a:avLst/>
+          </a:prstGeom>
+          <a:solidFill>
+            <a:schemeClr val="accent3">
+              <a:lumMod val="20000"/>
+              <a:lumOff val="80000"/>
+            </a:schemeClr>
+          </a:solidFill>
+          <a:ln>
+            <a:noFill/>
+          </a:ln>
+        </p:spPr>
+        <p:style>
+          <a:lnRef idx="2">
+            <a:schemeClr val="accent1">
+              <a:shade val="50000"/>
+            </a:schemeClr>
+          </a:lnRef>
+          <a:fillRef idx="1">
+            <a:schemeClr val="accent1"/>
+          </a:fillRef>
+          <a:effectRef idx="0">
+            <a:schemeClr val="accent1"/>
+          </a:effectRef>
+          <a:fontRef idx="minor">
+            <a:schemeClr val="lt1"/>
+          </a:fontRef>
+        </p:style>
+        <p:txBody>
+          <a:bodyPr rtlCol="0" anchor="ctr"/>
+          <a:lstStyle/>
+          <a:p>
+            <a:r>
+              <a:rPr lang="en-US" sz="2400" dirty="0">
+                <a:solidFill>
+                  <a:schemeClr val="tx1"/>
+                </a:solidFill>
+              </a:rPr>
+              <a:t>True</a:t>
+            </a:r>
+          </a:p>
+        </p:txBody>
+      </p:sp>
+      <p:sp>
+        <p:nvSpPr>
+          <p:cNvPr id="4" name="CustomShape 3">
+            <a:extLst>
+              <a:ext uri="{FF2B5EF4-FFF2-40B4-BE49-F238E27FC236}">
+                <a16:creationId xmlns:a16="http://schemas.microsoft.com/office/drawing/2014/main" id="{5A9DE0C9-C28B-441E-9273-1002AE518B7F}"/>
+              </a:ext>
+            </a:extLst>
+          </p:cNvPr>
+          <p:cNvSpPr/>
+          <p:nvPr/>
+        </p:nvSpPr>
+        <p:spPr>
+          <a:xfrm>
+            <a:off x="9941040" y="7157160"/>
+            <a:ext cx="3022920" cy="401400"/>
+          </a:xfrm>
+          <a:prstGeom prst="rect">
+            <a:avLst/>
+          </a:prstGeom>
+          <a:noFill/>
+          <a:ln>
+            <a:noFill/>
+          </a:ln>
+        </p:spPr>
+        <p:style>
+          <a:lnRef idx="0">
+            <a:scrgbClr r="0" g="0" b="0"/>
+          </a:lnRef>
+          <a:fillRef idx="0">
+            <a:scrgbClr r="0" g="0" b="0"/>
+          </a:fillRef>
+          <a:effectRef idx="0">
+            <a:scrgbClr r="0" g="0" b="0"/>
+          </a:effectRef>
+          <a:fontRef idx="minor"/>
+        </p:style>
+        <p:txBody>
+          <a:bodyPr lIns="90000" tIns="45000" rIns="90000" bIns="45000" anchor="ctr"/>
+          <a:lstStyle/>
+          <a:p>
+            <a:pPr algn="r">
+              <a:lnSpc>
+                <a:spcPct val="100000"/>
+              </a:lnSpc>
+            </a:pPr>
+            <a:fld id="{E41630A5-50A0-42D1-9024-10A5D4502CEA}" type="slidenum">
+              <a:rPr lang="pt-BR" sz="1330" b="0" strike="noStrike" spc="-1">
+                <a:solidFill>
+                  <a:srgbClr val="8B8B8B"/>
+                </a:solidFill>
+                <a:latin typeface="Calibri"/>
+                <a:ea typeface="DejaVu Sans"/>
+              </a:rPr>
+              <a:t>16</a:t>
+            </a:fld>
+            <a:endParaRPr lang="pt-BR" sz="1330" b="0" strike="noStrike" spc="-1">
+              <a:latin typeface="Arial"/>
+            </a:endParaRPr>
+          </a:p>
+        </p:txBody>
+      </p:sp>
+    </p:spTree>
+    <p:extLst>
+      <p:ext uri="{BB962C8B-B14F-4D97-AF65-F5344CB8AC3E}">
+        <p14:creationId xmlns:p14="http://schemas.microsoft.com/office/powerpoint/2010/main" val="1257246800"/>
       </p:ext>
     </p:extLst>
   </p:cSld>
@@ -11180,538 +11225,6 @@
           <a:p>
             <a:r>
               <a:rPr lang="pt-BR" dirty="0"/>
-              <a:t>Combinando Listas</a:t>
-            </a:r>
-          </a:p>
-        </p:txBody>
-      </p:sp>
-      <p:sp>
-        <p:nvSpPr>
-          <p:cNvPr id="3" name="Espaço Reservado para Conteúdo 2">
-            <a:extLst>
-              <a:ext uri="{FF2B5EF4-FFF2-40B4-BE49-F238E27FC236}">
-                <a16:creationId xmlns:a16="http://schemas.microsoft.com/office/drawing/2014/main" id="{E8A69164-52B8-4021-8281-35412A86673B}"/>
-              </a:ext>
-            </a:extLst>
-          </p:cNvPr>
-          <p:cNvSpPr>
-            <a:spLocks noGrp="1"/>
-          </p:cNvSpPr>
-          <p:nvPr>
-            <p:ph idx="1"/>
-          </p:nvPr>
-        </p:nvSpPr>
-        <p:spPr/>
-        <p:txBody>
-          <a:bodyPr/>
-          <a:lstStyle/>
-          <a:p>
-            <a:r>
-              <a:rPr lang="en-US" dirty="0">
-                <a:ea typeface="Source Code Pro" panose="020B0509030403020204" pitchFamily="49" charset="0"/>
-              </a:rPr>
-              <a:t>Use o </a:t>
-            </a:r>
-            <a:r>
-              <a:rPr lang="en-US" dirty="0" err="1">
-                <a:ea typeface="Source Code Pro" panose="020B0509030403020204" pitchFamily="49" charset="0"/>
-              </a:rPr>
-              <a:t>operador</a:t>
-            </a:r>
-            <a:r>
-              <a:rPr lang="en-US" dirty="0">
-                <a:ea typeface="Source Code Pro" panose="020B0509030403020204" pitchFamily="49" charset="0"/>
-              </a:rPr>
-              <a:t> + </a:t>
-            </a:r>
-            <a:r>
-              <a:rPr lang="en-US" dirty="0" err="1">
-                <a:ea typeface="Source Code Pro" panose="020B0509030403020204" pitchFamily="49" charset="0"/>
-              </a:rPr>
-              <a:t>ou</a:t>
-            </a:r>
-            <a:r>
-              <a:rPr lang="en-US" dirty="0">
-                <a:ea typeface="Source Code Pro" panose="020B0509030403020204" pitchFamily="49" charset="0"/>
-              </a:rPr>
-              <a:t> a </a:t>
-            </a:r>
-            <a:r>
-              <a:rPr lang="en-US" dirty="0" err="1">
-                <a:ea typeface="Source Code Pro" panose="020B0509030403020204" pitchFamily="49" charset="0"/>
-              </a:rPr>
-              <a:t>função</a:t>
-            </a:r>
-            <a:r>
-              <a:rPr lang="en-US" dirty="0">
-                <a:ea typeface="Source Code Pro" panose="020B0509030403020204" pitchFamily="49" charset="0"/>
-              </a:rPr>
-              <a:t> extend</a:t>
-            </a:r>
-          </a:p>
-          <a:p>
-            <a:pPr lvl="1"/>
-            <a:r>
-              <a:rPr lang="en-US" dirty="0">
-                <a:ea typeface="Source Code Pro" panose="020B0509030403020204" pitchFamily="49" charset="0"/>
-              </a:rPr>
-              <a:t>A </a:t>
-            </a:r>
-            <a:r>
-              <a:rPr lang="en-US" dirty="0" err="1">
-                <a:ea typeface="Source Code Pro" panose="020B0509030403020204" pitchFamily="49" charset="0"/>
-              </a:rPr>
-              <a:t>função</a:t>
-            </a:r>
-            <a:r>
-              <a:rPr lang="en-US" dirty="0">
-                <a:ea typeface="Source Code Pro" panose="020B0509030403020204" pitchFamily="49" charset="0"/>
-              </a:rPr>
-              <a:t> extend é </a:t>
-            </a:r>
-            <a:r>
-              <a:rPr lang="en-US" dirty="0" err="1">
-                <a:ea typeface="Source Code Pro" panose="020B0509030403020204" pitchFamily="49" charset="0"/>
-              </a:rPr>
-              <a:t>mais</a:t>
-            </a:r>
-            <a:r>
-              <a:rPr lang="en-US" dirty="0">
-                <a:ea typeface="Source Code Pro" panose="020B0509030403020204" pitchFamily="49" charset="0"/>
-              </a:rPr>
-              <a:t> </a:t>
-            </a:r>
-            <a:r>
-              <a:rPr lang="en-US" dirty="0" err="1">
-                <a:ea typeface="Source Code Pro" panose="020B0509030403020204" pitchFamily="49" charset="0"/>
-              </a:rPr>
-              <a:t>rápida</a:t>
-            </a:r>
-            <a:r>
-              <a:rPr lang="en-US" dirty="0">
-                <a:ea typeface="Source Code Pro" panose="020B0509030403020204" pitchFamily="49" charset="0"/>
-              </a:rPr>
-              <a:t> do que o </a:t>
-            </a:r>
-            <a:r>
-              <a:rPr lang="en-US" dirty="0" err="1">
-                <a:ea typeface="Source Code Pro" panose="020B0509030403020204" pitchFamily="49" charset="0"/>
-              </a:rPr>
-              <a:t>operador</a:t>
-            </a:r>
-            <a:r>
-              <a:rPr lang="en-US" dirty="0">
-                <a:ea typeface="Source Code Pro" panose="020B0509030403020204" pitchFamily="49" charset="0"/>
-              </a:rPr>
-              <a:t> +</a:t>
-            </a:r>
-          </a:p>
-        </p:txBody>
-      </p:sp>
-      <p:sp>
-        <p:nvSpPr>
-          <p:cNvPr id="6" name="CaixaDeTexto 5">
-            <a:extLst>
-              <a:ext uri="{FF2B5EF4-FFF2-40B4-BE49-F238E27FC236}">
-                <a16:creationId xmlns:a16="http://schemas.microsoft.com/office/drawing/2014/main" id="{3255C70A-F847-419F-B5CC-6FB0DFE630A2}"/>
-              </a:ext>
-            </a:extLst>
-          </p:cNvPr>
-          <p:cNvSpPr txBox="1"/>
-          <p:nvPr/>
-        </p:nvSpPr>
-        <p:spPr>
-          <a:xfrm>
-            <a:off x="1774172" y="3011648"/>
-            <a:ext cx="9891429" cy="2804037"/>
-          </a:xfrm>
-          <a:prstGeom prst="rect">
-            <a:avLst/>
-          </a:prstGeom>
-          <a:solidFill>
-            <a:schemeClr val="accent4">
-              <a:lumMod val="20000"/>
-              <a:lumOff val="80000"/>
-            </a:schemeClr>
-          </a:solidFill>
-        </p:spPr>
-        <p:txBody>
-          <a:bodyPr wrap="square" rtlCol="0">
-            <a:spAutoFit/>
-          </a:bodyPr>
-          <a:lstStyle/>
-          <a:p>
-            <a:pPr>
-              <a:lnSpc>
-                <a:spcPct val="150000"/>
-              </a:lnSpc>
-            </a:pPr>
-            <a:r>
-              <a:rPr lang="en-US" sz="2400" dirty="0">
-                <a:latin typeface="Source Code Pro" panose="020B0509030403020204" pitchFamily="49" charset="0"/>
-                <a:ea typeface="Source Code Pro" panose="020B0509030403020204" pitchFamily="49" charset="0"/>
-              </a:rPr>
-              <a:t>al = [2, 4, 0, </a:t>
-            </a:r>
-            <a:r>
-              <a:rPr lang="en-US" sz="2400" b="1" dirty="0">
-                <a:latin typeface="Source Code Pro" panose="020B0509030403020204" pitchFamily="49" charset="0"/>
-                <a:ea typeface="Source Code Pro" panose="020B0509030403020204" pitchFamily="49" charset="0"/>
-              </a:rPr>
-              <a:t>None</a:t>
-            </a:r>
-            <a:r>
-              <a:rPr lang="en-US" sz="2400" dirty="0">
-                <a:latin typeface="Source Code Pro" panose="020B0509030403020204" pitchFamily="49" charset="0"/>
-                <a:ea typeface="Source Code Pro" panose="020B0509030403020204" pitchFamily="49" charset="0"/>
-              </a:rPr>
-              <a:t>]</a:t>
-            </a:r>
-          </a:p>
-          <a:p>
-            <a:pPr>
-              <a:lnSpc>
-                <a:spcPct val="150000"/>
-              </a:lnSpc>
-            </a:pPr>
-            <a:r>
-              <a:rPr lang="en-US" sz="2400" dirty="0" err="1">
-                <a:latin typeface="Source Code Pro" panose="020B0509030403020204" pitchFamily="49" charset="0"/>
-                <a:ea typeface="Source Code Pro" panose="020B0509030403020204" pitchFamily="49" charset="0"/>
-              </a:rPr>
-              <a:t>al_plus</a:t>
-            </a:r>
-            <a:r>
-              <a:rPr lang="en-US" sz="2400" dirty="0">
-                <a:latin typeface="Source Code Pro" panose="020B0509030403020204" pitchFamily="49" charset="0"/>
-                <a:ea typeface="Source Code Pro" panose="020B0509030403020204" pitchFamily="49" charset="0"/>
-              </a:rPr>
-              <a:t> = al + ['a', 'b']</a:t>
-            </a:r>
-          </a:p>
-          <a:p>
-            <a:pPr>
-              <a:lnSpc>
-                <a:spcPct val="150000"/>
-              </a:lnSpc>
-            </a:pPr>
-            <a:r>
-              <a:rPr lang="en-US" sz="2400" dirty="0" err="1">
-                <a:latin typeface="Source Code Pro" panose="020B0509030403020204" pitchFamily="49" charset="0"/>
-                <a:ea typeface="Source Code Pro" panose="020B0509030403020204" pitchFamily="49" charset="0"/>
-              </a:rPr>
-              <a:t>al.</a:t>
-            </a:r>
-            <a:r>
-              <a:rPr lang="en-US" sz="2400" b="1" dirty="0" err="1">
-                <a:latin typeface="Source Code Pro" panose="020B0509030403020204" pitchFamily="49" charset="0"/>
-                <a:ea typeface="Source Code Pro" panose="020B0509030403020204" pitchFamily="49" charset="0"/>
-              </a:rPr>
-              <a:t>extend</a:t>
-            </a:r>
-            <a:r>
-              <a:rPr lang="en-US" sz="2400" dirty="0">
-                <a:latin typeface="Source Code Pro" panose="020B0509030403020204" pitchFamily="49" charset="0"/>
-                <a:ea typeface="Source Code Pro" panose="020B0509030403020204" pitchFamily="49" charset="0"/>
-              </a:rPr>
-              <a:t>(['a', 'b'])</a:t>
-            </a:r>
-          </a:p>
-          <a:p>
-            <a:pPr>
-              <a:lnSpc>
-                <a:spcPct val="150000"/>
-              </a:lnSpc>
-            </a:pPr>
-            <a:r>
-              <a:rPr lang="en-US" sz="2400" dirty="0">
-                <a:latin typeface="Source Code Pro" panose="020B0509030403020204" pitchFamily="49" charset="0"/>
-                <a:ea typeface="Source Code Pro" panose="020B0509030403020204" pitchFamily="49" charset="0"/>
-              </a:rPr>
-              <a:t>comp = al_plus == al</a:t>
-            </a:r>
-          </a:p>
-          <a:p>
-            <a:pPr>
-              <a:lnSpc>
-                <a:spcPct val="150000"/>
-              </a:lnSpc>
-            </a:pPr>
-            <a:r>
-              <a:rPr lang="en-US" sz="2400" b="1" dirty="0">
-                <a:latin typeface="Source Code Pro" panose="020B0509030403020204" pitchFamily="49" charset="0"/>
-                <a:ea typeface="Source Code Pro" panose="020B0509030403020204" pitchFamily="49" charset="0"/>
-              </a:rPr>
-              <a:t>print</a:t>
-            </a:r>
-            <a:r>
-              <a:rPr lang="en-US" sz="2400" dirty="0">
-                <a:latin typeface="Source Code Pro" panose="020B0509030403020204" pitchFamily="49" charset="0"/>
-                <a:ea typeface="Source Code Pro" panose="020B0509030403020204" pitchFamily="49" charset="0"/>
-              </a:rPr>
-              <a:t>(comp)</a:t>
-            </a:r>
-            <a:endParaRPr lang="en-US" sz="2400" b="1" dirty="0">
-              <a:latin typeface="Source Code Pro" panose="020B0509030403020204" pitchFamily="49" charset="0"/>
-              <a:ea typeface="Source Code Pro" panose="020B0509030403020204" pitchFamily="49" charset="0"/>
-            </a:endParaRPr>
-          </a:p>
-        </p:txBody>
-      </p:sp>
-      <p:sp>
-        <p:nvSpPr>
-          <p:cNvPr id="5" name="Retângulo 4">
-            <a:extLst>
-              <a:ext uri="{FF2B5EF4-FFF2-40B4-BE49-F238E27FC236}">
-                <a16:creationId xmlns:a16="http://schemas.microsoft.com/office/drawing/2014/main" id="{6785BCB3-7FA1-4DD8-ADE9-379AE5A852DB}"/>
-              </a:ext>
-            </a:extLst>
-          </p:cNvPr>
-          <p:cNvSpPr/>
-          <p:nvPr/>
-        </p:nvSpPr>
-        <p:spPr>
-          <a:xfrm>
-            <a:off x="1774173" y="5933159"/>
-            <a:ext cx="9891429" cy="1106527"/>
-          </a:xfrm>
-          <a:prstGeom prst="rect">
-            <a:avLst/>
-          </a:prstGeom>
-          <a:solidFill>
-            <a:schemeClr val="accent3">
-              <a:lumMod val="20000"/>
-              <a:lumOff val="80000"/>
-            </a:schemeClr>
-          </a:solidFill>
-          <a:ln>
-            <a:noFill/>
-          </a:ln>
-        </p:spPr>
-        <p:style>
-          <a:lnRef idx="2">
-            <a:schemeClr val="accent1">
-              <a:shade val="50000"/>
-            </a:schemeClr>
-          </a:lnRef>
-          <a:fillRef idx="1">
-            <a:schemeClr val="accent1"/>
-          </a:fillRef>
-          <a:effectRef idx="0">
-            <a:schemeClr val="accent1"/>
-          </a:effectRef>
-          <a:fontRef idx="minor">
-            <a:schemeClr val="lt1"/>
-          </a:fontRef>
-        </p:style>
-        <p:txBody>
-          <a:bodyPr rtlCol="0" anchor="ctr"/>
-          <a:lstStyle/>
-          <a:p>
-            <a:r>
-              <a:rPr lang="en-US" sz="2400" dirty="0">
-                <a:solidFill>
-                  <a:schemeClr val="tx1"/>
-                </a:solidFill>
-              </a:rPr>
-              <a:t>True</a:t>
-            </a:r>
-          </a:p>
-        </p:txBody>
-      </p:sp>
-      <p:sp>
-        <p:nvSpPr>
-          <p:cNvPr id="4" name="CustomShape 3">
-            <a:extLst>
-              <a:ext uri="{FF2B5EF4-FFF2-40B4-BE49-F238E27FC236}">
-                <a16:creationId xmlns:a16="http://schemas.microsoft.com/office/drawing/2014/main" id="{5A9DE0C9-C28B-441E-9273-1002AE518B7F}"/>
-              </a:ext>
-            </a:extLst>
-          </p:cNvPr>
-          <p:cNvSpPr/>
-          <p:nvPr/>
-        </p:nvSpPr>
-        <p:spPr>
-          <a:xfrm>
-            <a:off x="9941040" y="7157160"/>
-            <a:ext cx="3022920" cy="401400"/>
-          </a:xfrm>
-          <a:prstGeom prst="rect">
-            <a:avLst/>
-          </a:prstGeom>
-          <a:noFill/>
-          <a:ln>
-            <a:noFill/>
-          </a:ln>
-        </p:spPr>
-        <p:style>
-          <a:lnRef idx="0">
-            <a:scrgbClr r="0" g="0" b="0"/>
-          </a:lnRef>
-          <a:fillRef idx="0">
-            <a:scrgbClr r="0" g="0" b="0"/>
-          </a:fillRef>
-          <a:effectRef idx="0">
-            <a:scrgbClr r="0" g="0" b="0"/>
-          </a:effectRef>
-          <a:fontRef idx="minor"/>
-        </p:style>
-        <p:txBody>
-          <a:bodyPr lIns="90000" tIns="45000" rIns="90000" bIns="45000" anchor="ctr"/>
-          <a:lstStyle/>
-          <a:p>
-            <a:pPr algn="r">
-              <a:lnSpc>
-                <a:spcPct val="100000"/>
-              </a:lnSpc>
-            </a:pPr>
-            <a:fld id="{E41630A5-50A0-42D1-9024-10A5D4502CEA}" type="slidenum">
-              <a:rPr lang="pt-BR" sz="1330" b="0" strike="noStrike" spc="-1">
-                <a:solidFill>
-                  <a:srgbClr val="8B8B8B"/>
-                </a:solidFill>
-                <a:latin typeface="Calibri"/>
-                <a:ea typeface="DejaVu Sans"/>
-              </a:rPr>
-              <a:t>17</a:t>
-            </a:fld>
-            <a:endParaRPr lang="pt-BR" sz="1330" b="0" strike="noStrike" spc="-1">
-              <a:latin typeface="Arial"/>
-            </a:endParaRPr>
-          </a:p>
-        </p:txBody>
-      </p:sp>
-    </p:spTree>
-    <p:extLst>
-      <p:ext uri="{BB962C8B-B14F-4D97-AF65-F5344CB8AC3E}">
-        <p14:creationId xmlns:p14="http://schemas.microsoft.com/office/powerpoint/2010/main" val="1257246800"/>
-      </p:ext>
-    </p:extLst>
-  </p:cSld>
-  <p:clrMapOvr>
-    <a:masterClrMapping/>
-  </p:clrMapOvr>
-  <p:timing>
-    <p:tnLst>
-      <p:par>
-        <p:cTn id="1" dur="indefinite" restart="never" nodeType="tmRoot">
-          <p:childTnLst>
-            <p:seq concurrent="1" nextAc="seek">
-              <p:cTn id="2" dur="indefinite" nodeType="mainSeq">
-                <p:childTnLst>
-                  <p:par>
-                    <p:cTn id="3" fill="hold">
-                      <p:stCondLst>
-                        <p:cond delay="indefinite"/>
-                      </p:stCondLst>
-                      <p:childTnLst>
-                        <p:par>
-                          <p:cTn id="4" fill="hold">
-                            <p:stCondLst>
-                              <p:cond delay="0"/>
-                            </p:stCondLst>
-                            <p:childTnLst>
-                              <p:par>
-                                <p:cTn id="5" presetID="1" presetClass="entr" presetSubtype="0" fill="hold" grpId="0" nodeType="clickEffect">
-                                  <p:stCondLst>
-                                    <p:cond delay="0"/>
-                                  </p:stCondLst>
-                                  <p:childTnLst>
-                                    <p:set>
-                                      <p:cBhvr>
-                                        <p:cTn id="6" dur="1" fill="hold">
-                                          <p:stCondLst>
-                                            <p:cond delay="0"/>
-                                          </p:stCondLst>
-                                        </p:cTn>
-                                        <p:tgtEl>
-                                          <p:spTgt spid="5"/>
-                                        </p:tgtEl>
-                                        <p:attrNameLst>
-                                          <p:attrName>style.visibility</p:attrName>
-                                        </p:attrNameLst>
-                                      </p:cBhvr>
-                                      <p:to>
-                                        <p:strVal val="visible"/>
-                                      </p:to>
-                                    </p:set>
-                                  </p:childTnLst>
-                                </p:cTn>
-                              </p:par>
-                            </p:childTnLst>
-                          </p:cTn>
-                        </p:par>
-                      </p:childTnLst>
-                    </p:cTn>
-                  </p:par>
-                </p:childTnLst>
-              </p:cTn>
-              <p:prevCondLst>
-                <p:cond evt="onPrev" delay="0">
-                  <p:tgtEl>
-                    <p:sldTgt/>
-                  </p:tgtEl>
-                </p:cond>
-              </p:prevCondLst>
-              <p:nextCondLst>
-                <p:cond evt="onNext" delay="0">
-                  <p:tgtEl>
-                    <p:sldTgt/>
-                  </p:tgtEl>
-                </p:cond>
-              </p:nextCondLst>
-            </p:seq>
-          </p:childTnLst>
-        </p:cTn>
-      </p:par>
-    </p:tnLst>
-    <p:bldLst>
-      <p:bldP spid="5" grpId="0" animBg="1"/>
-    </p:bldLst>
-  </p:timing>
-</p:sld>
-</file>
-
-<file path=ppt/slides/slide18.xml><?xml version="1.0" encoding="utf-8"?>
-<p:sld xmlns:a="http://schemas.openxmlformats.org/drawingml/2006/main" xmlns:r="http://schemas.openxmlformats.org/officeDocument/2006/relationships" xmlns:p="http://schemas.openxmlformats.org/presentationml/2006/main">
-  <p:cSld>
-    <p:spTree>
-      <p:nvGrpSpPr>
-        <p:cNvPr id="1" name=""/>
-        <p:cNvGrpSpPr/>
-        <p:nvPr/>
-      </p:nvGrpSpPr>
-      <p:grpSpPr>
-        <a:xfrm>
-          <a:off x="0" y="0"/>
-          <a:ext cx="0" cy="0"/>
-          <a:chOff x="0" y="0"/>
-          <a:chExt cx="0" cy="0"/>
-        </a:xfrm>
-      </p:grpSpPr>
-      <p:sp>
-        <p:nvSpPr>
-          <p:cNvPr id="2" name="Título 1">
-            <a:extLst>
-              <a:ext uri="{FF2B5EF4-FFF2-40B4-BE49-F238E27FC236}">
-                <a16:creationId xmlns:a16="http://schemas.microsoft.com/office/drawing/2014/main" id="{82DB40DE-59E1-4B97-A114-A9C90BD8175C}"/>
-              </a:ext>
-            </a:extLst>
-          </p:cNvPr>
-          <p:cNvSpPr>
-            <a:spLocks noGrp="1"/>
-          </p:cNvSpPr>
-          <p:nvPr>
-            <p:ph type="title"/>
-          </p:nvPr>
-        </p:nvSpPr>
-        <p:spPr/>
-        <p:txBody>
-          <a:bodyPr/>
-          <a:lstStyle/>
-          <a:p>
-            <a:r>
-              <a:rPr lang="pt-BR" dirty="0"/>
               <a:t>Slicing (fatiar)</a:t>
             </a:r>
           </a:p>
@@ -12298,7 +11811,7 @@
                 <a:latin typeface="Calibri"/>
                 <a:ea typeface="DejaVu Sans"/>
               </a:rPr>
-              <a:t>18</a:t>
+              <a:t>17</a:t>
             </a:fld>
             <a:endParaRPr lang="pt-BR" sz="1330" b="0" strike="noStrike" spc="-1">
               <a:latin typeface="Arial"/>
@@ -12319,7 +11832,7 @@
 </p:sld>
 </file>
 
-<file path=ppt/slides/slide19.xml><?xml version="1.0" encoding="utf-8"?>
+<file path=ppt/slides/slide18.xml><?xml version="1.0" encoding="utf-8"?>
 <p:sld xmlns:a="http://schemas.openxmlformats.org/drawingml/2006/main" xmlns:r="http://schemas.openxmlformats.org/officeDocument/2006/relationships" xmlns:p="http://schemas.openxmlformats.org/presentationml/2006/main">
   <p:cSld>
     <p:spTree>
@@ -12558,7 +12071,7 @@
                 <a:latin typeface="Calibri"/>
                 <a:ea typeface="DejaVu Sans"/>
               </a:rPr>
-              <a:t>19</a:t>
+              <a:t>18</a:t>
             </a:fld>
             <a:endParaRPr lang="pt-BR" sz="1330" b="0" strike="noStrike" spc="-1">
               <a:latin typeface="Arial"/>
@@ -12715,6 +12228,208 @@
       <p:bldP spid="7" grpId="0" animBg="1"/>
     </p:bldLst>
   </p:timing>
+</p:sld>
+</file>
+
+<file path=ppt/slides/slide19.xml><?xml version="1.0" encoding="utf-8"?>
+<p:sld xmlns:a="http://schemas.openxmlformats.org/drawingml/2006/main" xmlns:r="http://schemas.openxmlformats.org/officeDocument/2006/relationships" xmlns:p="http://schemas.openxmlformats.org/presentationml/2006/main">
+  <p:cSld>
+    <p:spTree>
+      <p:nvGrpSpPr>
+        <p:cNvPr id="1" name=""/>
+        <p:cNvGrpSpPr/>
+        <p:nvPr/>
+      </p:nvGrpSpPr>
+      <p:grpSpPr>
+        <a:xfrm>
+          <a:off x="0" y="0"/>
+          <a:ext cx="0" cy="0"/>
+          <a:chOff x="0" y="0"/>
+          <a:chExt cx="0" cy="0"/>
+        </a:xfrm>
+      </p:grpSpPr>
+      <p:sp>
+        <p:nvSpPr>
+          <p:cNvPr id="2" name="Título 1">
+            <a:extLst>
+              <a:ext uri="{FF2B5EF4-FFF2-40B4-BE49-F238E27FC236}">
+                <a16:creationId xmlns:a16="http://schemas.microsoft.com/office/drawing/2014/main" id="{C8DA77EC-6F71-46B8-92C4-41AB5CEE0534}"/>
+              </a:ext>
+            </a:extLst>
+          </p:cNvPr>
+          <p:cNvSpPr>
+            <a:spLocks noGrp="1"/>
+          </p:cNvSpPr>
+          <p:nvPr>
+            <p:ph type="title"/>
+          </p:nvPr>
+        </p:nvSpPr>
+        <p:spPr/>
+        <p:txBody>
+          <a:bodyPr/>
+          <a:lstStyle/>
+          <a:p>
+            <a:r>
+              <a:rPr lang="pt-BR" dirty="0"/>
+              <a:t>Notebook (Caderno) no Google Colab</a:t>
+            </a:r>
+          </a:p>
+        </p:txBody>
+      </p:sp>
+      <p:sp>
+        <p:nvSpPr>
+          <p:cNvPr id="3" name="Espaço Reservado para Conteúdo 2">
+            <a:extLst>
+              <a:ext uri="{FF2B5EF4-FFF2-40B4-BE49-F238E27FC236}">
+                <a16:creationId xmlns:a16="http://schemas.microsoft.com/office/drawing/2014/main" id="{51B3872E-1291-4864-8067-43408F6E24A7}"/>
+              </a:ext>
+            </a:extLst>
+          </p:cNvPr>
+          <p:cNvSpPr>
+            <a:spLocks noGrp="1"/>
+          </p:cNvSpPr>
+          <p:nvPr>
+            <p:ph idx="1"/>
+          </p:nvPr>
+        </p:nvSpPr>
+        <p:spPr>
+          <a:xfrm>
+            <a:off x="457200" y="1228300"/>
+            <a:ext cx="12374879" cy="6309150"/>
+          </a:xfrm>
+        </p:spPr>
+        <p:txBody>
+          <a:bodyPr>
+            <a:normAutofit/>
+          </a:bodyPr>
+          <a:lstStyle/>
+          <a:p>
+            <a:r>
+              <a:rPr lang="pt-BR" dirty="0"/>
+              <a:t>Google Colab</a:t>
+            </a:r>
+          </a:p>
+          <a:p>
+            <a:pPr lvl="1"/>
+            <a:r>
+              <a:rPr lang="pt-BR" dirty="0"/>
+              <a:t>Um ambiente na nuvem do google para execução de código</a:t>
+            </a:r>
+          </a:p>
+          <a:p>
+            <a:pPr lvl="2"/>
+            <a:r>
+              <a:rPr lang="pt-BR" dirty="0"/>
+              <a:t>De cadernos em formato equivalente ao Jupyter Notebook</a:t>
+            </a:r>
+          </a:p>
+          <a:p>
+            <a:endParaRPr lang="pt-BR" dirty="0"/>
+          </a:p>
+        </p:txBody>
+      </p:sp>
+      <p:sp>
+        <p:nvSpPr>
+          <p:cNvPr id="6" name="CustomShape 3">
+            <a:extLst>
+              <a:ext uri="{FF2B5EF4-FFF2-40B4-BE49-F238E27FC236}">
+                <a16:creationId xmlns:a16="http://schemas.microsoft.com/office/drawing/2014/main" id="{F6CBBEAE-EBDA-4A7A-AB0E-63FD473BC679}"/>
+              </a:ext>
+            </a:extLst>
+          </p:cNvPr>
+          <p:cNvSpPr/>
+          <p:nvPr/>
+        </p:nvSpPr>
+        <p:spPr>
+          <a:xfrm>
+            <a:off x="9941040" y="7157160"/>
+            <a:ext cx="3022920" cy="401400"/>
+          </a:xfrm>
+          <a:prstGeom prst="rect">
+            <a:avLst/>
+          </a:prstGeom>
+          <a:noFill/>
+          <a:ln>
+            <a:noFill/>
+          </a:ln>
+        </p:spPr>
+        <p:style>
+          <a:lnRef idx="0">
+            <a:scrgbClr r="0" g="0" b="0"/>
+          </a:lnRef>
+          <a:fillRef idx="0">
+            <a:scrgbClr r="0" g="0" b="0"/>
+          </a:fillRef>
+          <a:effectRef idx="0">
+            <a:scrgbClr r="0" g="0" b="0"/>
+          </a:effectRef>
+          <a:fontRef idx="minor"/>
+        </p:style>
+        <p:txBody>
+          <a:bodyPr lIns="90000" tIns="45000" rIns="90000" bIns="45000" anchor="ctr"/>
+          <a:lstStyle/>
+          <a:p>
+            <a:pPr algn="r">
+              <a:lnSpc>
+                <a:spcPct val="100000"/>
+              </a:lnSpc>
+            </a:pPr>
+            <a:fld id="{E41630A5-50A0-42D1-9024-10A5D4502CEA}" type="slidenum">
+              <a:rPr lang="pt-BR" sz="1330" b="0" strike="noStrike" spc="-1">
+                <a:solidFill>
+                  <a:srgbClr val="8B8B8B"/>
+                </a:solidFill>
+                <a:latin typeface="Calibri"/>
+                <a:ea typeface="DejaVu Sans"/>
+              </a:rPr>
+              <a:t>19</a:t>
+            </a:fld>
+            <a:endParaRPr lang="pt-BR" sz="1330" b="0" strike="noStrike" spc="-1">
+              <a:latin typeface="Arial"/>
+            </a:endParaRPr>
+          </a:p>
+        </p:txBody>
+      </p:sp>
+      <p:pic>
+        <p:nvPicPr>
+          <p:cNvPr id="7" name="Imagem 6">
+            <a:extLst>
+              <a:ext uri="{FF2B5EF4-FFF2-40B4-BE49-F238E27FC236}">
+                <a16:creationId xmlns:a16="http://schemas.microsoft.com/office/drawing/2014/main" id="{3E6670AD-3829-464E-A7C4-9D511AC6ECC5}"/>
+              </a:ext>
+            </a:extLst>
+          </p:cNvPr>
+          <p:cNvPicPr>
+            <a:picLocks noChangeAspect="1"/>
+          </p:cNvPicPr>
+          <p:nvPr/>
+        </p:nvPicPr>
+        <p:blipFill>
+          <a:blip r:embed="rId2"/>
+          <a:stretch>
+            <a:fillRect/>
+          </a:stretch>
+        </p:blipFill>
+        <p:spPr>
+          <a:xfrm>
+            <a:off x="2392680" y="2829172"/>
+            <a:ext cx="7761720" cy="4528688"/>
+          </a:xfrm>
+          <a:prstGeom prst="rect">
+            <a:avLst/>
+          </a:prstGeom>
+        </p:spPr>
+      </p:pic>
+    </p:spTree>
+    <p:extLst>
+      <p:ext uri="{BB962C8B-B14F-4D97-AF65-F5344CB8AC3E}">
+        <p14:creationId xmlns:p14="http://schemas.microsoft.com/office/powerpoint/2010/main" val="8266948"/>
+      </p:ext>
+    </p:extLst>
+  </p:cSld>
+  <p:clrMapOvr>
+    <a:masterClrMapping/>
+  </p:clrMapOvr>
 </p:sld>
 </file>
 
@@ -13417,14 +13132,19 @@
             <p:ph type="title"/>
           </p:nvPr>
         </p:nvSpPr>
-        <p:spPr/>
+        <p:spPr>
+          <a:xfrm>
+            <a:off x="672147" y="22322"/>
+            <a:ext cx="12095480" cy="855575"/>
+          </a:xfrm>
+        </p:spPr>
         <p:txBody>
           <a:bodyPr/>
           <a:lstStyle/>
           <a:p>
             <a:r>
               <a:rPr lang="pt-BR" dirty="0"/>
-              <a:t>Notebook (Caderno) no Google Colab</a:t>
+              <a:t>Acesso aos cadernos Colab desta Aula</a:t>
             </a:r>
           </a:p>
         </p:txBody>
@@ -13447,8 +13167,8 @@
         </p:nvSpPr>
         <p:spPr>
           <a:xfrm>
-            <a:off x="457200" y="1228300"/>
-            <a:ext cx="12374879" cy="6309150"/>
+            <a:off x="457366" y="877898"/>
+            <a:ext cx="12374554" cy="6546110"/>
           </a:xfrm>
         </p:spPr>
         <p:txBody>
@@ -13459,34 +13179,31 @@
           <a:p>
             <a:r>
               <a:rPr lang="pt-BR" dirty="0"/>
-              <a:t>Google Colab</a:t>
-            </a:r>
+              <a:t>Abra no Colab </a:t>
+            </a:r>
+            <a:r>
+              <a:rPr lang="pt-BR" dirty="0">
+                <a:hlinkClick r:id="rId2"/>
+              </a:rPr>
+              <a:t>https://colab.research.google.com/</a:t>
+            </a:r>
+            <a:endParaRPr lang="pt-BR" dirty="0"/>
           </a:p>
           <a:p>
             <a:pPr lvl="1"/>
             <a:r>
               <a:rPr lang="pt-BR" dirty="0"/>
-              <a:t>Um ambiente na nuvem do google para execução de código</a:t>
-            </a:r>
-          </a:p>
-          <a:p>
-            <a:pPr lvl="2"/>
-            <a:r>
-              <a:rPr lang="pt-BR" dirty="0"/>
-              <a:t>De cadernos em formato equivalente ao Jupyter Notebook</a:t>
-            </a:r>
-          </a:p>
-          <a:p>
-            <a:endParaRPr lang="pt-BR" dirty="0"/>
+              <a:t>File -&gt; Open notebook</a:t>
+            </a:r>
           </a:p>
         </p:txBody>
       </p:sp>
       <p:sp>
         <p:nvSpPr>
-          <p:cNvPr id="6" name="CustomShape 3">
+          <p:cNvPr id="7" name="CustomShape 3">
             <a:extLst>
               <a:ext uri="{FF2B5EF4-FFF2-40B4-BE49-F238E27FC236}">
-                <a16:creationId xmlns:a16="http://schemas.microsoft.com/office/drawing/2014/main" id="{F6CBBEAE-EBDA-4A7A-AB0E-63FD473BC679}"/>
+                <a16:creationId xmlns:a16="http://schemas.microsoft.com/office/drawing/2014/main" id="{B83F61AF-AC06-450A-B5ED-8E75F40681CA}"/>
               </a:ext>
             </a:extLst>
           </p:cNvPr>
@@ -13495,8 +13212,8 @@
         </p:nvSpPr>
         <p:spPr>
           <a:xfrm>
-            <a:off x="9941040" y="7157160"/>
-            <a:ext cx="3022920" cy="401400"/>
+            <a:off x="9940956" y="7157072"/>
+            <a:ext cx="3022840" cy="401389"/>
           </a:xfrm>
           <a:prstGeom prst="rect">
             <a:avLst/>
@@ -13519,7 +13236,7 @@
           <a:fontRef idx="minor"/>
         </p:style>
         <p:txBody>
-          <a:bodyPr lIns="90000" tIns="45000" rIns="90000" bIns="45000" anchor="ctr"/>
+          <a:bodyPr lIns="89997" tIns="44999" rIns="89997" bIns="44999" anchor="ctr"/>
           <a:lstStyle/>
           <a:p>
             <a:pPr algn="r">
@@ -13528,7 +13245,7 @@
               </a:lnSpc>
             </a:pPr>
             <a:fld id="{E41630A5-50A0-42D1-9024-10A5D4502CEA}" type="slidenum">
-              <a:rPr lang="pt-BR" sz="1330" b="0" strike="noStrike" spc="-1">
+              <a:rPr lang="pt-BR" sz="1330" spc="-1">
                 <a:solidFill>
                   <a:srgbClr val="8B8B8B"/>
                 </a:solidFill>
@@ -13537,46 +13254,51 @@
               </a:rPr>
               <a:t>20</a:t>
             </a:fld>
-            <a:endParaRPr lang="pt-BR" sz="1330" b="0" strike="noStrike" spc="-1">
+            <a:endParaRPr lang="pt-BR" sz="1330" spc="-1">
               <a:latin typeface="Arial"/>
             </a:endParaRPr>
           </a:p>
         </p:txBody>
       </p:sp>
-      <p:pic>
-        <p:nvPicPr>
-          <p:cNvPr id="7" name="Imagem 6">
+      <p:sp>
+        <p:nvSpPr>
+          <p:cNvPr id="19" name="TextBox 18">
             <a:extLst>
               <a:ext uri="{FF2B5EF4-FFF2-40B4-BE49-F238E27FC236}">
-                <a16:creationId xmlns:a16="http://schemas.microsoft.com/office/drawing/2014/main" id="{3E6670AD-3829-464E-A7C4-9D511AC6ECC5}"/>
+                <a16:creationId xmlns:a16="http://schemas.microsoft.com/office/drawing/2014/main" id="{E00EDD52-1FD4-44F7-B194-25111B40A188}"/>
               </a:ext>
             </a:extLst>
           </p:cNvPr>
-          <p:cNvPicPr>
-            <a:picLocks noChangeAspect="1"/>
-          </p:cNvPicPr>
+          <p:cNvSpPr txBox="1"/>
           <p:nvPr/>
-        </p:nvPicPr>
-        <p:blipFill>
-          <a:blip r:embed="rId2"/>
-          <a:stretch>
-            <a:fillRect/>
-          </a:stretch>
-        </p:blipFill>
+        </p:nvSpPr>
         <p:spPr>
           <a:xfrm>
-            <a:off x="2392680" y="2829172"/>
-            <a:ext cx="7761720" cy="4528688"/>
+            <a:off x="1259848" y="7095885"/>
+            <a:ext cx="10379123" cy="461665"/>
           </a:xfrm>
           <a:prstGeom prst="rect">
             <a:avLst/>
           </a:prstGeom>
+          <a:noFill/>
         </p:spPr>
-      </p:pic>
+        <p:txBody>
+          <a:bodyPr wrap="none" rtlCol="0">
+            <a:spAutoFit/>
+          </a:bodyPr>
+          <a:lstStyle/>
+          <a:p>
+            <a:r>
+              <a:rPr lang="pt-BR" sz="2400" dirty="0"/>
+              <a:t>Repositório desta disciplina: https://github.com/alexlopespereira/enapespcd2021</a:t>
+            </a:r>
+          </a:p>
+        </p:txBody>
+      </p:sp>
     </p:spTree>
     <p:extLst>
       <p:ext uri="{BB962C8B-B14F-4D97-AF65-F5344CB8AC3E}">
-        <p14:creationId xmlns:p14="http://schemas.microsoft.com/office/powerpoint/2010/main" val="8266948"/>
+        <p14:creationId xmlns:p14="http://schemas.microsoft.com/office/powerpoint/2010/main" val="4268311330"/>
       </p:ext>
     </p:extLst>
   </p:cSld>
@@ -13631,7 +13353,7 @@
           <a:p>
             <a:r>
               <a:rPr lang="pt-BR" dirty="0"/>
-              <a:t>Acesso aos cadernos Colab desta Aula</a:t>
+              <a:t>Acesso aos cadernos Colab deste Curso</a:t>
             </a:r>
           </a:p>
         </p:txBody>
@@ -13654,8 +13376,8 @@
         </p:nvSpPr>
         <p:spPr>
           <a:xfrm>
-            <a:off x="457366" y="877898"/>
-            <a:ext cx="12374554" cy="6546110"/>
+            <a:off x="457366" y="990600"/>
+            <a:ext cx="12374554" cy="6433408"/>
           </a:xfrm>
         </p:spPr>
         <p:txBody>
@@ -13666,22 +13388,34 @@
           <a:p>
             <a:r>
               <a:rPr lang="pt-BR" dirty="0"/>
-              <a:t>Abra no Colab </a:t>
-            </a:r>
-            <a:r>
-              <a:rPr lang="pt-BR" dirty="0">
-                <a:hlinkClick r:id="rId2"/>
-              </a:rPr>
-              <a:t>https://colab.research.google.com/</a:t>
-            </a:r>
+              <a:t>Salvar uma cópia no google drive</a:t>
+            </a:r>
+          </a:p>
+          <a:p>
+            <a:pPr lvl="1"/>
+            <a:r>
+              <a:rPr lang="pt-BR" dirty="0"/>
+              <a:t>O arquivo será salvo em</a:t>
+            </a:r>
+          </a:p>
+          <a:p>
+            <a:pPr lvl="2"/>
+            <a:r>
+              <a:rPr lang="pt-BR" dirty="0"/>
+              <a:t>Meu Drive &gt;  Colab Notebooks</a:t>
+            </a:r>
+          </a:p>
+          <a:p>
+            <a:pPr lvl="1"/>
             <a:endParaRPr lang="pt-BR" dirty="0"/>
           </a:p>
           <a:p>
             <a:pPr lvl="1"/>
-            <a:r>
-              <a:rPr lang="pt-BR" dirty="0"/>
-              <a:t>File -&gt; Open notebook</a:t>
-            </a:r>
+            <a:endParaRPr lang="pt-BR" dirty="0"/>
+          </a:p>
+          <a:p>
+            <a:pPr lvl="1"/>
+            <a:endParaRPr lang="pt-BR" dirty="0"/>
           </a:p>
         </p:txBody>
       </p:sp>
@@ -13740,227 +13474,6 @@
                 <a:ea typeface="DejaVu Sans"/>
               </a:rPr>
               <a:t>21</a:t>
-            </a:fld>
-            <a:endParaRPr lang="pt-BR" sz="1330" spc="-1">
-              <a:latin typeface="Arial"/>
-            </a:endParaRPr>
-          </a:p>
-        </p:txBody>
-      </p:sp>
-      <p:sp>
-        <p:nvSpPr>
-          <p:cNvPr id="19" name="TextBox 18">
-            <a:extLst>
-              <a:ext uri="{FF2B5EF4-FFF2-40B4-BE49-F238E27FC236}">
-                <a16:creationId xmlns:a16="http://schemas.microsoft.com/office/drawing/2014/main" id="{E00EDD52-1FD4-44F7-B194-25111B40A188}"/>
-              </a:ext>
-            </a:extLst>
-          </p:cNvPr>
-          <p:cNvSpPr txBox="1"/>
-          <p:nvPr/>
-        </p:nvSpPr>
-        <p:spPr>
-          <a:xfrm>
-            <a:off x="1259848" y="7095885"/>
-            <a:ext cx="10379123" cy="461665"/>
-          </a:xfrm>
-          <a:prstGeom prst="rect">
-            <a:avLst/>
-          </a:prstGeom>
-          <a:noFill/>
-        </p:spPr>
-        <p:txBody>
-          <a:bodyPr wrap="none" rtlCol="0">
-            <a:spAutoFit/>
-          </a:bodyPr>
-          <a:lstStyle/>
-          <a:p>
-            <a:r>
-              <a:rPr lang="pt-BR" sz="2400" dirty="0"/>
-              <a:t>Repositório desta disciplina: https://github.com/alexlopespereira/enapespcd2021</a:t>
-            </a:r>
-          </a:p>
-        </p:txBody>
-      </p:sp>
-    </p:spTree>
-    <p:extLst>
-      <p:ext uri="{BB962C8B-B14F-4D97-AF65-F5344CB8AC3E}">
-        <p14:creationId xmlns:p14="http://schemas.microsoft.com/office/powerpoint/2010/main" val="4268311330"/>
-      </p:ext>
-    </p:extLst>
-  </p:cSld>
-  <p:clrMapOvr>
-    <a:masterClrMapping/>
-  </p:clrMapOvr>
-</p:sld>
-</file>
-
-<file path=ppt/slides/slide22.xml><?xml version="1.0" encoding="utf-8"?>
-<p:sld xmlns:a="http://schemas.openxmlformats.org/drawingml/2006/main" xmlns:r="http://schemas.openxmlformats.org/officeDocument/2006/relationships" xmlns:p="http://schemas.openxmlformats.org/presentationml/2006/main">
-  <p:cSld>
-    <p:spTree>
-      <p:nvGrpSpPr>
-        <p:cNvPr id="1" name=""/>
-        <p:cNvGrpSpPr/>
-        <p:nvPr/>
-      </p:nvGrpSpPr>
-      <p:grpSpPr>
-        <a:xfrm>
-          <a:off x="0" y="0"/>
-          <a:ext cx="0" cy="0"/>
-          <a:chOff x="0" y="0"/>
-          <a:chExt cx="0" cy="0"/>
-        </a:xfrm>
-      </p:grpSpPr>
-      <p:sp>
-        <p:nvSpPr>
-          <p:cNvPr id="2" name="Título 1">
-            <a:extLst>
-              <a:ext uri="{FF2B5EF4-FFF2-40B4-BE49-F238E27FC236}">
-                <a16:creationId xmlns:a16="http://schemas.microsoft.com/office/drawing/2014/main" id="{C8DA77EC-6F71-46B8-92C4-41AB5CEE0534}"/>
-              </a:ext>
-            </a:extLst>
-          </p:cNvPr>
-          <p:cNvSpPr>
-            <a:spLocks noGrp="1"/>
-          </p:cNvSpPr>
-          <p:nvPr>
-            <p:ph type="title"/>
-          </p:nvPr>
-        </p:nvSpPr>
-        <p:spPr>
-          <a:xfrm>
-            <a:off x="672147" y="22322"/>
-            <a:ext cx="12095480" cy="855575"/>
-          </a:xfrm>
-        </p:spPr>
-        <p:txBody>
-          <a:bodyPr/>
-          <a:lstStyle/>
-          <a:p>
-            <a:r>
-              <a:rPr lang="pt-BR" dirty="0"/>
-              <a:t>Acesso aos cadernos Colab deste Curso</a:t>
-            </a:r>
-          </a:p>
-        </p:txBody>
-      </p:sp>
-      <p:sp>
-        <p:nvSpPr>
-          <p:cNvPr id="3" name="Espaço Reservado para Conteúdo 2">
-            <a:extLst>
-              <a:ext uri="{FF2B5EF4-FFF2-40B4-BE49-F238E27FC236}">
-                <a16:creationId xmlns:a16="http://schemas.microsoft.com/office/drawing/2014/main" id="{51B3872E-1291-4864-8067-43408F6E24A7}"/>
-              </a:ext>
-            </a:extLst>
-          </p:cNvPr>
-          <p:cNvSpPr>
-            <a:spLocks noGrp="1"/>
-          </p:cNvSpPr>
-          <p:nvPr>
-            <p:ph idx="1"/>
-          </p:nvPr>
-        </p:nvSpPr>
-        <p:spPr>
-          <a:xfrm>
-            <a:off x="457366" y="990600"/>
-            <a:ext cx="12374554" cy="6433408"/>
-          </a:xfrm>
-        </p:spPr>
-        <p:txBody>
-          <a:bodyPr>
-            <a:normAutofit/>
-          </a:bodyPr>
-          <a:lstStyle/>
-          <a:p>
-            <a:r>
-              <a:rPr lang="pt-BR" dirty="0"/>
-              <a:t>Salvar uma cópia no google drive</a:t>
-            </a:r>
-          </a:p>
-          <a:p>
-            <a:pPr lvl="1"/>
-            <a:r>
-              <a:rPr lang="pt-BR" dirty="0"/>
-              <a:t>O arquivo será salvo em</a:t>
-            </a:r>
-          </a:p>
-          <a:p>
-            <a:pPr lvl="2"/>
-            <a:r>
-              <a:rPr lang="pt-BR" dirty="0"/>
-              <a:t>Meu Drive &gt;  Colab Notebooks</a:t>
-            </a:r>
-          </a:p>
-          <a:p>
-            <a:pPr lvl="1"/>
-            <a:endParaRPr lang="pt-BR" dirty="0"/>
-          </a:p>
-          <a:p>
-            <a:pPr lvl="1"/>
-            <a:endParaRPr lang="pt-BR" dirty="0"/>
-          </a:p>
-          <a:p>
-            <a:pPr lvl="1"/>
-            <a:endParaRPr lang="pt-BR" dirty="0"/>
-          </a:p>
-        </p:txBody>
-      </p:sp>
-      <p:sp>
-        <p:nvSpPr>
-          <p:cNvPr id="7" name="CustomShape 3">
-            <a:extLst>
-              <a:ext uri="{FF2B5EF4-FFF2-40B4-BE49-F238E27FC236}">
-                <a16:creationId xmlns:a16="http://schemas.microsoft.com/office/drawing/2014/main" id="{B83F61AF-AC06-450A-B5ED-8E75F40681CA}"/>
-              </a:ext>
-            </a:extLst>
-          </p:cNvPr>
-          <p:cNvSpPr/>
-          <p:nvPr/>
-        </p:nvSpPr>
-        <p:spPr>
-          <a:xfrm>
-            <a:off x="9940956" y="7157072"/>
-            <a:ext cx="3022840" cy="401389"/>
-          </a:xfrm>
-          <a:prstGeom prst="rect">
-            <a:avLst/>
-          </a:prstGeom>
-          <a:noFill/>
-          <a:ln>
-            <a:noFill/>
-          </a:ln>
-        </p:spPr>
-        <p:style>
-          <a:lnRef idx="0">
-            <a:scrgbClr r="0" g="0" b="0"/>
-          </a:lnRef>
-          <a:fillRef idx="0">
-            <a:scrgbClr r="0" g="0" b="0"/>
-          </a:fillRef>
-          <a:effectRef idx="0">
-            <a:scrgbClr r="0" g="0" b="0"/>
-          </a:effectRef>
-          <a:fontRef idx="minor"/>
-        </p:style>
-        <p:txBody>
-          <a:bodyPr lIns="89997" tIns="44999" rIns="89997" bIns="44999" anchor="ctr"/>
-          <a:lstStyle/>
-          <a:p>
-            <a:pPr algn="r">
-              <a:lnSpc>
-                <a:spcPct val="100000"/>
-              </a:lnSpc>
-            </a:pPr>
-            <a:fld id="{E41630A5-50A0-42D1-9024-10A5D4502CEA}" type="slidenum">
-              <a:rPr lang="pt-BR" sz="1330" spc="-1">
-                <a:solidFill>
-                  <a:srgbClr val="8B8B8B"/>
-                </a:solidFill>
-                <a:latin typeface="Calibri"/>
-                <a:ea typeface="DejaVu Sans"/>
-              </a:rPr>
-              <a:t>22</a:t>
             </a:fld>
             <a:endParaRPr lang="pt-BR" sz="1330" spc="-1">
               <a:latin typeface="Arial"/>
@@ -14022,7 +13535,7 @@
 </p:sld>
 </file>
 
-<file path=ppt/slides/slide23.xml><?xml version="1.0" encoding="utf-8"?>
+<file path=ppt/slides/slide22.xml><?xml version="1.0" encoding="utf-8"?>
 <p:sld xmlns:a="http://schemas.openxmlformats.org/drawingml/2006/main" xmlns:r="http://schemas.openxmlformats.org/officeDocument/2006/relationships" xmlns:p="http://schemas.openxmlformats.org/presentationml/2006/main">
   <p:cSld>
     <p:spTree>
@@ -14265,7 +13778,7 @@
                 <a:latin typeface="Calibri"/>
                 <a:ea typeface="DejaVu Sans"/>
               </a:rPr>
-              <a:t>23</a:t>
+              <a:t>22</a:t>
             </a:fld>
             <a:endParaRPr lang="pt-BR" sz="1330" b="0" strike="noStrike" spc="-1">
               <a:latin typeface="Arial"/>
@@ -14286,7 +13799,7 @@
 </p:sld>
 </file>
 
-<file path=ppt/slides/slide24.xml><?xml version="1.0" encoding="utf-8"?>
+<file path=ppt/slides/slide23.xml><?xml version="1.0" encoding="utf-8"?>
 <p:sld xmlns:a="http://schemas.openxmlformats.org/drawingml/2006/main" xmlns:r="http://schemas.openxmlformats.org/officeDocument/2006/relationships" xmlns:p="http://schemas.openxmlformats.org/presentationml/2006/main">
   <p:cSld>
     <p:spTree>
@@ -14604,7 +14117,7 @@
                 <a:latin typeface="Calibri"/>
                 <a:ea typeface="DejaVu Sans"/>
               </a:rPr>
-              <a:t>24</a:t>
+              <a:t>23</a:t>
             </a:fld>
             <a:endParaRPr lang="pt-BR" sz="1330" b="0" strike="noStrike" spc="-1">
               <a:latin typeface="Arial"/>
@@ -14625,7 +14138,7 @@
 </p:sld>
 </file>
 
-<file path=ppt/slides/slide25.xml><?xml version="1.0" encoding="utf-8"?>
+<file path=ppt/slides/slide24.xml><?xml version="1.0" encoding="utf-8"?>
 <p:sld xmlns:a="http://schemas.openxmlformats.org/drawingml/2006/main" xmlns:r="http://schemas.openxmlformats.org/officeDocument/2006/relationships" xmlns:p="http://schemas.openxmlformats.org/presentationml/2006/main">
   <p:cSld>
     <p:spTree>
@@ -14819,7 +14332,7 @@
             <a:fld id="{D57F1E4F-1CFF-5643-939E-217C01CDF565}" type="slidenum">
               <a:rPr lang="en-US" smtClean="0"/>
               <a:pPr/>
-              <a:t>25</a:t>
+              <a:t>24</a:t>
             </a:fld>
             <a:endParaRPr lang="en-US" dirty="0"/>
           </a:p>
@@ -14838,7 +14351,7 @@
 </p:sld>
 </file>
 
-<file path=ppt/slides/slide26.xml><?xml version="1.0" encoding="utf-8"?>
+<file path=ppt/slides/slide25.xml><?xml version="1.0" encoding="utf-8"?>
 <p:sld xmlns:a="http://schemas.openxmlformats.org/drawingml/2006/main" xmlns:r="http://schemas.openxmlformats.org/officeDocument/2006/relationships" xmlns:p="http://schemas.openxmlformats.org/presentationml/2006/main">
   <p:cSld>
     <p:spTree>
@@ -15123,7 +14636,7 @@
                 <a:latin typeface="Calibri"/>
                 <a:ea typeface="DejaVu Sans"/>
               </a:rPr>
-              <a:t>26</a:t>
+              <a:t>25</a:t>
             </a:fld>
             <a:endParaRPr lang="pt-BR" sz="1330" b="0" strike="noStrike" spc="-1">
               <a:latin typeface="Arial"/>
@@ -15174,7 +14687,7 @@
 </p:sld>
 </file>
 
-<file path=ppt/slides/slide27.xml><?xml version="1.0" encoding="utf-8"?>
+<file path=ppt/slides/slide26.xml><?xml version="1.0" encoding="utf-8"?>
 <p:sld xmlns:a="http://schemas.openxmlformats.org/drawingml/2006/main" xmlns:r="http://schemas.openxmlformats.org/officeDocument/2006/relationships" xmlns:p="http://schemas.openxmlformats.org/presentationml/2006/main">
   <p:cSld>
     <p:spTree>
@@ -15743,7 +15256,7 @@
 </p:sld>
 </file>
 
-<file path=ppt/slides/slide28.xml><?xml version="1.0" encoding="utf-8"?>
+<file path=ppt/slides/slide27.xml><?xml version="1.0" encoding="utf-8"?>
 <p:sld xmlns:a="http://schemas.openxmlformats.org/drawingml/2006/main" xmlns:r="http://schemas.openxmlformats.org/officeDocument/2006/relationships" xmlns:p="http://schemas.openxmlformats.org/presentationml/2006/main">
   <p:cSld>
     <p:spTree>
@@ -16031,7 +15544,7 @@
                 <a:latin typeface="Calibri"/>
                 <a:ea typeface="DejaVu Sans"/>
               </a:rPr>
-              <a:t>28</a:t>
+              <a:t>27</a:t>
             </a:fld>
             <a:endParaRPr lang="pt-BR" sz="1330" b="0" strike="noStrike" spc="-1">
               <a:latin typeface="Arial"/>
@@ -17411,506 +16924,6 @@
         </p:nvSpPr>
         <p:spPr>
           <a:xfrm>
-            <a:off x="457200" y="1200839"/>
-            <a:ext cx="12374879" cy="6223263"/>
-          </a:xfrm>
-        </p:spPr>
-        <p:txBody>
-          <a:bodyPr>
-            <a:normAutofit/>
-          </a:bodyPr>
-          <a:lstStyle/>
-          <a:p>
-            <a:r>
-              <a:rPr lang="pt-BR" dirty="0"/>
-              <a:t>Referências para objetos não possuem um tipo associado</a:t>
-            </a:r>
-          </a:p>
-          <a:p>
-            <a:pPr lvl="1"/>
-            <a:r>
-              <a:rPr lang="pt-BR" dirty="0"/>
-              <a:t>Não há problema em reatribuir uma referência a outro tipo</a:t>
-            </a:r>
-          </a:p>
-          <a:p>
-            <a:pPr lvl="2"/>
-            <a:r>
-              <a:rPr lang="pt-BR" dirty="0"/>
-              <a:t>Por exemplo:</a:t>
-            </a:r>
-          </a:p>
-        </p:txBody>
-      </p:sp>
-      <p:sp>
-        <p:nvSpPr>
-          <p:cNvPr id="4" name="CaixaDeTexto 3">
-            <a:extLst>
-              <a:ext uri="{FF2B5EF4-FFF2-40B4-BE49-F238E27FC236}">
-                <a16:creationId xmlns:a16="http://schemas.microsoft.com/office/drawing/2014/main" id="{81ED1935-0F58-4C0F-A3D8-457E1183C62E}"/>
-              </a:ext>
-            </a:extLst>
-          </p:cNvPr>
-          <p:cNvSpPr txBox="1"/>
-          <p:nvPr/>
-        </p:nvSpPr>
-        <p:spPr>
-          <a:xfrm>
-            <a:off x="2306518" y="3220091"/>
-            <a:ext cx="8132881" cy="1938992"/>
-          </a:xfrm>
-          <a:prstGeom prst="rect">
-            <a:avLst/>
-          </a:prstGeom>
-          <a:solidFill>
-            <a:schemeClr val="accent4">
-              <a:lumMod val="20000"/>
-              <a:lumOff val="80000"/>
-            </a:schemeClr>
-          </a:solidFill>
-        </p:spPr>
-        <p:txBody>
-          <a:bodyPr wrap="square" rtlCol="0">
-            <a:spAutoFit/>
-          </a:bodyPr>
-          <a:lstStyle/>
-          <a:p>
-            <a:r>
-              <a:rPr lang="pt-BR" sz="2400" dirty="0">
-                <a:latin typeface="Source Code Pro" panose="020B0509030403020204" pitchFamily="49" charset="0"/>
-                <a:ea typeface="Source Code Pro" panose="020B0509030403020204" pitchFamily="49" charset="0"/>
-              </a:rPr>
-              <a:t>x = 2</a:t>
-            </a:r>
-          </a:p>
-          <a:p>
-            <a:r>
-              <a:rPr lang="pt-BR" sz="2400" b="1" dirty="0">
-                <a:latin typeface="Source Code Pro" panose="020B0509030403020204" pitchFamily="49" charset="0"/>
-                <a:ea typeface="Source Code Pro" panose="020B0509030403020204" pitchFamily="49" charset="0"/>
-              </a:rPr>
-              <a:t>print</a:t>
-            </a:r>
-            <a:r>
-              <a:rPr lang="pt-BR" sz="2400" dirty="0">
-                <a:latin typeface="Source Code Pro" panose="020B0509030403020204" pitchFamily="49" charset="0"/>
-                <a:ea typeface="Source Code Pro" panose="020B0509030403020204" pitchFamily="49" charset="0"/>
-              </a:rPr>
-              <a:t>(</a:t>
-            </a:r>
-            <a:r>
-              <a:rPr lang="pt-BR" sz="2400" b="1" dirty="0" err="1">
-                <a:latin typeface="Source Code Pro" panose="020B0509030403020204" pitchFamily="49" charset="0"/>
-                <a:ea typeface="Source Code Pro" panose="020B0509030403020204" pitchFamily="49" charset="0"/>
-              </a:rPr>
-              <a:t>type</a:t>
-            </a:r>
-            <a:r>
-              <a:rPr lang="pt-BR" sz="2400" dirty="0">
-                <a:latin typeface="Source Code Pro" panose="020B0509030403020204" pitchFamily="49" charset="0"/>
-                <a:ea typeface="Source Code Pro" panose="020B0509030403020204" pitchFamily="49" charset="0"/>
-              </a:rPr>
-              <a:t>(x))</a:t>
-            </a:r>
-          </a:p>
-          <a:p>
-            <a:r>
-              <a:rPr lang="pt-BR" sz="2400" dirty="0">
-                <a:latin typeface="Source Code Pro" panose="020B0509030403020204" pitchFamily="49" charset="0"/>
-                <a:ea typeface="Source Code Pro" panose="020B0509030403020204" pitchFamily="49" charset="0"/>
-              </a:rPr>
-              <a:t>x = 'carro'</a:t>
-            </a:r>
-          </a:p>
-          <a:p>
-            <a:r>
-              <a:rPr lang="pt-BR" sz="2400" b="1" dirty="0">
-                <a:latin typeface="Source Code Pro" panose="020B0509030403020204" pitchFamily="49" charset="0"/>
-                <a:ea typeface="Source Code Pro" panose="020B0509030403020204" pitchFamily="49" charset="0"/>
-              </a:rPr>
-              <a:t>print</a:t>
-            </a:r>
-            <a:r>
-              <a:rPr lang="pt-BR" sz="2400" dirty="0">
-                <a:latin typeface="Source Code Pro" panose="020B0509030403020204" pitchFamily="49" charset="0"/>
-                <a:ea typeface="Source Code Pro" panose="020B0509030403020204" pitchFamily="49" charset="0"/>
-              </a:rPr>
-              <a:t>(</a:t>
-            </a:r>
-            <a:r>
-              <a:rPr lang="pt-BR" sz="2400" b="1" dirty="0" err="1">
-                <a:latin typeface="Source Code Pro" panose="020B0509030403020204" pitchFamily="49" charset="0"/>
-                <a:ea typeface="Source Code Pro" panose="020B0509030403020204" pitchFamily="49" charset="0"/>
-              </a:rPr>
-              <a:t>type</a:t>
-            </a:r>
-            <a:r>
-              <a:rPr lang="pt-BR" sz="2400" dirty="0">
-                <a:latin typeface="Source Code Pro" panose="020B0509030403020204" pitchFamily="49" charset="0"/>
-                <a:ea typeface="Source Code Pro" panose="020B0509030403020204" pitchFamily="49" charset="0"/>
-              </a:rPr>
-              <a:t>(x))</a:t>
-            </a:r>
-          </a:p>
-          <a:p>
-            <a:endParaRPr lang="pt-BR" sz="2400" dirty="0">
-              <a:latin typeface="Source Code Pro" panose="020B0509030403020204" pitchFamily="49" charset="0"/>
-              <a:ea typeface="Source Code Pro" panose="020B0509030403020204" pitchFamily="49" charset="0"/>
-            </a:endParaRPr>
-          </a:p>
-        </p:txBody>
-      </p:sp>
-      <p:sp>
-        <p:nvSpPr>
-          <p:cNvPr id="5" name="Retângulo 4">
-            <a:extLst>
-              <a:ext uri="{FF2B5EF4-FFF2-40B4-BE49-F238E27FC236}">
-                <a16:creationId xmlns:a16="http://schemas.microsoft.com/office/drawing/2014/main" id="{441A1772-A3D9-43E6-8BD9-D91BC87A804C}"/>
-              </a:ext>
-            </a:extLst>
-          </p:cNvPr>
-          <p:cNvSpPr/>
-          <p:nvPr/>
-        </p:nvSpPr>
-        <p:spPr>
-          <a:xfrm>
-            <a:off x="2306517" y="5229702"/>
-            <a:ext cx="8132881" cy="927521"/>
-          </a:xfrm>
-          <a:prstGeom prst="rect">
-            <a:avLst/>
-          </a:prstGeom>
-          <a:solidFill>
-            <a:schemeClr val="accent3">
-              <a:lumMod val="20000"/>
-              <a:lumOff val="80000"/>
-            </a:schemeClr>
-          </a:solidFill>
-          <a:ln>
-            <a:noFill/>
-          </a:ln>
-        </p:spPr>
-        <p:style>
-          <a:lnRef idx="2">
-            <a:schemeClr val="accent1">
-              <a:shade val="50000"/>
-            </a:schemeClr>
-          </a:lnRef>
-          <a:fillRef idx="1">
-            <a:schemeClr val="accent1"/>
-          </a:fillRef>
-          <a:effectRef idx="0">
-            <a:schemeClr val="accent1"/>
-          </a:effectRef>
-          <a:fontRef idx="minor">
-            <a:schemeClr val="lt1"/>
-          </a:fontRef>
-        </p:style>
-        <p:txBody>
-          <a:bodyPr rtlCol="0" anchor="ctr"/>
-          <a:lstStyle/>
-          <a:p>
-            <a:r>
-              <a:rPr lang="pt-BR" sz="2400" dirty="0">
-                <a:solidFill>
-                  <a:schemeClr val="tx1"/>
-                </a:solidFill>
-              </a:rPr>
-              <a:t>&lt;</a:t>
-            </a:r>
-            <a:r>
-              <a:rPr lang="pt-BR" sz="2400" dirty="0" err="1">
-                <a:solidFill>
-                  <a:schemeClr val="tx1"/>
-                </a:solidFill>
-              </a:rPr>
-              <a:t>class</a:t>
-            </a:r>
-            <a:r>
-              <a:rPr lang="pt-BR" sz="2400" dirty="0">
-                <a:solidFill>
-                  <a:schemeClr val="tx1"/>
-                </a:solidFill>
-              </a:rPr>
-              <a:t> '</a:t>
-            </a:r>
-            <a:r>
-              <a:rPr lang="pt-BR" sz="2400" dirty="0" err="1">
-                <a:solidFill>
-                  <a:schemeClr val="tx1"/>
-                </a:solidFill>
-              </a:rPr>
-              <a:t>int</a:t>
-            </a:r>
-            <a:r>
-              <a:rPr lang="pt-BR" sz="2400" dirty="0">
-                <a:solidFill>
-                  <a:schemeClr val="tx1"/>
-                </a:solidFill>
-              </a:rPr>
-              <a:t>'&gt;</a:t>
-            </a:r>
-          </a:p>
-          <a:p>
-            <a:r>
-              <a:rPr lang="pt-BR" sz="2400" dirty="0">
-                <a:solidFill>
-                  <a:schemeClr val="tx1"/>
-                </a:solidFill>
-              </a:rPr>
-              <a:t>&lt;</a:t>
-            </a:r>
-            <a:r>
-              <a:rPr lang="pt-BR" sz="2400" dirty="0" err="1">
-                <a:solidFill>
-                  <a:schemeClr val="tx1"/>
-                </a:solidFill>
-              </a:rPr>
-              <a:t>class</a:t>
-            </a:r>
-            <a:r>
-              <a:rPr lang="pt-BR" sz="2400" dirty="0">
-                <a:solidFill>
-                  <a:schemeClr val="tx1"/>
-                </a:solidFill>
-              </a:rPr>
-              <a:t> '</a:t>
-            </a:r>
-            <a:r>
-              <a:rPr lang="pt-BR" sz="2400" dirty="0" err="1">
-                <a:solidFill>
-                  <a:schemeClr val="tx1"/>
-                </a:solidFill>
-              </a:rPr>
-              <a:t>str</a:t>
-            </a:r>
-            <a:r>
-              <a:rPr lang="pt-BR" sz="2400" dirty="0">
-                <a:solidFill>
-                  <a:schemeClr val="tx1"/>
-                </a:solidFill>
-              </a:rPr>
-              <a:t>'&gt;</a:t>
-            </a:r>
-          </a:p>
-        </p:txBody>
-      </p:sp>
-      <p:sp>
-        <p:nvSpPr>
-          <p:cNvPr id="7" name="CustomShape 3">
-            <a:extLst>
-              <a:ext uri="{FF2B5EF4-FFF2-40B4-BE49-F238E27FC236}">
-                <a16:creationId xmlns:a16="http://schemas.microsoft.com/office/drawing/2014/main" id="{DD09ED40-096D-4167-9D3E-7B037623778D}"/>
-              </a:ext>
-            </a:extLst>
-          </p:cNvPr>
-          <p:cNvSpPr/>
-          <p:nvPr/>
-        </p:nvSpPr>
-        <p:spPr>
-          <a:xfrm>
-            <a:off x="9941040" y="7157160"/>
-            <a:ext cx="3022920" cy="401400"/>
-          </a:xfrm>
-          <a:prstGeom prst="rect">
-            <a:avLst/>
-          </a:prstGeom>
-          <a:noFill/>
-          <a:ln>
-            <a:noFill/>
-          </a:ln>
-        </p:spPr>
-        <p:style>
-          <a:lnRef idx="0">
-            <a:scrgbClr r="0" g="0" b="0"/>
-          </a:lnRef>
-          <a:fillRef idx="0">
-            <a:scrgbClr r="0" g="0" b="0"/>
-          </a:fillRef>
-          <a:effectRef idx="0">
-            <a:scrgbClr r="0" g="0" b="0"/>
-          </a:effectRef>
-          <a:fontRef idx="minor"/>
-        </p:style>
-        <p:txBody>
-          <a:bodyPr lIns="90000" tIns="45000" rIns="90000" bIns="45000" anchor="ctr"/>
-          <a:lstStyle/>
-          <a:p>
-            <a:pPr algn="r">
-              <a:lnSpc>
-                <a:spcPct val="100000"/>
-              </a:lnSpc>
-            </a:pPr>
-            <a:fld id="{E41630A5-50A0-42D1-9024-10A5D4502CEA}" type="slidenum">
-              <a:rPr lang="pt-BR" sz="1330" b="0" strike="noStrike" spc="-1">
-                <a:solidFill>
-                  <a:srgbClr val="8B8B8B"/>
-                </a:solidFill>
-                <a:latin typeface="Calibri"/>
-                <a:ea typeface="DejaVu Sans"/>
-              </a:rPr>
-              <a:t>4</a:t>
-            </a:fld>
-            <a:endParaRPr lang="pt-BR" sz="1330" b="0" strike="noStrike" spc="-1">
-              <a:latin typeface="Arial"/>
-            </a:endParaRPr>
-          </a:p>
-        </p:txBody>
-      </p:sp>
-    </p:spTree>
-    <p:extLst>
-      <p:ext uri="{BB962C8B-B14F-4D97-AF65-F5344CB8AC3E}">
-        <p14:creationId xmlns:p14="http://schemas.microsoft.com/office/powerpoint/2010/main" val="3180065209"/>
-      </p:ext>
-    </p:extLst>
-  </p:cSld>
-  <p:clrMapOvr>
-    <a:masterClrMapping/>
-  </p:clrMapOvr>
-  <p:timing>
-    <p:tnLst>
-      <p:par>
-        <p:cTn id="1" dur="indefinite" restart="never" nodeType="tmRoot">
-          <p:childTnLst>
-            <p:seq concurrent="1" nextAc="seek">
-              <p:cTn id="2" dur="indefinite" nodeType="mainSeq">
-                <p:childTnLst>
-                  <p:par>
-                    <p:cTn id="3" fill="hold">
-                      <p:stCondLst>
-                        <p:cond delay="indefinite"/>
-                      </p:stCondLst>
-                      <p:childTnLst>
-                        <p:par>
-                          <p:cTn id="4" fill="hold">
-                            <p:stCondLst>
-                              <p:cond delay="0"/>
-                            </p:stCondLst>
-                            <p:childTnLst>
-                              <p:par>
-                                <p:cTn id="5" presetID="1" presetClass="entr" presetSubtype="0" fill="hold" grpId="0" nodeType="clickEffect">
-                                  <p:stCondLst>
-                                    <p:cond delay="0"/>
-                                  </p:stCondLst>
-                                  <p:childTnLst>
-                                    <p:set>
-                                      <p:cBhvr>
-                                        <p:cTn id="6" dur="1" fill="hold">
-                                          <p:stCondLst>
-                                            <p:cond delay="0"/>
-                                          </p:stCondLst>
-                                        </p:cTn>
-                                        <p:tgtEl>
-                                          <p:spTgt spid="5"/>
-                                        </p:tgtEl>
-                                        <p:attrNameLst>
-                                          <p:attrName>style.visibility</p:attrName>
-                                        </p:attrNameLst>
-                                      </p:cBhvr>
-                                      <p:to>
-                                        <p:strVal val="visible"/>
-                                      </p:to>
-                                    </p:set>
-                                  </p:childTnLst>
-                                </p:cTn>
-                              </p:par>
-                            </p:childTnLst>
-                          </p:cTn>
-                        </p:par>
-                      </p:childTnLst>
-                    </p:cTn>
-                  </p:par>
-                </p:childTnLst>
-              </p:cTn>
-              <p:prevCondLst>
-                <p:cond evt="onPrev" delay="0">
-                  <p:tgtEl>
-                    <p:sldTgt/>
-                  </p:tgtEl>
-                </p:cond>
-              </p:prevCondLst>
-              <p:nextCondLst>
-                <p:cond evt="onNext" delay="0">
-                  <p:tgtEl>
-                    <p:sldTgt/>
-                  </p:tgtEl>
-                </p:cond>
-              </p:nextCondLst>
-            </p:seq>
-          </p:childTnLst>
-        </p:cTn>
-      </p:par>
-    </p:tnLst>
-    <p:bldLst>
-      <p:bldP spid="5" grpId="0" animBg="1"/>
-    </p:bldLst>
-  </p:timing>
-</p:sld>
-</file>
-
-<file path=ppt/slides/slide5.xml><?xml version="1.0" encoding="utf-8"?>
-<p:sld xmlns:a="http://schemas.openxmlformats.org/drawingml/2006/main" xmlns:r="http://schemas.openxmlformats.org/officeDocument/2006/relationships" xmlns:p="http://schemas.openxmlformats.org/presentationml/2006/main">
-  <p:cSld>
-    <p:spTree>
-      <p:nvGrpSpPr>
-        <p:cNvPr id="1" name=""/>
-        <p:cNvGrpSpPr/>
-        <p:nvPr/>
-      </p:nvGrpSpPr>
-      <p:grpSpPr>
-        <a:xfrm>
-          <a:off x="0" y="0"/>
-          <a:ext cx="0" cy="0"/>
-          <a:chOff x="0" y="0"/>
-          <a:chExt cx="0" cy="0"/>
-        </a:xfrm>
-      </p:grpSpPr>
-      <p:sp>
-        <p:nvSpPr>
-          <p:cNvPr id="2" name="Título 1">
-            <a:extLst>
-              <a:ext uri="{FF2B5EF4-FFF2-40B4-BE49-F238E27FC236}">
-                <a16:creationId xmlns:a16="http://schemas.microsoft.com/office/drawing/2014/main" id="{C8DA77EC-6F71-46B8-92C4-41AB5CEE0534}"/>
-              </a:ext>
-            </a:extLst>
-          </p:cNvPr>
-          <p:cNvSpPr>
-            <a:spLocks noGrp="1"/>
-          </p:cNvSpPr>
-          <p:nvPr>
-            <p:ph type="title"/>
-          </p:nvPr>
-        </p:nvSpPr>
-        <p:spPr/>
-        <p:txBody>
-          <a:bodyPr/>
-          <a:lstStyle/>
-          <a:p>
-            <a:r>
-              <a:rPr lang="pt-BR" dirty="0"/>
-              <a:t>Sintaxe do Python</a:t>
-            </a:r>
-          </a:p>
-        </p:txBody>
-      </p:sp>
-      <p:sp>
-        <p:nvSpPr>
-          <p:cNvPr id="3" name="Espaço Reservado para Conteúdo 2">
-            <a:extLst>
-              <a:ext uri="{FF2B5EF4-FFF2-40B4-BE49-F238E27FC236}">
-                <a16:creationId xmlns:a16="http://schemas.microsoft.com/office/drawing/2014/main" id="{51B3872E-1291-4864-8067-43408F6E24A7}"/>
-              </a:ext>
-            </a:extLst>
-          </p:cNvPr>
-          <p:cNvSpPr>
-            <a:spLocks noGrp="1"/>
-          </p:cNvSpPr>
-          <p:nvPr>
-            <p:ph idx="1"/>
-          </p:nvPr>
-        </p:nvSpPr>
-        <p:spPr>
-          <a:xfrm>
             <a:off x="457200" y="1329693"/>
             <a:ext cx="12374879" cy="6094409"/>
           </a:xfrm>
@@ -18189,7 +17202,7 @@
                 <a:latin typeface="Calibri"/>
                 <a:ea typeface="DejaVu Sans"/>
               </a:rPr>
-              <a:t>5</a:t>
+              <a:t>4</a:t>
             </a:fld>
             <a:endParaRPr lang="pt-BR" sz="1330" b="0" strike="noStrike" spc="-1">
               <a:latin typeface="Arial"/>
@@ -18636,7 +17649,7 @@
 </p:sld>
 </file>
 
-<file path=ppt/slides/slide6.xml><?xml version="1.0" encoding="utf-8"?>
+<file path=ppt/slides/slide5.xml><?xml version="1.0" encoding="utf-8"?>
 <p:sld xmlns:a="http://schemas.openxmlformats.org/drawingml/2006/main" xmlns:r="http://schemas.openxmlformats.org/officeDocument/2006/relationships" xmlns:p="http://schemas.openxmlformats.org/presentationml/2006/main">
   <p:cSld>
     <p:spTree>
@@ -18903,7 +17916,7 @@
                 <a:latin typeface="Calibri"/>
                 <a:ea typeface="DejaVu Sans"/>
               </a:rPr>
-              <a:t>6</a:t>
+              <a:t>5</a:t>
             </a:fld>
             <a:endParaRPr lang="pt-BR" sz="1330" b="0" strike="noStrike" spc="-1">
               <a:latin typeface="Arial"/>
@@ -19382,7 +18395,7 @@
 </p:sld>
 </file>
 
-<file path=ppt/slides/slide7.xml><?xml version="1.0" encoding="utf-8"?>
+<file path=ppt/slides/slide6.xml><?xml version="1.0" encoding="utf-8"?>
 <p:sld xmlns:a="http://schemas.openxmlformats.org/drawingml/2006/main" xmlns:r="http://schemas.openxmlformats.org/officeDocument/2006/relationships" xmlns:p="http://schemas.openxmlformats.org/presentationml/2006/main">
   <p:cSld>
     <p:spTree>
@@ -19490,7 +18503,7 @@
                 <a:latin typeface="Calibri"/>
                 <a:ea typeface="DejaVu Sans"/>
               </a:rPr>
-              <a:t>7</a:t>
+              <a:t>6</a:t>
             </a:fld>
             <a:endParaRPr lang="pt-BR" sz="1330" b="0" strike="noStrike" spc="-1">
               <a:latin typeface="Arial"/>
@@ -20823,7 +19836,7 @@
 </p:sld>
 </file>
 
-<file path=ppt/slides/slide8.xml><?xml version="1.0" encoding="utf-8"?>
+<file path=ppt/slides/slide7.xml><?xml version="1.0" encoding="utf-8"?>
 <p:sld xmlns:a="http://schemas.openxmlformats.org/drawingml/2006/main" xmlns:r="http://schemas.openxmlformats.org/officeDocument/2006/relationships" xmlns:p="http://schemas.openxmlformats.org/presentationml/2006/main">
   <p:cSld>
     <p:spTree>
@@ -21335,7 +20348,7 @@
                 <a:latin typeface="Calibri"/>
                 <a:ea typeface="DejaVu Sans"/>
               </a:rPr>
-              <a:t>8</a:t>
+              <a:t>7</a:t>
             </a:fld>
             <a:endParaRPr lang="pt-BR" sz="1330" b="0" strike="noStrike" spc="-1">
               <a:latin typeface="Arial"/>
@@ -21434,7 +20447,7 @@
 </p:sld>
 </file>
 
-<file path=ppt/slides/slide9.xml><?xml version="1.0" encoding="utf-8"?>
+<file path=ppt/slides/slide8.xml><?xml version="1.0" encoding="utf-8"?>
 <p:sld xmlns:a="http://schemas.openxmlformats.org/drawingml/2006/main" xmlns:r="http://schemas.openxmlformats.org/officeDocument/2006/relationships" xmlns:p="http://schemas.openxmlformats.org/presentationml/2006/main">
   <p:cSld>
     <p:spTree>
@@ -21997,7 +21010,7 @@
                 <a:latin typeface="Calibri"/>
                 <a:ea typeface="DejaVu Sans"/>
               </a:rPr>
-              <a:t>9</a:t>
+              <a:t>8</a:t>
             </a:fld>
             <a:endParaRPr lang="pt-BR" sz="1330" b="0" strike="noStrike" spc="-1">
               <a:latin typeface="Arial"/>
@@ -22424,6 +21437,492 @@
                                         </p:cTn>
                                         <p:tgtEl>
                                           <p:spTgt spid="22"/>
+                                        </p:tgtEl>
+                                        <p:attrNameLst>
+                                          <p:attrName>style.visibility</p:attrName>
+                                        </p:attrNameLst>
+                                      </p:cBhvr>
+                                      <p:to>
+                                        <p:strVal val="visible"/>
+                                      </p:to>
+                                    </p:set>
+                                  </p:childTnLst>
+                                </p:cTn>
+                              </p:par>
+                            </p:childTnLst>
+                          </p:cTn>
+                        </p:par>
+                      </p:childTnLst>
+                    </p:cTn>
+                  </p:par>
+                </p:childTnLst>
+              </p:cTn>
+              <p:prevCondLst>
+                <p:cond evt="onPrev" delay="0">
+                  <p:tgtEl>
+                    <p:sldTgt/>
+                  </p:tgtEl>
+                </p:cond>
+              </p:prevCondLst>
+              <p:nextCondLst>
+                <p:cond evt="onNext" delay="0">
+                  <p:tgtEl>
+                    <p:sldTgt/>
+                  </p:tgtEl>
+                </p:cond>
+              </p:nextCondLst>
+            </p:seq>
+          </p:childTnLst>
+        </p:cTn>
+      </p:par>
+    </p:tnLst>
+    <p:bldLst>
+      <p:bldP spid="5" grpId="0" animBg="1"/>
+    </p:bldLst>
+  </p:timing>
+</p:sld>
+</file>
+
+<file path=ppt/slides/slide9.xml><?xml version="1.0" encoding="utf-8"?>
+<p:sld xmlns:a="http://schemas.openxmlformats.org/drawingml/2006/main" xmlns:r="http://schemas.openxmlformats.org/officeDocument/2006/relationships" xmlns:p="http://schemas.openxmlformats.org/presentationml/2006/main">
+  <p:cSld>
+    <p:spTree>
+      <p:nvGrpSpPr>
+        <p:cNvPr id="1" name=""/>
+        <p:cNvGrpSpPr/>
+        <p:nvPr/>
+      </p:nvGrpSpPr>
+      <p:grpSpPr>
+        <a:xfrm>
+          <a:off x="0" y="0"/>
+          <a:ext cx="0" cy="0"/>
+          <a:chOff x="0" y="0"/>
+          <a:chExt cx="0" cy="0"/>
+        </a:xfrm>
+      </p:grpSpPr>
+      <p:sp>
+        <p:nvSpPr>
+          <p:cNvPr id="2" name="Título 1">
+            <a:extLst>
+              <a:ext uri="{FF2B5EF4-FFF2-40B4-BE49-F238E27FC236}">
+                <a16:creationId xmlns:a16="http://schemas.microsoft.com/office/drawing/2014/main" id="{82DB40DE-59E1-4B97-A114-A9C90BD8175C}"/>
+              </a:ext>
+            </a:extLst>
+          </p:cNvPr>
+          <p:cNvSpPr>
+            <a:spLocks noGrp="1"/>
+          </p:cNvSpPr>
+          <p:nvPr>
+            <p:ph type="title"/>
+          </p:nvPr>
+        </p:nvSpPr>
+        <p:spPr/>
+        <p:txBody>
+          <a:bodyPr/>
+          <a:lstStyle/>
+          <a:p>
+            <a:r>
+              <a:rPr lang="pt-BR" dirty="0"/>
+              <a:t>Laço do tipo for com a função range</a:t>
+            </a:r>
+          </a:p>
+        </p:txBody>
+      </p:sp>
+      <p:sp>
+        <p:nvSpPr>
+          <p:cNvPr id="3" name="Espaço Reservado para Conteúdo 2">
+            <a:extLst>
+              <a:ext uri="{FF2B5EF4-FFF2-40B4-BE49-F238E27FC236}">
+                <a16:creationId xmlns:a16="http://schemas.microsoft.com/office/drawing/2014/main" id="{E8A69164-52B8-4021-8281-35412A86673B}"/>
+              </a:ext>
+            </a:extLst>
+          </p:cNvPr>
+          <p:cNvSpPr>
+            <a:spLocks noGrp="1"/>
+          </p:cNvSpPr>
+          <p:nvPr>
+            <p:ph idx="1"/>
+          </p:nvPr>
+        </p:nvSpPr>
+        <p:spPr>
+          <a:xfrm>
+            <a:off x="457200" y="1178805"/>
+            <a:ext cx="12374879" cy="6245297"/>
+          </a:xfrm>
+        </p:spPr>
+        <p:txBody>
+          <a:bodyPr/>
+          <a:lstStyle/>
+          <a:p>
+            <a:r>
+              <a:rPr lang="en-US" dirty="0">
+                <a:ea typeface="Source Code Pro" panose="020B0509030403020204" pitchFamily="49" charset="0"/>
+              </a:rPr>
+              <a:t>range(5)</a:t>
+            </a:r>
+          </a:p>
+          <a:p>
+            <a:pPr lvl="1"/>
+            <a:r>
+              <a:rPr lang="en-US" dirty="0">
+                <a:ea typeface="Source Code Pro" panose="020B0509030403020204" pitchFamily="49" charset="0"/>
+              </a:rPr>
+              <a:t>retorna um iterator da </a:t>
+            </a:r>
+            <a:r>
+              <a:rPr lang="en-US" dirty="0" err="1">
+                <a:ea typeface="Source Code Pro" panose="020B0509030403020204" pitchFamily="49" charset="0"/>
+              </a:rPr>
+              <a:t>sequência</a:t>
+            </a:r>
+            <a:r>
+              <a:rPr lang="en-US" dirty="0">
+                <a:ea typeface="Source Code Pro" panose="020B0509030403020204" pitchFamily="49" charset="0"/>
+              </a:rPr>
+              <a:t> 0, 1, 2, 3, 4</a:t>
+            </a:r>
+          </a:p>
+          <a:p>
+            <a:r>
+              <a:rPr lang="en-US" dirty="0">
+                <a:ea typeface="Source Code Pro" panose="020B0509030403020204" pitchFamily="49" charset="0"/>
+              </a:rPr>
+              <a:t>range(2, 6)</a:t>
+            </a:r>
+          </a:p>
+          <a:p>
+            <a:pPr lvl="1"/>
+            <a:r>
+              <a:rPr lang="en-US" dirty="0">
+                <a:ea typeface="Source Code Pro" panose="020B0509030403020204" pitchFamily="49" charset="0"/>
+              </a:rPr>
+              <a:t>retorna um iterator da </a:t>
+            </a:r>
+            <a:r>
+              <a:rPr lang="en-US" dirty="0" err="1">
+                <a:ea typeface="Source Code Pro" panose="020B0509030403020204" pitchFamily="49" charset="0"/>
+              </a:rPr>
+              <a:t>sequência</a:t>
+            </a:r>
+            <a:r>
+              <a:rPr lang="en-US" dirty="0">
+                <a:ea typeface="Source Code Pro" panose="020B0509030403020204" pitchFamily="49" charset="0"/>
+              </a:rPr>
+              <a:t> 2, 3, 4, 5</a:t>
+            </a:r>
+          </a:p>
+        </p:txBody>
+      </p:sp>
+      <p:sp>
+        <p:nvSpPr>
+          <p:cNvPr id="6" name="CaixaDeTexto 5">
+            <a:extLst>
+              <a:ext uri="{FF2B5EF4-FFF2-40B4-BE49-F238E27FC236}">
+                <a16:creationId xmlns:a16="http://schemas.microsoft.com/office/drawing/2014/main" id="{3255C70A-F847-419F-B5CC-6FB0DFE630A2}"/>
+              </a:ext>
+            </a:extLst>
+          </p:cNvPr>
+          <p:cNvSpPr txBox="1"/>
+          <p:nvPr/>
+        </p:nvSpPr>
+        <p:spPr>
+          <a:xfrm>
+            <a:off x="1323974" y="3779837"/>
+            <a:ext cx="10456545" cy="1696042"/>
+          </a:xfrm>
+          <a:prstGeom prst="rect">
+            <a:avLst/>
+          </a:prstGeom>
+          <a:solidFill>
+            <a:schemeClr val="accent4">
+              <a:lumMod val="20000"/>
+              <a:lumOff val="80000"/>
+            </a:schemeClr>
+          </a:solidFill>
+        </p:spPr>
+        <p:txBody>
+          <a:bodyPr wrap="square" rtlCol="0">
+            <a:spAutoFit/>
+          </a:bodyPr>
+          <a:lstStyle/>
+          <a:p>
+            <a:pPr>
+              <a:lnSpc>
+                <a:spcPct val="150000"/>
+              </a:lnSpc>
+            </a:pPr>
+            <a:r>
+              <a:rPr lang="en-US" sz="2400" b="1" dirty="0">
+                <a:latin typeface="Source Code Pro" panose="020B0509030403020204" pitchFamily="49" charset="0"/>
+                <a:ea typeface="Source Code Pro" panose="020B0509030403020204" pitchFamily="49" charset="0"/>
+              </a:rPr>
+              <a:t>for</a:t>
+            </a:r>
+            <a:r>
+              <a:rPr lang="en-US" sz="2400" dirty="0">
+                <a:latin typeface="Source Code Pro" panose="020B0509030403020204" pitchFamily="49" charset="0"/>
+                <a:ea typeface="Source Code Pro" panose="020B0509030403020204" pitchFamily="49" charset="0"/>
+              </a:rPr>
+              <a:t> val </a:t>
+            </a:r>
+            <a:r>
+              <a:rPr lang="en-US" sz="2400" b="1" dirty="0">
+                <a:latin typeface="Source Code Pro" panose="020B0509030403020204" pitchFamily="49" charset="0"/>
+                <a:ea typeface="Source Code Pro" panose="020B0509030403020204" pitchFamily="49" charset="0"/>
+              </a:rPr>
+              <a:t>in</a:t>
+            </a:r>
+            <a:r>
+              <a:rPr lang="en-US" sz="2400" dirty="0">
+                <a:latin typeface="Source Code Pro" panose="020B0509030403020204" pitchFamily="49" charset="0"/>
+                <a:ea typeface="Source Code Pro" panose="020B0509030403020204" pitchFamily="49" charset="0"/>
+              </a:rPr>
+              <a:t> </a:t>
+            </a:r>
+            <a:r>
+              <a:rPr lang="en-US" sz="2400" b="1" dirty="0">
+                <a:latin typeface="Source Code Pro" panose="020B0509030403020204" pitchFamily="49" charset="0"/>
+                <a:ea typeface="Source Code Pro" panose="020B0509030403020204" pitchFamily="49" charset="0"/>
+              </a:rPr>
+              <a:t>range</a:t>
+            </a:r>
+            <a:r>
+              <a:rPr lang="en-US" sz="2400" dirty="0">
+                <a:latin typeface="Source Code Pro" panose="020B0509030403020204" pitchFamily="49" charset="0"/>
+                <a:ea typeface="Source Code Pro" panose="020B0509030403020204" pitchFamily="49" charset="0"/>
+              </a:rPr>
+              <a:t>(3):</a:t>
+            </a:r>
+          </a:p>
+          <a:p>
+            <a:pPr>
+              <a:lnSpc>
+                <a:spcPct val="150000"/>
+              </a:lnSpc>
+            </a:pPr>
+            <a:r>
+              <a:rPr lang="en-US" sz="2400" dirty="0">
+                <a:latin typeface="Source Code Pro" panose="020B0509030403020204" pitchFamily="49" charset="0"/>
+                <a:ea typeface="Source Code Pro" panose="020B0509030403020204" pitchFamily="49" charset="0"/>
+              </a:rPr>
+              <a:t>	</a:t>
+            </a:r>
+            <a:r>
+              <a:rPr lang="en-US" sz="2400" b="1" dirty="0">
+                <a:latin typeface="Source Code Pro" panose="020B0509030403020204" pitchFamily="49" charset="0"/>
+                <a:ea typeface="Source Code Pro" panose="020B0509030403020204" pitchFamily="49" charset="0"/>
+              </a:rPr>
+              <a:t>print</a:t>
+            </a:r>
+            <a:r>
+              <a:rPr lang="en-US" sz="2400" dirty="0">
+                <a:latin typeface="Source Code Pro" panose="020B0509030403020204" pitchFamily="49" charset="0"/>
+                <a:ea typeface="Source Code Pro" panose="020B0509030403020204" pitchFamily="49" charset="0"/>
+              </a:rPr>
+              <a:t>(val*val)</a:t>
+            </a:r>
+          </a:p>
+          <a:p>
+            <a:pPr>
+              <a:lnSpc>
+                <a:spcPct val="150000"/>
+              </a:lnSpc>
+            </a:pPr>
+            <a:endParaRPr lang="en-US" sz="2400" dirty="0">
+              <a:latin typeface="Source Code Pro" panose="020B0509030403020204" pitchFamily="49" charset="0"/>
+              <a:ea typeface="Source Code Pro" panose="020B0509030403020204" pitchFamily="49" charset="0"/>
+            </a:endParaRPr>
+          </a:p>
+        </p:txBody>
+      </p:sp>
+      <p:sp>
+        <p:nvSpPr>
+          <p:cNvPr id="5" name="Retângulo 4">
+            <a:extLst>
+              <a:ext uri="{FF2B5EF4-FFF2-40B4-BE49-F238E27FC236}">
+                <a16:creationId xmlns:a16="http://schemas.microsoft.com/office/drawing/2014/main" id="{72D1F425-45CE-4860-8220-B21F3B22AB58}"/>
+              </a:ext>
+            </a:extLst>
+          </p:cNvPr>
+          <p:cNvSpPr/>
+          <p:nvPr/>
+        </p:nvSpPr>
+        <p:spPr>
+          <a:xfrm>
+            <a:off x="1323976" y="5631496"/>
+            <a:ext cx="10456543" cy="1460500"/>
+          </a:xfrm>
+          <a:prstGeom prst="rect">
+            <a:avLst/>
+          </a:prstGeom>
+          <a:solidFill>
+            <a:schemeClr val="accent3">
+              <a:lumMod val="20000"/>
+              <a:lumOff val="80000"/>
+            </a:schemeClr>
+          </a:solidFill>
+          <a:ln>
+            <a:noFill/>
+          </a:ln>
+        </p:spPr>
+        <p:style>
+          <a:lnRef idx="2">
+            <a:schemeClr val="accent1">
+              <a:shade val="50000"/>
+            </a:schemeClr>
+          </a:lnRef>
+          <a:fillRef idx="1">
+            <a:schemeClr val="accent1"/>
+          </a:fillRef>
+          <a:effectRef idx="0">
+            <a:schemeClr val="accent1"/>
+          </a:effectRef>
+          <a:fontRef idx="minor">
+            <a:schemeClr val="lt1"/>
+          </a:fontRef>
+        </p:style>
+        <p:txBody>
+          <a:bodyPr rtlCol="0" anchor="ctr"/>
+          <a:lstStyle/>
+          <a:p>
+            <a:r>
+              <a:rPr lang="pt-BR" sz="2400" dirty="0">
+                <a:solidFill>
+                  <a:schemeClr val="tx1"/>
+                </a:solidFill>
+              </a:rPr>
+              <a:t>0</a:t>
+            </a:r>
+          </a:p>
+          <a:p>
+            <a:r>
+              <a:rPr lang="pt-BR" sz="2400" dirty="0">
+                <a:solidFill>
+                  <a:schemeClr val="tx1"/>
+                </a:solidFill>
+              </a:rPr>
+              <a:t>1</a:t>
+            </a:r>
+          </a:p>
+          <a:p>
+            <a:r>
+              <a:rPr lang="pt-BR" sz="2400" dirty="0">
+                <a:solidFill>
+                  <a:schemeClr val="tx1"/>
+                </a:solidFill>
+              </a:rPr>
+              <a:t>4</a:t>
+            </a:r>
+          </a:p>
+        </p:txBody>
+      </p:sp>
+      <p:sp>
+        <p:nvSpPr>
+          <p:cNvPr id="4" name="CustomShape 3">
+            <a:extLst>
+              <a:ext uri="{FF2B5EF4-FFF2-40B4-BE49-F238E27FC236}">
+                <a16:creationId xmlns:a16="http://schemas.microsoft.com/office/drawing/2014/main" id="{1BE7B927-27BF-4931-A919-93224C590B50}"/>
+              </a:ext>
+            </a:extLst>
+          </p:cNvPr>
+          <p:cNvSpPr/>
+          <p:nvPr/>
+        </p:nvSpPr>
+        <p:spPr>
+          <a:xfrm>
+            <a:off x="9941040" y="7157160"/>
+            <a:ext cx="3022920" cy="401400"/>
+          </a:xfrm>
+          <a:prstGeom prst="rect">
+            <a:avLst/>
+          </a:prstGeom>
+          <a:noFill/>
+          <a:ln>
+            <a:noFill/>
+          </a:ln>
+        </p:spPr>
+        <p:style>
+          <a:lnRef idx="0">
+            <a:scrgbClr r="0" g="0" b="0"/>
+          </a:lnRef>
+          <a:fillRef idx="0">
+            <a:scrgbClr r="0" g="0" b="0"/>
+          </a:fillRef>
+          <a:effectRef idx="0">
+            <a:scrgbClr r="0" g="0" b="0"/>
+          </a:effectRef>
+          <a:fontRef idx="minor"/>
+        </p:style>
+        <p:txBody>
+          <a:bodyPr lIns="90000" tIns="45000" rIns="90000" bIns="45000" anchor="ctr"/>
+          <a:lstStyle/>
+          <a:p>
+            <a:pPr algn="r">
+              <a:lnSpc>
+                <a:spcPct val="100000"/>
+              </a:lnSpc>
+            </a:pPr>
+            <a:fld id="{E41630A5-50A0-42D1-9024-10A5D4502CEA}" type="slidenum">
+              <a:rPr lang="pt-BR" sz="1330" b="0" strike="noStrike" spc="-1">
+                <a:solidFill>
+                  <a:srgbClr val="8B8B8B"/>
+                </a:solidFill>
+                <a:latin typeface="Calibri"/>
+                <a:ea typeface="DejaVu Sans"/>
+              </a:rPr>
+              <a:t>9</a:t>
+            </a:fld>
+            <a:endParaRPr lang="pt-BR" sz="1330" b="0" strike="noStrike" spc="-1">
+              <a:latin typeface="Arial"/>
+            </a:endParaRPr>
+          </a:p>
+        </p:txBody>
+      </p:sp>
+    </p:spTree>
+    <p:extLst>
+      <p:ext uri="{BB962C8B-B14F-4D97-AF65-F5344CB8AC3E}">
+        <p14:creationId xmlns:p14="http://schemas.microsoft.com/office/powerpoint/2010/main" val="1354421941"/>
+      </p:ext>
+    </p:extLst>
+  </p:cSld>
+  <p:clrMapOvr>
+    <a:masterClrMapping/>
+  </p:clrMapOvr>
+  <p:timing>
+    <p:tnLst>
+      <p:par>
+        <p:cTn id="1" dur="indefinite" restart="never" nodeType="tmRoot">
+          <p:childTnLst>
+            <p:seq concurrent="1" nextAc="seek">
+              <p:cTn id="2" dur="indefinite" nodeType="mainSeq">
+                <p:childTnLst>
+                  <p:par>
+                    <p:cTn id="3" fill="hold">
+                      <p:stCondLst>
+                        <p:cond delay="indefinite"/>
+                      </p:stCondLst>
+                      <p:childTnLst>
+                        <p:par>
+                          <p:cTn id="4" fill="hold">
+                            <p:stCondLst>
+                              <p:cond delay="0"/>
+                            </p:stCondLst>
+                            <p:childTnLst>
+                              <p:par>
+                                <p:cTn id="5" presetID="1" presetClass="entr" presetSubtype="0" fill="hold" grpId="0" nodeType="clickEffect">
+                                  <p:stCondLst>
+                                    <p:cond delay="0"/>
+                                  </p:stCondLst>
+                                  <p:childTnLst>
+                                    <p:set>
+                                      <p:cBhvr>
+                                        <p:cTn id="6" dur="1" fill="hold">
+                                          <p:stCondLst>
+                                            <p:cond delay="0"/>
+                                          </p:stCondLst>
+                                        </p:cTn>
+                                        <p:tgtEl>
+                                          <p:spTgt spid="5"/>
                                         </p:tgtEl>
                                         <p:attrNameLst>
                                           <p:attrName>style.visibility</p:attrName>

--- a/Aulas/Aula2/Aula02_Python_Parte1.pptx
+++ b/Aulas/Aula2/Aula02_Python_Parte1.pptx
@@ -5,7 +5,7 @@
     <p:sldMasterId id="2147483687" r:id="rId1"/>
   </p:sldMasterIdLst>
   <p:notesMasterIdLst>
-    <p:notesMasterId r:id="rId29"/>
+    <p:notesMasterId r:id="rId28"/>
   </p:notesMasterIdLst>
   <p:sldIdLst>
     <p:sldId id="256" r:id="rId2"/>
@@ -31,10 +31,9 @@
     <p:sldId id="433" r:id="rId22"/>
     <p:sldId id="407" r:id="rId23"/>
     <p:sldId id="408" r:id="rId24"/>
-    <p:sldId id="371" r:id="rId25"/>
-    <p:sldId id="378" r:id="rId26"/>
-    <p:sldId id="441" r:id="rId27"/>
-    <p:sldId id="442" r:id="rId28"/>
+    <p:sldId id="378" r:id="rId25"/>
+    <p:sldId id="441" r:id="rId26"/>
+    <p:sldId id="442" r:id="rId27"/>
   </p:sldIdLst>
   <p:sldSz cx="13439775" cy="7559675"/>
   <p:notesSz cx="7559675" cy="10691813"/>
@@ -7697,54 +7696,6 @@
           </a:prstGeom>
         </p:spPr>
       </p:pic>
-      <p:sp>
-        <p:nvSpPr>
-          <p:cNvPr id="2" name="TextBox 1">
-            <a:extLst>
-              <a:ext uri="{FF2B5EF4-FFF2-40B4-BE49-F238E27FC236}">
-                <a16:creationId xmlns:a16="http://schemas.microsoft.com/office/drawing/2014/main" id="{7409B8EE-C630-405B-8941-C63E3D5DE1D1}"/>
-              </a:ext>
-            </a:extLst>
-          </p:cNvPr>
-          <p:cNvSpPr txBox="1"/>
-          <p:nvPr/>
-        </p:nvSpPr>
-        <p:spPr>
-          <a:xfrm>
-            <a:off x="2180492" y="6361074"/>
-            <a:ext cx="8875635" cy="646331"/>
-          </a:xfrm>
-          <a:prstGeom prst="rect">
-            <a:avLst/>
-          </a:prstGeom>
-          <a:noFill/>
-        </p:spPr>
-        <p:txBody>
-          <a:bodyPr wrap="none" rtlCol="0">
-            <a:spAutoFit/>
-          </a:bodyPr>
-          <a:lstStyle/>
-          <a:p>
-            <a:pPr algn="ctr"/>
-            <a:r>
-              <a:rPr lang="pt-BR" dirty="0"/>
-              <a:t>Resolução dos Exercícios da Aula 1 </a:t>
-            </a:r>
-            <a:endParaRPr lang="pt-BR" dirty="0">
-              <a:hlinkClick r:id="rId5"/>
-            </a:endParaRPr>
-          </a:p>
-          <a:p>
-            <a:r>
-              <a:rPr lang="pt-BR" dirty="0">
-                <a:hlinkClick r:id="rId5"/>
-              </a:rPr>
-              <a:t>https://drive.google.com/file/d/16mpT4kJeVPvn8TlPX3zK5bX0SPNMsnDa/view?usp=sharing</a:t>
-            </a:r>
-            <a:endParaRPr lang="pt-BR" dirty="0"/>
-          </a:p>
-        </p:txBody>
-      </p:sp>
     </p:spTree>
   </p:cSld>
   <p:clrMapOvr>
@@ -13151,55 +13102,6 @@
       </p:sp>
       <p:sp>
         <p:nvSpPr>
-          <p:cNvPr id="3" name="Espaço Reservado para Conteúdo 2">
-            <a:extLst>
-              <a:ext uri="{FF2B5EF4-FFF2-40B4-BE49-F238E27FC236}">
-                <a16:creationId xmlns:a16="http://schemas.microsoft.com/office/drawing/2014/main" id="{51B3872E-1291-4864-8067-43408F6E24A7}"/>
-              </a:ext>
-            </a:extLst>
-          </p:cNvPr>
-          <p:cNvSpPr>
-            <a:spLocks noGrp="1"/>
-          </p:cNvSpPr>
-          <p:nvPr>
-            <p:ph idx="1"/>
-          </p:nvPr>
-        </p:nvSpPr>
-        <p:spPr>
-          <a:xfrm>
-            <a:off x="457366" y="877898"/>
-            <a:ext cx="12374554" cy="6546110"/>
-          </a:xfrm>
-        </p:spPr>
-        <p:txBody>
-          <a:bodyPr>
-            <a:normAutofit/>
-          </a:bodyPr>
-          <a:lstStyle/>
-          <a:p>
-            <a:r>
-              <a:rPr lang="pt-BR" dirty="0"/>
-              <a:t>Abra no Colab </a:t>
-            </a:r>
-            <a:r>
-              <a:rPr lang="pt-BR" dirty="0">
-                <a:hlinkClick r:id="rId2"/>
-              </a:rPr>
-              <a:t>https://colab.research.google.com/</a:t>
-            </a:r>
-            <a:endParaRPr lang="pt-BR" dirty="0"/>
-          </a:p>
-          <a:p>
-            <a:pPr lvl="1"/>
-            <a:r>
-              <a:rPr lang="pt-BR" dirty="0"/>
-              <a:t>File -&gt; Open notebook</a:t>
-            </a:r>
-          </a:p>
-        </p:txBody>
-      </p:sp>
-      <p:sp>
-        <p:nvSpPr>
           <p:cNvPr id="7" name="CustomShape 3">
             <a:extLst>
               <a:ext uri="{FF2B5EF4-FFF2-40B4-BE49-F238E27FC236}">
@@ -13274,8 +13176,8 @@
         </p:nvSpPr>
         <p:spPr>
           <a:xfrm>
-            <a:off x="1259848" y="7095885"/>
-            <a:ext cx="10379123" cy="461665"/>
+            <a:off x="1537640" y="7157071"/>
+            <a:ext cx="9297610" cy="369332"/>
           </a:xfrm>
           <a:prstGeom prst="rect">
             <a:avLst/>
@@ -13289,8 +13191,154 @@
           <a:lstStyle/>
           <a:p>
             <a:r>
-              <a:rPr lang="pt-BR" sz="2400" dirty="0"/>
-              <a:t>Repositório desta disciplina: https://github.com/alexlopespereira/enapespcd2021</a:t>
+              <a:rPr lang="pt-BR" dirty="0"/>
+              <a:t>Repositório desta disciplina</a:t>
+            </a:r>
+            <a:r>
+              <a:rPr lang="pt-BR"/>
+              <a:t>: </a:t>
+            </a:r>
+            <a:r>
+              <a:rPr lang="pt-BR">
+                <a:hlinkClick r:id="rId2"/>
+              </a:rPr>
+              <a:t>https://github.com/alexlopespereira/idp_mestrado/tree/main/Aulas</a:t>
+            </a:r>
+            <a:endParaRPr lang="pt-BR" dirty="0"/>
+          </a:p>
+        </p:txBody>
+      </p:sp>
+      <p:pic>
+        <p:nvPicPr>
+          <p:cNvPr id="5" name="Picture 4">
+            <a:extLst>
+              <a:ext uri="{FF2B5EF4-FFF2-40B4-BE49-F238E27FC236}">
+                <a16:creationId xmlns:a16="http://schemas.microsoft.com/office/drawing/2014/main" id="{C0386A1A-AAEC-FF8C-85BE-BBB2F825BB7A}"/>
+              </a:ext>
+            </a:extLst>
+          </p:cNvPr>
+          <p:cNvPicPr>
+            <a:picLocks noChangeAspect="1"/>
+          </p:cNvPicPr>
+          <p:nvPr/>
+        </p:nvPicPr>
+        <p:blipFill>
+          <a:blip r:embed="rId3"/>
+          <a:stretch>
+            <a:fillRect/>
+          </a:stretch>
+        </p:blipFill>
+        <p:spPr>
+          <a:xfrm>
+            <a:off x="818326" y="750464"/>
+            <a:ext cx="11803122" cy="6058746"/>
+          </a:xfrm>
+          <a:prstGeom prst="rect">
+            <a:avLst/>
+          </a:prstGeom>
+        </p:spPr>
+      </p:pic>
+      <p:sp>
+        <p:nvSpPr>
+          <p:cNvPr id="6" name="Rectangle: Rounded Corners 5">
+            <a:extLst>
+              <a:ext uri="{FF2B5EF4-FFF2-40B4-BE49-F238E27FC236}">
+                <a16:creationId xmlns:a16="http://schemas.microsoft.com/office/drawing/2014/main" id="{31CF901F-FCD9-61CA-5DF5-82655401DD52}"/>
+              </a:ext>
+            </a:extLst>
+          </p:cNvPr>
+          <p:cNvSpPr/>
+          <p:nvPr/>
+        </p:nvSpPr>
+        <p:spPr>
+          <a:xfrm>
+            <a:off x="5729468" y="3935392"/>
+            <a:ext cx="1782502" cy="509286"/>
+          </a:xfrm>
+          <a:prstGeom prst="roundRect">
+            <a:avLst/>
+          </a:prstGeom>
+          <a:noFill/>
+          <a:ln w="38100">
+            <a:solidFill>
+              <a:srgbClr val="FF0000"/>
+            </a:solidFill>
+          </a:ln>
+        </p:spPr>
+        <p:style>
+          <a:lnRef idx="2">
+            <a:schemeClr val="accent1">
+              <a:shade val="15000"/>
+            </a:schemeClr>
+          </a:lnRef>
+          <a:fillRef idx="1">
+            <a:schemeClr val="accent1"/>
+          </a:fillRef>
+          <a:effectRef idx="0">
+            <a:schemeClr val="accent1"/>
+          </a:effectRef>
+          <a:fontRef idx="minor">
+            <a:schemeClr val="lt1"/>
+          </a:fontRef>
+        </p:style>
+        <p:txBody>
+          <a:bodyPr rtlCol="0" anchor="ctr"/>
+          <a:lstStyle/>
+          <a:p>
+            <a:pPr algn="ctr"/>
+            <a:endParaRPr lang="en-US"/>
+          </a:p>
+        </p:txBody>
+      </p:sp>
+      <p:sp>
+        <p:nvSpPr>
+          <p:cNvPr id="11" name="Speech Bubble: Rectangle with Corners Rounded 10">
+            <a:extLst>
+              <a:ext uri="{FF2B5EF4-FFF2-40B4-BE49-F238E27FC236}">
+                <a16:creationId xmlns:a16="http://schemas.microsoft.com/office/drawing/2014/main" id="{F145D9E1-C348-45DD-3022-4383DE263B63}"/>
+              </a:ext>
+            </a:extLst>
+          </p:cNvPr>
+          <p:cNvSpPr/>
+          <p:nvPr/>
+        </p:nvSpPr>
+        <p:spPr>
+          <a:xfrm>
+            <a:off x="7511970" y="3588152"/>
+            <a:ext cx="1469984" cy="659757"/>
+          </a:xfrm>
+          <a:prstGeom prst="wedgeRoundRectCallout">
+            <a:avLst>
+              <a:gd name="adj1" fmla="val -71227"/>
+              <a:gd name="adj2" fmla="val 34430"/>
+              <a:gd name="adj3" fmla="val 16667"/>
+            </a:avLst>
+          </a:prstGeom>
+        </p:spPr>
+        <p:style>
+          <a:lnRef idx="2">
+            <a:schemeClr val="accent1">
+              <a:shade val="15000"/>
+            </a:schemeClr>
+          </a:lnRef>
+          <a:fillRef idx="1">
+            <a:schemeClr val="accent1"/>
+          </a:fillRef>
+          <a:effectRef idx="0">
+            <a:schemeClr val="accent1"/>
+          </a:effectRef>
+          <a:fontRef idx="minor">
+            <a:schemeClr val="lt1"/>
+          </a:fontRef>
+        </p:style>
+        <p:txBody>
+          <a:bodyPr rtlCol="0" anchor="ctr"/>
+          <a:lstStyle/>
+          <a:p>
+            <a:pPr algn="ctr"/>
+            <a:r>
+              <a:rPr lang="en-US"/>
+              <a:t>Clicar aqui</a:t>
             </a:r>
           </a:p>
         </p:txBody>
@@ -14160,219 +14208,6 @@
           <p:cNvPr id="2" name="Título 1">
             <a:extLst>
               <a:ext uri="{FF2B5EF4-FFF2-40B4-BE49-F238E27FC236}">
-                <a16:creationId xmlns:a16="http://schemas.microsoft.com/office/drawing/2014/main" id="{BF7C479B-BB33-445B-8354-0B5DCD5FA2FE}"/>
-              </a:ext>
-            </a:extLst>
-          </p:cNvPr>
-          <p:cNvSpPr>
-            <a:spLocks noGrp="1"/>
-          </p:cNvSpPr>
-          <p:nvPr>
-            <p:ph type="title"/>
-          </p:nvPr>
-        </p:nvSpPr>
-        <p:spPr>
-          <a:xfrm>
-            <a:off x="923925" y="22225"/>
-            <a:ext cx="11591925" cy="1127306"/>
-          </a:xfrm>
-        </p:spPr>
-        <p:txBody>
-          <a:bodyPr/>
-          <a:lstStyle/>
-          <a:p>
-            <a:r>
-              <a:rPr lang="pt-BR" dirty="0"/>
-              <a:t>Metodologia das Aulas Práticas</a:t>
-            </a:r>
-          </a:p>
-        </p:txBody>
-      </p:sp>
-      <p:sp>
-        <p:nvSpPr>
-          <p:cNvPr id="3" name="Espaço Reservado para Conteúdo 2">
-            <a:extLst>
-              <a:ext uri="{FF2B5EF4-FFF2-40B4-BE49-F238E27FC236}">
-                <a16:creationId xmlns:a16="http://schemas.microsoft.com/office/drawing/2014/main" id="{522E0BB4-2417-42AC-A1C9-F685BAF79DFC}"/>
-              </a:ext>
-            </a:extLst>
-          </p:cNvPr>
-          <p:cNvSpPr>
-            <a:spLocks noGrp="1"/>
-          </p:cNvSpPr>
-          <p:nvPr>
-            <p:ph idx="1"/>
-          </p:nvPr>
-        </p:nvSpPr>
-        <p:spPr>
-          <a:xfrm>
-            <a:off x="457200" y="1149531"/>
-            <a:ext cx="12374879" cy="6274571"/>
-          </a:xfrm>
-        </p:spPr>
-        <p:txBody>
-          <a:bodyPr>
-            <a:normAutofit/>
-          </a:bodyPr>
-          <a:lstStyle/>
-          <a:p>
-            <a:r>
-              <a:rPr lang="pt-BR" sz="3527" dirty="0"/>
-              <a:t>Grupos de 4 alunos</a:t>
-            </a:r>
-          </a:p>
-          <a:p>
-            <a:pPr lvl="1"/>
-            <a:r>
-              <a:rPr lang="pt-BR" sz="3200" dirty="0"/>
-              <a:t>Ajudar e ser ajudado pelos próprios colegas (</a:t>
-            </a:r>
-            <a:r>
-              <a:rPr lang="pt-BR" sz="3200" i="1" dirty="0"/>
-              <a:t>peer instruction</a:t>
-            </a:r>
-            <a:r>
-              <a:rPr lang="pt-BR" sz="3200" dirty="0"/>
-              <a:t>);</a:t>
-            </a:r>
-            <a:endParaRPr lang="pt-BR" sz="3127" dirty="0"/>
-          </a:p>
-          <a:p>
-            <a:r>
-              <a:rPr lang="pt-BR" sz="3527" dirty="0"/>
-              <a:t>Conectados numa sala de vídeo conferência;</a:t>
-            </a:r>
-          </a:p>
-          <a:p>
-            <a:r>
-              <a:rPr lang="pt-BR" sz="3527" dirty="0"/>
-              <a:t>Desenvolvendo os exercícios </a:t>
-            </a:r>
-            <a:r>
-              <a:rPr lang="pt-BR" sz="3527" b="1" dirty="0"/>
-              <a:t>individualmente</a:t>
-            </a:r>
-            <a:r>
-              <a:rPr lang="pt-BR" sz="3527" dirty="0"/>
-              <a:t> </a:t>
-            </a:r>
-          </a:p>
-          <a:p>
-            <a:pPr lvl="1"/>
-            <a:r>
-              <a:rPr lang="pt-BR" sz="3127" dirty="0"/>
-              <a:t>e tirando dúvidas entre si, se necessário;</a:t>
-            </a:r>
-          </a:p>
-          <a:p>
-            <a:r>
-              <a:rPr lang="pt-BR" sz="3527" dirty="0"/>
-              <a:t>O monitor/professor entra na sala para sanar uma dúvida </a:t>
-            </a:r>
-          </a:p>
-          <a:p>
-            <a:pPr lvl="1"/>
-            <a:r>
-              <a:rPr lang="pt-BR" sz="3127" dirty="0"/>
-              <a:t>registrada no canal duvidas do slack.</a:t>
-            </a:r>
-          </a:p>
-          <a:p>
-            <a:pPr lvl="2"/>
-            <a:r>
-              <a:rPr lang="pt-BR" sz="2727" dirty="0"/>
-              <a:t>Informe sua sala na dúvida registrada no Slack</a:t>
-            </a:r>
-          </a:p>
-          <a:p>
-            <a:pPr lvl="1"/>
-            <a:r>
-              <a:rPr lang="pt-BR" sz="3127" dirty="0"/>
-              <a:t>depois de </a:t>
-            </a:r>
-            <a:r>
-              <a:rPr lang="pt-BR" sz="3127" b="1" dirty="0">
-                <a:solidFill>
-                  <a:srgbClr val="FF0000"/>
-                </a:solidFill>
-              </a:rPr>
-              <a:t>15min sem progresso</a:t>
-            </a:r>
-            <a:r>
-              <a:rPr lang="pt-BR" sz="3127" dirty="0"/>
-              <a:t>, é hora de chamar um monitor!</a:t>
-            </a:r>
-          </a:p>
-          <a:p>
-            <a:endParaRPr lang="pt-BR" sz="3527" dirty="0"/>
-          </a:p>
-        </p:txBody>
-      </p:sp>
-      <p:sp>
-        <p:nvSpPr>
-          <p:cNvPr id="4" name="Espaço Reservado para Número de Slide 3">
-            <a:extLst>
-              <a:ext uri="{FF2B5EF4-FFF2-40B4-BE49-F238E27FC236}">
-                <a16:creationId xmlns:a16="http://schemas.microsoft.com/office/drawing/2014/main" id="{A1389E38-9F71-4758-B3FB-2772859167F4}"/>
-              </a:ext>
-            </a:extLst>
-          </p:cNvPr>
-          <p:cNvSpPr>
-            <a:spLocks noGrp="1"/>
-          </p:cNvSpPr>
-          <p:nvPr>
-            <p:ph type="sldNum" sz="quarter" idx="12"/>
-          </p:nvPr>
-        </p:nvSpPr>
-        <p:spPr/>
-        <p:txBody>
-          <a:bodyPr/>
-          <a:lstStyle/>
-          <a:p>
-            <a:fld id="{D57F1E4F-1CFF-5643-939E-217C01CDF565}" type="slidenum">
-              <a:rPr lang="en-US" smtClean="0"/>
-              <a:pPr/>
-              <a:t>24</a:t>
-            </a:fld>
-            <a:endParaRPr lang="en-US" dirty="0"/>
-          </a:p>
-        </p:txBody>
-      </p:sp>
-    </p:spTree>
-    <p:extLst>
-      <p:ext uri="{BB962C8B-B14F-4D97-AF65-F5344CB8AC3E}">
-        <p14:creationId xmlns:p14="http://schemas.microsoft.com/office/powerpoint/2010/main" val="1436051335"/>
-      </p:ext>
-    </p:extLst>
-  </p:cSld>
-  <p:clrMapOvr>
-    <a:masterClrMapping/>
-  </p:clrMapOvr>
-</p:sld>
-</file>
-
-<file path=ppt/slides/slide25.xml><?xml version="1.0" encoding="utf-8"?>
-<p:sld xmlns:a="http://schemas.openxmlformats.org/drawingml/2006/main" xmlns:r="http://schemas.openxmlformats.org/officeDocument/2006/relationships" xmlns:p="http://schemas.openxmlformats.org/presentationml/2006/main">
-  <p:cSld>
-    <p:spTree>
-      <p:nvGrpSpPr>
-        <p:cNvPr id="1" name=""/>
-        <p:cNvGrpSpPr/>
-        <p:nvPr/>
-      </p:nvGrpSpPr>
-      <p:grpSpPr>
-        <a:xfrm>
-          <a:off x="0" y="0"/>
-          <a:ext cx="0" cy="0"/>
-          <a:chOff x="0" y="0"/>
-          <a:chExt cx="0" cy="0"/>
-        </a:xfrm>
-      </p:grpSpPr>
-      <p:sp>
-        <p:nvSpPr>
-          <p:cNvPr id="2" name="Título 1">
-            <a:extLst>
-              <a:ext uri="{FF2B5EF4-FFF2-40B4-BE49-F238E27FC236}">
                 <a16:creationId xmlns:a16="http://schemas.microsoft.com/office/drawing/2014/main" id="{C8DA77EC-6F71-46B8-92C4-41AB5CEE0534}"/>
               </a:ext>
             </a:extLst>
@@ -14636,7 +14471,7 @@
                 <a:latin typeface="Calibri"/>
                 <a:ea typeface="DejaVu Sans"/>
               </a:rPr>
-              <a:t>25</a:t>
+              <a:t>24</a:t>
             </a:fld>
             <a:endParaRPr lang="pt-BR" sz="1330" b="0" strike="noStrike" spc="-1">
               <a:latin typeface="Arial"/>
@@ -14687,7 +14522,7 @@
 </p:sld>
 </file>
 
-<file path=ppt/slides/slide26.xml><?xml version="1.0" encoding="utf-8"?>
+<file path=ppt/slides/slide25.xml><?xml version="1.0" encoding="utf-8"?>
 <p:sld xmlns:a="http://schemas.openxmlformats.org/drawingml/2006/main" xmlns:r="http://schemas.openxmlformats.org/officeDocument/2006/relationships" xmlns:p="http://schemas.openxmlformats.org/presentationml/2006/main">
   <p:cSld>
     <p:spTree>
@@ -15256,7 +15091,7 @@
 </p:sld>
 </file>
 
-<file path=ppt/slides/slide27.xml><?xml version="1.0" encoding="utf-8"?>
+<file path=ppt/slides/slide26.xml><?xml version="1.0" encoding="utf-8"?>
 <p:sld xmlns:a="http://schemas.openxmlformats.org/drawingml/2006/main" xmlns:r="http://schemas.openxmlformats.org/officeDocument/2006/relationships" xmlns:p="http://schemas.openxmlformats.org/presentationml/2006/main">
   <p:cSld>
     <p:spTree>
@@ -15544,7 +15379,7 @@
                 <a:latin typeface="Calibri"/>
                 <a:ea typeface="DejaVu Sans"/>
               </a:rPr>
-              <a:t>27</a:t>
+              <a:t>26</a:t>
             </a:fld>
             <a:endParaRPr lang="pt-BR" sz="1330" b="0" strike="noStrike" spc="-1">
               <a:latin typeface="Arial"/>
@@ -15676,67 +15511,6 @@
           </a:p>
         </p:txBody>
       </p:sp>
-      <p:sp>
-        <p:nvSpPr>
-          <p:cNvPr id="7" name="Retângulo 4">
-            <a:extLst>
-              <a:ext uri="{FF2B5EF4-FFF2-40B4-BE49-F238E27FC236}">
-                <a16:creationId xmlns:a16="http://schemas.microsoft.com/office/drawing/2014/main" id="{E90B16E4-9106-4D71-B572-B3EC83E3BE0F}"/>
-              </a:ext>
-            </a:extLst>
-          </p:cNvPr>
-          <p:cNvSpPr/>
-          <p:nvPr/>
-        </p:nvSpPr>
-        <p:spPr>
-          <a:xfrm>
-            <a:off x="1409700" y="5916175"/>
-            <a:ext cx="10896600" cy="1106527"/>
-          </a:xfrm>
-          <a:prstGeom prst="rect">
-            <a:avLst/>
-          </a:prstGeom>
-          <a:solidFill>
-            <a:schemeClr val="accent3">
-              <a:lumMod val="20000"/>
-              <a:lumOff val="80000"/>
-            </a:schemeClr>
-          </a:solidFill>
-          <a:ln>
-            <a:noFill/>
-          </a:ln>
-        </p:spPr>
-        <p:style>
-          <a:lnRef idx="2">
-            <a:schemeClr val="accent1">
-              <a:shade val="50000"/>
-            </a:schemeClr>
-          </a:lnRef>
-          <a:fillRef idx="1">
-            <a:schemeClr val="accent1"/>
-          </a:fillRef>
-          <a:effectRef idx="0">
-            <a:schemeClr val="accent1"/>
-          </a:effectRef>
-          <a:fontRef idx="minor">
-            <a:schemeClr val="lt1"/>
-          </a:fontRef>
-        </p:style>
-        <p:txBody>
-          <a:bodyPr rtlCol="0" anchor="ctr"/>
-          <a:lstStyle/>
-          <a:p>
-            <a:r>
-              <a:rPr lang="en-US" sz="2400" dirty="0">
-                <a:solidFill>
-                  <a:schemeClr val="tx1"/>
-                </a:solidFill>
-              </a:rPr>
-              <a:t>True</a:t>
-            </a:r>
-          </a:p>
-        </p:txBody>
-      </p:sp>
     </p:spTree>
     <p:extLst>
       <p:ext uri="{BB962C8B-B14F-4D97-AF65-F5344CB8AC3E}">
@@ -15747,84 +15521,6 @@
   <p:clrMapOvr>
     <a:masterClrMapping/>
   </p:clrMapOvr>
-  <p:timing>
-    <p:tnLst>
-      <p:par>
-        <p:cTn id="1" dur="indefinite" restart="never" nodeType="tmRoot">
-          <p:childTnLst>
-            <p:seq concurrent="1" nextAc="seek">
-              <p:cTn id="2" dur="indefinite" nodeType="mainSeq">
-                <p:childTnLst>
-                  <p:par>
-                    <p:cTn id="3" fill="hold">
-                      <p:stCondLst>
-                        <p:cond delay="indefinite"/>
-                      </p:stCondLst>
-                      <p:childTnLst>
-                        <p:par>
-                          <p:cTn id="4" fill="hold">
-                            <p:stCondLst>
-                              <p:cond delay="0"/>
-                            </p:stCondLst>
-                            <p:childTnLst>
-                              <p:par>
-                                <p:cTn id="5" presetID="1" presetClass="entr" presetSubtype="0" fill="hold" grpId="0" nodeType="clickEffect">
-                                  <p:stCondLst>
-                                    <p:cond delay="0"/>
-                                  </p:stCondLst>
-                                  <p:childTnLst>
-                                    <p:set>
-                                      <p:cBhvr>
-                                        <p:cTn id="6" dur="1" fill="hold">
-                                          <p:stCondLst>
-                                            <p:cond delay="0"/>
-                                          </p:stCondLst>
-                                        </p:cTn>
-                                        <p:tgtEl>
-                                          <p:spTgt spid="7"/>
-                                        </p:tgtEl>
-                                        <p:attrNameLst>
-                                          <p:attrName>style.visibility</p:attrName>
-                                        </p:attrNameLst>
-                                      </p:cBhvr>
-                                      <p:to>
-                                        <p:strVal val="visible"/>
-                                      </p:to>
-                                    </p:set>
-                                  </p:childTnLst>
-                                </p:cTn>
-                              </p:par>
-                            </p:childTnLst>
-                          </p:cTn>
-                        </p:par>
-                      </p:childTnLst>
-                    </p:cTn>
-                  </p:par>
-                </p:childTnLst>
-              </p:cTn>
-              <p:prevCondLst>
-                <p:cond evt="onPrev" delay="0">
-                  <p:tgtEl>
-                    <p:sldTgt/>
-                  </p:tgtEl>
-                </p:cond>
-              </p:prevCondLst>
-              <p:nextCondLst>
-                <p:cond evt="onNext" delay="0">
-                  <p:tgtEl>
-                    <p:sldTgt/>
-                  </p:tgtEl>
-                </p:cond>
-              </p:nextCondLst>
-            </p:seq>
-          </p:childTnLst>
-        </p:cTn>
-      </p:par>
-    </p:tnLst>
-    <p:bldLst>
-      <p:bldP spid="7" grpId="0" animBg="1"/>
-    </p:bldLst>
-  </p:timing>
 </p:sld>
 </file>
 
